--- a/PowerPoint/工夫点.pptx
+++ b/PowerPoint/工夫点.pptx
@@ -11242,14 +11242,23 @@
           <a:lstStyle/>
           <a:p>
             <a:r>
-              <a:rPr kumimoji="1" lang="ja-JP" altLang="en-US" sz="1050"/>
+              <a:rPr kumimoji="1" lang="ja-JP" altLang="en-US" sz="1050">
+                <a:latin typeface="Meiryo" panose="020B0604030504040204" pitchFamily="34" charset="-128"/>
+                <a:ea typeface="Meiryo" panose="020B0604030504040204" pitchFamily="34" charset="-128"/>
+              </a:rPr>
               <a:t>カーブを</a:t>
             </a:r>
             <a:r>
-              <a:rPr lang="ja-JP" altLang="en-US" sz="1050"/>
+              <a:rPr lang="ja-JP" altLang="en-US" sz="1050">
+                <a:latin typeface="Meiryo" panose="020B0604030504040204" pitchFamily="34" charset="-128"/>
+                <a:ea typeface="Meiryo" panose="020B0604030504040204" pitchFamily="34" charset="-128"/>
+              </a:rPr>
               <a:t>安定して曲がることのできる旋回量計算式の構築</a:t>
             </a:r>
-            <a:endParaRPr kumimoji="1" lang="en-US" altLang="ja-JP" sz="1050" dirty="0"/>
+            <a:endParaRPr kumimoji="1" lang="en-US" altLang="ja-JP" sz="1050" dirty="0">
+              <a:latin typeface="Meiryo" panose="020B0604030504040204" pitchFamily="34" charset="-128"/>
+              <a:ea typeface="Meiryo" panose="020B0604030504040204" pitchFamily="34" charset="-128"/>
+            </a:endParaRPr>
           </a:p>
         </p:txBody>
       </p:sp>
@@ -11267,7 +11276,7 @@
         </p:nvGrpSpPr>
         <p:grpSpPr>
           <a:xfrm>
-            <a:off x="129674" y="1693833"/>
+            <a:off x="129674" y="1632248"/>
             <a:ext cx="6252559" cy="347516"/>
             <a:chOff x="131524" y="868527"/>
             <a:chExt cx="3963392" cy="347516"/>
@@ -11412,8 +11421,8 @@
         </p:nvSpPr>
         <p:spPr>
           <a:xfrm>
-            <a:off x="284809" y="2058928"/>
-            <a:ext cx="6107956" cy="415498"/>
+            <a:off x="284809" y="1992288"/>
+            <a:ext cx="6107956" cy="738664"/>
           </a:xfrm>
           <a:prstGeom prst="rect">
             <a:avLst/>
@@ -11427,10 +11436,30 @@
           <a:lstStyle/>
           <a:p>
             <a:r>
-              <a:rPr lang="ja-JP" altLang="en-US" sz="1050"/>
-              <a:t>今年のコースは昨年と比較してカーブが多く，また，カーブの曲率も大きくなっている．そのため，完走率の向上には様々な外乱を考慮に入れたロバストな旋回量計算式が必要であると考えた．</a:t>
-            </a:r>
-            <a:endParaRPr kumimoji="1" lang="en-US" altLang="ja-JP" sz="1050" dirty="0"/>
+              <a:rPr lang="ja-JP" altLang="en-US" sz="1050">
+                <a:latin typeface="Meiryo" panose="020B0604030504040204" pitchFamily="34" charset="-128"/>
+                <a:ea typeface="Meiryo" panose="020B0604030504040204" pitchFamily="34" charset="-128"/>
+              </a:rPr>
+              <a:t>今年のコースは昨年と比較してカーブが多く，また，カーブの曲率も大きくなっている．そのため，完走率の向上には様々な外乱を考慮に入れたロバストな旋回量計算式が必要であると考えた．具体的には</a:t>
+            </a:r>
+            <a:r>
+              <a:rPr lang="en-US" altLang="ja-JP" sz="1050" dirty="0">
+                <a:latin typeface="Meiryo" panose="020B0604030504040204" pitchFamily="34" charset="-128"/>
+                <a:ea typeface="Meiryo" panose="020B0604030504040204" pitchFamily="34" charset="-128"/>
+              </a:rPr>
+              <a:t>PID</a:t>
+            </a:r>
+            <a:r>
+              <a:rPr lang="ja-JP" altLang="en-US" sz="1050">
+                <a:latin typeface="Meiryo" panose="020B0604030504040204" pitchFamily="34" charset="-128"/>
+                <a:ea typeface="Meiryo" panose="020B0604030504040204" pitchFamily="34" charset="-128"/>
+              </a:rPr>
+              <a:t>制御に加え，カーブの曲率を考慮した曲率制御と，バッテリ電圧の低下を考慮したバッテリ電圧補償係数を導入した．</a:t>
+            </a:r>
+            <a:endParaRPr kumimoji="1" lang="en-US" altLang="ja-JP" sz="1050" dirty="0">
+              <a:latin typeface="Meiryo" panose="020B0604030504040204" pitchFamily="34" charset="-128"/>
+              <a:ea typeface="Meiryo" panose="020B0604030504040204" pitchFamily="34" charset="-128"/>
+            </a:endParaRPr>
           </a:p>
         </p:txBody>
       </p:sp>
@@ -11449,7 +11478,7 @@
         <p:spPr>
           <a:xfrm>
             <a:off x="422987" y="3346949"/>
-            <a:ext cx="2604479" cy="3485570"/>
+            <a:ext cx="2604479" cy="2192908"/>
           </a:xfrm>
           <a:prstGeom prst="rect">
             <a:avLst/>
@@ -11467,7 +11496,7 @@
                 <a:latin typeface="Meiryo" panose="020B0604030504040204" pitchFamily="34" charset="-128"/>
                 <a:ea typeface="Meiryo" panose="020B0604030504040204" pitchFamily="34" charset="-128"/>
               </a:rPr>
-              <a:t>カーブの曲率に応じて旋回量をあらかじめ曲率旋回量として旋回量計算式に組み込んでおくことにした．</a:t>
+              <a:t>カーブの曲率に応じた定数を曲率旋回量として旋回量計算式に加える形で組み込んだ．</a:t>
             </a:r>
             <a:endParaRPr lang="en-US" altLang="ja-JP" sz="1050" dirty="0">
               <a:latin typeface="Meiryo" panose="020B0604030504040204" pitchFamily="34" charset="-128"/>
@@ -11480,75 +11509,21 @@
                 <a:latin typeface="Meiryo" panose="020B0604030504040204" pitchFamily="34" charset="-128"/>
                 <a:ea typeface="Meiryo" panose="020B0604030504040204" pitchFamily="34" charset="-128"/>
               </a:rPr>
-              <a:t>これにより，</a:t>
+              <a:t>そのために，機能モデルでも示したようにコースを</a:t>
             </a:r>
             <a:r>
               <a:rPr lang="en-US" altLang="ja-JP" sz="1050" dirty="0">
                 <a:latin typeface="Meiryo" panose="020B0604030504040204" pitchFamily="34" charset="-128"/>
                 <a:ea typeface="Meiryo" panose="020B0604030504040204" pitchFamily="34" charset="-128"/>
               </a:rPr>
-              <a:t>PID</a:t>
+              <a:t>15</a:t>
             </a:r>
             <a:r>
               <a:rPr lang="ja-JP" altLang="en-US" sz="1050">
                 <a:latin typeface="Meiryo" panose="020B0604030504040204" pitchFamily="34" charset="-128"/>
                 <a:ea typeface="Meiryo" panose="020B0604030504040204" pitchFamily="34" charset="-128"/>
               </a:rPr>
-              <a:t>制御のみ用いたライントレースと比較して旋回動作の遅れを改善できると考えた．</a:t>
-            </a:r>
-            <a:endParaRPr lang="en-US" altLang="ja-JP" sz="1050" dirty="0">
-              <a:latin typeface="Meiryo" panose="020B0604030504040204" pitchFamily="34" charset="-128"/>
-              <a:ea typeface="Meiryo" panose="020B0604030504040204" pitchFamily="34" charset="-128"/>
-            </a:endParaRPr>
-          </a:p>
-          <a:p>
-            <a:r>
-              <a:rPr lang="ja-JP" altLang="en-US" sz="1050">
-                <a:latin typeface="Meiryo" panose="020B0604030504040204" pitchFamily="34" charset="-128"/>
-                <a:ea typeface="Meiryo" panose="020B0604030504040204" pitchFamily="34" charset="-128"/>
-              </a:rPr>
-              <a:t>そのために，機能モデルでも示したようにコースを</a:t>
-            </a:r>
-            <a:r>
-              <a:rPr lang="en-US" altLang="ja-JP" sz="1050" dirty="0">
-                <a:latin typeface="Meiryo" panose="020B0604030504040204" pitchFamily="34" charset="-128"/>
-                <a:ea typeface="Meiryo" panose="020B0604030504040204" pitchFamily="34" charset="-128"/>
-              </a:rPr>
-              <a:t>15</a:t>
-            </a:r>
-            <a:r>
-              <a:rPr lang="ja-JP" altLang="en-US" sz="1050">
-                <a:latin typeface="Meiryo" panose="020B0604030504040204" pitchFamily="34" charset="-128"/>
-                <a:ea typeface="Meiryo" panose="020B0604030504040204" pitchFamily="34" charset="-128"/>
-              </a:rPr>
               <a:t>の区間に分割し，区間ごとに走行パラメータを変更することにした．</a:t>
-            </a:r>
-            <a:endParaRPr lang="en-US" altLang="ja-JP" sz="1050" dirty="0">
-              <a:latin typeface="Meiryo" panose="020B0604030504040204" pitchFamily="34" charset="-128"/>
-              <a:ea typeface="Meiryo" panose="020B0604030504040204" pitchFamily="34" charset="-128"/>
-            </a:endParaRPr>
-          </a:p>
-          <a:p>
-            <a:r>
-              <a:rPr lang="ja-JP" altLang="en-US" sz="1050">
-                <a:latin typeface="Meiryo" panose="020B0604030504040204" pitchFamily="34" charset="-128"/>
-                <a:ea typeface="Meiryo" panose="020B0604030504040204" pitchFamily="34" charset="-128"/>
-              </a:rPr>
-              <a:t>全ての区間に異なるパラメータを用意すると，調整に時間がかかるため，曲率の近いものをまとめて扱うことにし，</a:t>
-            </a:r>
-            <a:r>
-              <a:rPr lang="en-US" altLang="ja-JP" sz="1050" dirty="0">
-                <a:latin typeface="Meiryo" panose="020B0604030504040204" pitchFamily="34" charset="-128"/>
-                <a:ea typeface="Meiryo" panose="020B0604030504040204" pitchFamily="34" charset="-128"/>
-              </a:rPr>
-              <a:t>4</a:t>
-            </a:r>
-            <a:r>
-              <a:rPr lang="ja-JP" altLang="en-US" sz="1050">
-                <a:latin typeface="Meiryo" panose="020B0604030504040204" pitchFamily="34" charset="-128"/>
-                <a:ea typeface="Meiryo" panose="020B0604030504040204" pitchFamily="34" charset="-128"/>
-              </a:rPr>
-              <a:t>種類のパラメータを用意した．</a:t>
             </a:r>
             <a:endParaRPr lang="en-US" altLang="ja-JP" sz="1050" dirty="0">
               <a:latin typeface="Meiryo" panose="020B0604030504040204" pitchFamily="34" charset="-128"/>
@@ -11567,61 +11542,49 @@
                 <a:latin typeface="Meiryo" panose="020B0604030504040204" pitchFamily="34" charset="-128"/>
                 <a:ea typeface="Meiryo" panose="020B0604030504040204" pitchFamily="34" charset="-128"/>
               </a:rPr>
-              <a:t>カーブ半径は試走会</a:t>
+              <a:t>全ての区間に異なるパラメータを用意すると，調整に時間がかかるため，曲率を</a:t>
             </a:r>
             <a:r>
               <a:rPr lang="en-US" altLang="ja-JP" sz="1050" dirty="0">
                 <a:latin typeface="Meiryo" panose="020B0604030504040204" pitchFamily="34" charset="-128"/>
                 <a:ea typeface="Meiryo" panose="020B0604030504040204" pitchFamily="34" charset="-128"/>
               </a:rPr>
-              <a:t>1</a:t>
+              <a:t>4</a:t>
             </a:r>
             <a:r>
               <a:rPr lang="ja-JP" altLang="en-US" sz="1050">
                 <a:latin typeface="Meiryo" panose="020B0604030504040204" pitchFamily="34" charset="-128"/>
                 <a:ea typeface="Meiryo" panose="020B0604030504040204" pitchFamily="34" charset="-128"/>
               </a:rPr>
-              <a:t>で取得したログデータから算出した．</a:t>
-            </a:r>
-            <a:endParaRPr lang="en-US" altLang="ja-JP" sz="1050" dirty="0">
-              <a:latin typeface="Meiryo" panose="020B0604030504040204" pitchFamily="34" charset="-128"/>
-              <a:ea typeface="Meiryo" panose="020B0604030504040204" pitchFamily="34" charset="-128"/>
-            </a:endParaRPr>
-          </a:p>
-          <a:p>
-            <a:endParaRPr lang="en-US" altLang="ja-JP" sz="1050" dirty="0">
-              <a:latin typeface="Meiryo" panose="020B0604030504040204" pitchFamily="34" charset="-128"/>
-              <a:ea typeface="Meiryo" panose="020B0604030504040204" pitchFamily="34" charset="-128"/>
-            </a:endParaRPr>
-          </a:p>
-          <a:p>
+              <a:t>種類に分類し，</a:t>
+            </a:r>
             <a:r>
               <a:rPr lang="en-US" altLang="ja-JP" sz="1050" dirty="0">
                 <a:latin typeface="Meiryo" panose="020B0604030504040204" pitchFamily="34" charset="-128"/>
                 <a:ea typeface="Meiryo" panose="020B0604030504040204" pitchFamily="34" charset="-128"/>
               </a:rPr>
-              <a:t>PID</a:t>
+              <a:t>4</a:t>
             </a:r>
             <a:r>
               <a:rPr lang="ja-JP" altLang="en-US" sz="1050">
                 <a:latin typeface="Meiryo" panose="020B0604030504040204" pitchFamily="34" charset="-128"/>
                 <a:ea typeface="Meiryo" panose="020B0604030504040204" pitchFamily="34" charset="-128"/>
               </a:rPr>
-              <a:t>パラメータは限界感度法によって算出したものを</a:t>
+              <a:t>セットの</a:t>
             </a:r>
             <a:r>
               <a:rPr lang="en-US" altLang="ja-JP" sz="1050" dirty="0">
                 <a:latin typeface="Meiryo" panose="020B0604030504040204" pitchFamily="34" charset="-128"/>
                 <a:ea typeface="Meiryo" panose="020B0604030504040204" pitchFamily="34" charset="-128"/>
               </a:rPr>
-              <a:t>Ki</a:t>
+              <a:t>PID</a:t>
             </a:r>
             <a:r>
               <a:rPr lang="ja-JP" altLang="en-US" sz="1050">
                 <a:latin typeface="Meiryo" panose="020B0604030504040204" pitchFamily="34" charset="-128"/>
                 <a:ea typeface="Meiryo" panose="020B0604030504040204" pitchFamily="34" charset="-128"/>
               </a:rPr>
-              <a:t>のみ値を小さくして使用している．</a:t>
+              <a:t>パラメータ，曲率旋回量を用意した．曲率の分類は右下の帯グラフの通りに分類した．</a:t>
             </a:r>
             <a:endParaRPr lang="en-US" altLang="ja-JP" sz="1050" dirty="0">
               <a:latin typeface="Meiryo" panose="020B0604030504040204" pitchFamily="34" charset="-128"/>
@@ -11644,7 +11607,7 @@
         </p:nvSpPr>
         <p:spPr>
           <a:xfrm>
-            <a:off x="238445" y="7433325"/>
+            <a:off x="217832" y="8108176"/>
             <a:ext cx="6118347" cy="253916"/>
           </a:xfrm>
           <a:prstGeom prst="rect">
@@ -11686,1120 +11649,6 @@
           </a:p>
         </p:txBody>
       </p:sp>
-      <p:grpSp>
-        <p:nvGrpSpPr>
-          <p:cNvPr id="48" name="グループ化 47">
-            <a:extLst>
-              <a:ext uri="{FF2B5EF4-FFF2-40B4-BE49-F238E27FC236}">
-                <a16:creationId xmlns:a16="http://schemas.microsoft.com/office/drawing/2014/main" id="{12392AC8-34F8-AA40-8C14-60DB8B7ECF18}"/>
-              </a:ext>
-            </a:extLst>
-          </p:cNvPr>
-          <p:cNvGrpSpPr/>
-          <p:nvPr/>
-        </p:nvGrpSpPr>
-        <p:grpSpPr>
-          <a:xfrm>
-            <a:off x="383839" y="7687241"/>
-            <a:ext cx="5827557" cy="796091"/>
-            <a:chOff x="492891" y="6938226"/>
-            <a:chExt cx="5827557" cy="796091"/>
-          </a:xfrm>
-        </p:grpSpPr>
-        <p:grpSp>
-          <p:nvGrpSpPr>
-            <p:cNvPr id="49" name="グループ化 48">
-              <a:extLst>
-                <a:ext uri="{FF2B5EF4-FFF2-40B4-BE49-F238E27FC236}">
-                  <a16:creationId xmlns:a16="http://schemas.microsoft.com/office/drawing/2014/main" id="{7A069052-8019-984B-825F-7B988EA43488}"/>
-                </a:ext>
-              </a:extLst>
-            </p:cNvPr>
-            <p:cNvGrpSpPr/>
-            <p:nvPr/>
-          </p:nvGrpSpPr>
-          <p:grpSpPr>
-            <a:xfrm>
-              <a:off x="492891" y="7151525"/>
-              <a:ext cx="4161891" cy="410753"/>
-              <a:chOff x="396219" y="6987323"/>
-              <a:chExt cx="4161891" cy="410753"/>
-            </a:xfrm>
-          </p:grpSpPr>
-          <mc:AlternateContent xmlns:mc="http://schemas.openxmlformats.org/markup-compatibility/2006" xmlns:a14="http://schemas.microsoft.com/office/drawing/2010/main">
-            <mc:Choice Requires="a14">
-              <p:sp>
-                <p:nvSpPr>
-                  <p:cNvPr id="58" name="テキスト ボックス 57">
-                    <a:extLst>
-                      <a:ext uri="{FF2B5EF4-FFF2-40B4-BE49-F238E27FC236}">
-                        <a16:creationId xmlns:a16="http://schemas.microsoft.com/office/drawing/2014/main" id="{EDAC413C-6BD1-2A46-986D-58D07736BE23}"/>
-                      </a:ext>
-                    </a:extLst>
-                  </p:cNvPr>
-                  <p:cNvSpPr txBox="1"/>
-                  <p:nvPr/>
-                </p:nvSpPr>
-                <p:spPr>
-                  <a:xfrm>
-                    <a:off x="849030" y="6987323"/>
-                    <a:ext cx="3709080" cy="410753"/>
-                  </a:xfrm>
-                  <a:prstGeom prst="rect">
-                    <a:avLst/>
-                  </a:prstGeom>
-                  <a:noFill/>
-                </p:spPr>
-                <p:txBody>
-                  <a:bodyPr wrap="square" lIns="0" tIns="0" rIns="0" bIns="0" rtlCol="0">
-                    <a:spAutoFit/>
-                  </a:bodyPr>
-                  <a:lstStyle/>
-                  <a:p>
-                    <a:pPr/>
-                    <a14:m>
-                      <m:oMathPara xmlns:m="http://schemas.openxmlformats.org/officeDocument/2006/math">
-                        <m:oMathParaPr>
-                          <m:jc m:val="centerGroup"/>
-                        </m:oMathParaPr>
-                        <m:oMath xmlns:m="http://schemas.openxmlformats.org/officeDocument/2006/math">
-                          <m:r>
-                            <a:rPr kumimoji="1" lang="en-US" altLang="ja-JP" sz="1100" b="0" i="1" smtClean="0">
-                              <a:latin typeface="Cambria Math" panose="02040503050406030204" pitchFamily="18" charset="0"/>
-                            </a:rPr>
-                            <m:t>=</m:t>
-                          </m:r>
-                          <m:sSub>
-                            <m:sSubPr>
-                              <m:ctrlPr>
-                                <a:rPr kumimoji="1" lang="en-US" altLang="ja-JP" sz="1100" b="0" i="1" smtClean="0">
-                                  <a:latin typeface="Cambria Math" panose="02040503050406030204" pitchFamily="18" charset="0"/>
-                                </a:rPr>
-                              </m:ctrlPr>
-                            </m:sSubPr>
-                            <m:e>
-                              <m:r>
-                                <m:rPr>
-                                  <m:sty m:val="p"/>
-                                </m:rPr>
-                                <a:rPr kumimoji="1" lang="en-US" altLang="ja-JP" sz="1100" b="0" i="0" smtClean="0">
-                                  <a:latin typeface="Cambria Math" panose="02040503050406030204" pitchFamily="18" charset="0"/>
-                                </a:rPr>
-                                <m:t>K</m:t>
-                              </m:r>
-                            </m:e>
-                            <m:sub>
-                              <m:r>
-                                <m:rPr>
-                                  <m:sty m:val="p"/>
-                                </m:rPr>
-                                <a:rPr kumimoji="1" lang="en-US" altLang="ja-JP" sz="1100" b="0" i="0" smtClean="0">
-                                  <a:latin typeface="Cambria Math" panose="02040503050406030204" pitchFamily="18" charset="0"/>
-                                </a:rPr>
-                                <m:t>P</m:t>
-                              </m:r>
-                            </m:sub>
-                          </m:sSub>
-                          <m:sSub>
-                            <m:sSubPr>
-                              <m:ctrlPr>
-                                <a:rPr lang="en-US" altLang="ja-JP" sz="1100" i="1">
-                                  <a:latin typeface="Cambria Math" panose="02040503050406030204" pitchFamily="18" charset="0"/>
-                                  <a:ea typeface="メイリオ" panose="020B0604030504040204" pitchFamily="50" charset="-128"/>
-                                </a:rPr>
-                              </m:ctrlPr>
-                            </m:sSubPr>
-                            <m:e>
-                              <m:r>
-                                <a:rPr lang="en-US" altLang="ja-JP" sz="1100" i="1">
-                                  <a:latin typeface="Cambria Math" panose="02040503050406030204" pitchFamily="18" charset="0"/>
-                                  <a:ea typeface="Cambria Math" panose="02040503050406030204" pitchFamily="18" charset="0"/>
-                                </a:rPr>
-                                <m:t>𝜖</m:t>
-                              </m:r>
-                            </m:e>
-                            <m:sub>
-                              <m:r>
-                                <a:rPr lang="en-US" altLang="ja-JP" sz="1100" i="1">
-                                  <a:latin typeface="Cambria Math" panose="02040503050406030204" pitchFamily="18" charset="0"/>
-                                  <a:ea typeface="メイリオ" panose="020B0604030504040204" pitchFamily="50" charset="-128"/>
-                                </a:rPr>
-                                <m:t>𝑛</m:t>
-                              </m:r>
-                            </m:sub>
-                          </m:sSub>
-                          <m:r>
-                            <a:rPr kumimoji="1" lang="en-US" altLang="ja-JP" sz="1100" b="0" i="1" smtClean="0">
-                              <a:latin typeface="Cambria Math" panose="02040503050406030204" pitchFamily="18" charset="0"/>
-                            </a:rPr>
-                            <m:t>+</m:t>
-                          </m:r>
-                          <m:sSub>
-                            <m:sSubPr>
-                              <m:ctrlPr>
-                                <a:rPr kumimoji="1" lang="en-US" altLang="ja-JP" sz="1100" b="0" i="1" smtClean="0">
-                                  <a:latin typeface="Cambria Math" panose="02040503050406030204" pitchFamily="18" charset="0"/>
-                                </a:rPr>
-                              </m:ctrlPr>
-                            </m:sSubPr>
-                            <m:e>
-                              <m:r>
-                                <m:rPr>
-                                  <m:sty m:val="p"/>
-                                </m:rPr>
-                                <a:rPr kumimoji="1" lang="en-US" altLang="ja-JP" sz="1100" b="0" i="0" smtClean="0">
-                                  <a:latin typeface="Cambria Math" panose="02040503050406030204" pitchFamily="18" charset="0"/>
-                                </a:rPr>
-                                <m:t>K</m:t>
-                              </m:r>
-                            </m:e>
-                            <m:sub>
-                              <m:r>
-                                <m:rPr>
-                                  <m:sty m:val="p"/>
-                                </m:rPr>
-                                <a:rPr kumimoji="1" lang="en-US" altLang="ja-JP" sz="1100" b="0" i="0" smtClean="0">
-                                  <a:latin typeface="Cambria Math" panose="02040503050406030204" pitchFamily="18" charset="0"/>
-                                </a:rPr>
-                                <m:t>I</m:t>
-                              </m:r>
-                            </m:sub>
-                          </m:sSub>
-                          <m:sSub>
-                            <m:sSubPr>
-                              <m:ctrlPr>
-                                <a:rPr lang="en-US" altLang="ja-JP" sz="1100" i="1">
-                                  <a:latin typeface="Cambria Math" panose="02040503050406030204" pitchFamily="18" charset="0"/>
-                                  <a:ea typeface="メイリオ" panose="020B0604030504040204" pitchFamily="50" charset="-128"/>
-                                </a:rPr>
-                              </m:ctrlPr>
-                            </m:sSubPr>
-                            <m:e>
-                              <m:r>
-                                <a:rPr lang="en-US" altLang="ja-JP" sz="1100" i="1">
-                                  <a:latin typeface="Cambria Math" panose="02040503050406030204" pitchFamily="18" charset="0"/>
-                                  <a:ea typeface="Cambria Math" panose="02040503050406030204" pitchFamily="18" charset="0"/>
-                                </a:rPr>
-                                <m:t>𝜖</m:t>
-                              </m:r>
-                            </m:e>
-                            <m:sub>
-                              <m:r>
-                                <a:rPr lang="en-US" altLang="ja-JP" sz="1100" i="1">
-                                  <a:latin typeface="Cambria Math" panose="02040503050406030204" pitchFamily="18" charset="0"/>
-                                  <a:ea typeface="メイリオ" panose="020B0604030504040204" pitchFamily="50" charset="-128"/>
-                                </a:rPr>
-                                <m:t>𝑛</m:t>
-                              </m:r>
-                            </m:sub>
-                          </m:sSub>
-                          <m:nary>
-                            <m:naryPr>
-                              <m:chr m:val="∑"/>
-                              <m:supHide m:val="on"/>
-                              <m:ctrlPr>
-                                <a:rPr lang="en-US" altLang="ja-JP" sz="1100" i="1" smtClean="0">
-                                  <a:latin typeface="Cambria Math" panose="02040503050406030204" pitchFamily="18" charset="0"/>
-                                  <a:ea typeface="メイリオ" panose="020B0604030504040204" pitchFamily="50" charset="-128"/>
-                                </a:rPr>
-                              </m:ctrlPr>
-                            </m:naryPr>
-                            <m:sub>
-                              <m:r>
-                                <m:rPr>
-                                  <m:brk m:alnAt="7"/>
-                                </m:rPr>
-                                <a:rPr lang="en-US" altLang="ja-JP" sz="1100" b="0" i="1" smtClean="0">
-                                  <a:latin typeface="Cambria Math" panose="02040503050406030204" pitchFamily="18" charset="0"/>
-                                  <a:ea typeface="メイリオ" panose="020B0604030504040204" pitchFamily="50" charset="-128"/>
-                                </a:rPr>
-                                <m:t>𝑛</m:t>
-                              </m:r>
-                            </m:sub>
-                            <m:sup/>
-                            <m:e>
-                              <m:sSub>
-                                <m:sSubPr>
-                                  <m:ctrlPr>
-                                    <a:rPr lang="en-US" altLang="ja-JP" sz="1100" i="1">
-                                      <a:latin typeface="Cambria Math" panose="02040503050406030204" pitchFamily="18" charset="0"/>
-                                      <a:ea typeface="メイリオ" panose="020B0604030504040204" pitchFamily="50" charset="-128"/>
-                                    </a:rPr>
-                                  </m:ctrlPr>
-                                </m:sSubPr>
-                                <m:e>
-                                  <m:r>
-                                    <a:rPr lang="en-US" altLang="ja-JP" sz="1100" i="1">
-                                      <a:latin typeface="Cambria Math" panose="02040503050406030204" pitchFamily="18" charset="0"/>
-                                      <a:ea typeface="Cambria Math" panose="02040503050406030204" pitchFamily="18" charset="0"/>
-                                    </a:rPr>
-                                    <m:t>𝜖</m:t>
-                                  </m:r>
-                                </m:e>
-                                <m:sub>
-                                  <m:r>
-                                    <a:rPr lang="en-US" altLang="ja-JP" sz="1100" i="1">
-                                      <a:latin typeface="Cambria Math" panose="02040503050406030204" pitchFamily="18" charset="0"/>
-                                      <a:ea typeface="メイリオ" panose="020B0604030504040204" pitchFamily="50" charset="-128"/>
-                                    </a:rPr>
-                                    <m:t>𝑛</m:t>
-                                  </m:r>
-                                </m:sub>
-                              </m:sSub>
-                            </m:e>
-                          </m:nary>
-                          <m:r>
-                            <a:rPr lang="en-US" altLang="ja-JP" sz="1100" i="1">
-                              <a:latin typeface="Cambria Math" panose="02040503050406030204" pitchFamily="18" charset="0"/>
-                              <a:ea typeface="Cambria Math" panose="02040503050406030204" pitchFamily="18" charset="0"/>
-                            </a:rPr>
-                            <m:t>∆</m:t>
-                          </m:r>
-                          <m:r>
-                            <a:rPr lang="en-US" altLang="ja-JP" sz="1100" b="0" i="1" smtClean="0">
-                              <a:latin typeface="Cambria Math" panose="02040503050406030204" pitchFamily="18" charset="0"/>
-                              <a:ea typeface="Cambria Math" panose="02040503050406030204" pitchFamily="18" charset="0"/>
-                            </a:rPr>
-                            <m:t>𝑡</m:t>
-                          </m:r>
-                          <m:r>
-                            <a:rPr lang="en-US" altLang="ja-JP" sz="1100" b="0" i="1" smtClean="0">
-                              <a:latin typeface="Cambria Math" panose="02040503050406030204" pitchFamily="18" charset="0"/>
-                              <a:ea typeface="メイリオ" panose="020B0604030504040204" pitchFamily="50" charset="-128"/>
-                            </a:rPr>
-                            <m:t>+</m:t>
-                          </m:r>
-                          <m:sSub>
-                            <m:sSubPr>
-                              <m:ctrlPr>
-                                <a:rPr kumimoji="1" lang="en-US" altLang="ja-JP" sz="1100" b="0" i="1" smtClean="0">
-                                  <a:latin typeface="Cambria Math" panose="02040503050406030204" pitchFamily="18" charset="0"/>
-                                </a:rPr>
-                              </m:ctrlPr>
-                            </m:sSubPr>
-                            <m:e>
-                              <m:r>
-                                <m:rPr>
-                                  <m:sty m:val="p"/>
-                                </m:rPr>
-                                <a:rPr kumimoji="1" lang="en-US" altLang="ja-JP" sz="1100" b="0" i="0" smtClean="0">
-                                  <a:latin typeface="Cambria Math" panose="02040503050406030204" pitchFamily="18" charset="0"/>
-                                </a:rPr>
-                                <m:t>K</m:t>
-                              </m:r>
-                            </m:e>
-                            <m:sub>
-                              <m:r>
-                                <m:rPr>
-                                  <m:sty m:val="p"/>
-                                </m:rPr>
-                                <a:rPr kumimoji="1" lang="en-US" altLang="ja-JP" sz="1100" b="0" i="0" smtClean="0">
-                                  <a:latin typeface="Cambria Math" panose="02040503050406030204" pitchFamily="18" charset="0"/>
-                                </a:rPr>
-                                <m:t>D</m:t>
-                              </m:r>
-                            </m:sub>
-                          </m:sSub>
-                          <m:r>
-                            <a:rPr kumimoji="1" lang="en-US" altLang="ja-JP" sz="1100" b="0" i="1" smtClean="0">
-                              <a:latin typeface="Cambria Math" panose="02040503050406030204" pitchFamily="18" charset="0"/>
-                            </a:rPr>
-                            <m:t> </m:t>
-                          </m:r>
-                          <m:f>
-                            <m:fPr>
-                              <m:ctrlPr>
-                                <a:rPr kumimoji="1" lang="en-US" altLang="ja-JP" sz="1100" b="0" i="1" smtClean="0">
-                                  <a:latin typeface="Cambria Math" panose="02040503050406030204" pitchFamily="18" charset="0"/>
-                                </a:rPr>
-                              </m:ctrlPr>
-                            </m:fPr>
-                            <m:num>
-                              <m:sSub>
-                                <m:sSubPr>
-                                  <m:ctrlPr>
-                                    <a:rPr lang="en-US" altLang="ja-JP" sz="1100" i="1">
-                                      <a:latin typeface="Cambria Math" panose="02040503050406030204" pitchFamily="18" charset="0"/>
-                                      <a:ea typeface="メイリオ" panose="020B0604030504040204" pitchFamily="50" charset="-128"/>
-                                    </a:rPr>
-                                  </m:ctrlPr>
-                                </m:sSubPr>
-                                <m:e>
-                                  <m:r>
-                                    <a:rPr lang="en-US" altLang="ja-JP" sz="1100" i="1">
-                                      <a:latin typeface="Cambria Math" panose="02040503050406030204" pitchFamily="18" charset="0"/>
-                                      <a:ea typeface="Cambria Math" panose="02040503050406030204" pitchFamily="18" charset="0"/>
-                                    </a:rPr>
-                                    <m:t>𝜖</m:t>
-                                  </m:r>
-                                </m:e>
-                                <m:sub>
-                                  <m:r>
-                                    <a:rPr lang="en-US" altLang="ja-JP" sz="1100" i="1">
-                                      <a:latin typeface="Cambria Math" panose="02040503050406030204" pitchFamily="18" charset="0"/>
-                                      <a:ea typeface="メイリオ" panose="020B0604030504040204" pitchFamily="50" charset="-128"/>
-                                    </a:rPr>
-                                    <m:t>𝑛</m:t>
-                                  </m:r>
-                                </m:sub>
-                              </m:sSub>
-                              <m:r>
-                                <a:rPr lang="en-US" altLang="ja-JP" sz="1100" b="0" i="1" smtClean="0">
-                                  <a:latin typeface="Cambria Math" panose="02040503050406030204" pitchFamily="18" charset="0"/>
-                                  <a:ea typeface="メイリオ" panose="020B0604030504040204" pitchFamily="50" charset="-128"/>
-                                </a:rPr>
-                                <m:t>−</m:t>
-                              </m:r>
-                              <m:sSub>
-                                <m:sSubPr>
-                                  <m:ctrlPr>
-                                    <a:rPr lang="en-US" altLang="ja-JP" sz="1100" i="1">
-                                      <a:latin typeface="Cambria Math" panose="02040503050406030204" pitchFamily="18" charset="0"/>
-                                      <a:ea typeface="メイリオ" panose="020B0604030504040204" pitchFamily="50" charset="-128"/>
-                                    </a:rPr>
-                                  </m:ctrlPr>
-                                </m:sSubPr>
-                                <m:e>
-                                  <m:r>
-                                    <a:rPr lang="en-US" altLang="ja-JP" sz="1100" i="1">
-                                      <a:latin typeface="Cambria Math" panose="02040503050406030204" pitchFamily="18" charset="0"/>
-                                      <a:ea typeface="Cambria Math" panose="02040503050406030204" pitchFamily="18" charset="0"/>
-                                    </a:rPr>
-                                    <m:t>𝜖</m:t>
-                                  </m:r>
-                                </m:e>
-                                <m:sub>
-                                  <m:r>
-                                    <a:rPr lang="en-US" altLang="ja-JP" sz="1100" i="1">
-                                      <a:latin typeface="Cambria Math" panose="02040503050406030204" pitchFamily="18" charset="0"/>
-                                      <a:ea typeface="メイリオ" panose="020B0604030504040204" pitchFamily="50" charset="-128"/>
-                                    </a:rPr>
-                                    <m:t>𝑛</m:t>
-                                  </m:r>
-                                  <m:r>
-                                    <a:rPr lang="en-US" altLang="ja-JP" sz="1100" b="0" i="1" smtClean="0">
-                                      <a:latin typeface="Cambria Math" panose="02040503050406030204" pitchFamily="18" charset="0"/>
-                                      <a:ea typeface="メイリオ" panose="020B0604030504040204" pitchFamily="50" charset="-128"/>
-                                    </a:rPr>
-                                    <m:t>−1</m:t>
-                                  </m:r>
-                                </m:sub>
-                              </m:sSub>
-                            </m:num>
-                            <m:den>
-                              <m:r>
-                                <a:rPr lang="en-US" altLang="ja-JP" sz="1100" i="1">
-                                  <a:latin typeface="Cambria Math" panose="02040503050406030204" pitchFamily="18" charset="0"/>
-                                  <a:ea typeface="Cambria Math" panose="02040503050406030204" pitchFamily="18" charset="0"/>
-                                </a:rPr>
-                                <m:t>∆</m:t>
-                              </m:r>
-                              <m:r>
-                                <a:rPr lang="en-US" altLang="ja-JP" sz="1100" i="1">
-                                  <a:latin typeface="Cambria Math" panose="02040503050406030204" pitchFamily="18" charset="0"/>
-                                  <a:ea typeface="Cambria Math" panose="02040503050406030204" pitchFamily="18" charset="0"/>
-                                </a:rPr>
-                                <m:t>𝑡</m:t>
-                              </m:r>
-                            </m:den>
-                          </m:f>
-                          <m:r>
-                            <a:rPr kumimoji="1" lang="en-US" altLang="ja-JP" sz="1100" b="0" i="0" smtClean="0">
-                              <a:latin typeface="Cambria Math" panose="02040503050406030204" pitchFamily="18" charset="0"/>
-                            </a:rPr>
-                            <m:t>+(</m:t>
-                          </m:r>
-                          <m:r>
-                            <a:rPr lang="ja-JP" altLang="en-US" sz="1100" i="1">
-                              <a:latin typeface="Cambria Math" panose="02040503050406030204" pitchFamily="18" charset="0"/>
-                            </a:rPr>
-                            <m:t>曲率旋回量</m:t>
-                          </m:r>
-                          <m:r>
-                            <a:rPr lang="ja-JP" altLang="en-US" sz="1100" i="1" smtClean="0">
-                              <a:latin typeface="Cambria Math" panose="02040503050406030204" pitchFamily="18" charset="0"/>
-                            </a:rPr>
-                            <m:t>項</m:t>
-                          </m:r>
-                          <m:r>
-                            <a:rPr kumimoji="1" lang="en-US" altLang="ja-JP" sz="1100" b="0" i="0" smtClean="0">
-                              <a:latin typeface="Cambria Math" panose="02040503050406030204" pitchFamily="18" charset="0"/>
-                            </a:rPr>
-                            <m:t>)</m:t>
-                          </m:r>
-                        </m:oMath>
-                      </m:oMathPara>
-                    </a14:m>
-                    <a:endParaRPr kumimoji="1" lang="ja-JP" altLang="en-US" sz="1100" dirty="0">
-                      <a:latin typeface="Meiryo UI" panose="020B0604030504040204" pitchFamily="50" charset="-128"/>
-                      <a:ea typeface="Meiryo UI" panose="020B0604030504040204" pitchFamily="50" charset="-128"/>
-                    </a:endParaRPr>
-                  </a:p>
-                </p:txBody>
-              </p:sp>
-            </mc:Choice>
-            <mc:Fallback xmlns="">
-              <p:sp>
-                <p:nvSpPr>
-                  <p:cNvPr id="58" name="テキスト ボックス 57">
-                    <a:extLst>
-                      <a:ext uri="{FF2B5EF4-FFF2-40B4-BE49-F238E27FC236}">
-                        <a16:creationId xmlns:a16="http://schemas.microsoft.com/office/drawing/2014/main" id="{EDAC413C-6BD1-2A46-986D-58D07736BE23}"/>
-                      </a:ext>
-                    </a:extLst>
-                  </p:cNvPr>
-                  <p:cNvSpPr txBox="1">
-                    <a:spLocks noRot="1" noChangeAspect="1" noMove="1" noResize="1" noEditPoints="1" noAdjustHandles="1" noChangeArrowheads="1" noChangeShapeType="1" noTextEdit="1"/>
-                  </p:cNvSpPr>
-                  <p:nvPr/>
-                </p:nvSpPr>
-                <p:spPr>
-                  <a:xfrm>
-                    <a:off x="849030" y="6987323"/>
-                    <a:ext cx="3709080" cy="410753"/>
-                  </a:xfrm>
-                  <a:prstGeom prst="rect">
-                    <a:avLst/>
-                  </a:prstGeom>
-                  <a:blipFill>
-                    <a:blip r:embed="rId2"/>
-                    <a:stretch>
-                      <a:fillRect t="-142424" b="-203030"/>
-                    </a:stretch>
-                  </a:blipFill>
-                </p:spPr>
-                <p:txBody>
-                  <a:bodyPr/>
-                  <a:lstStyle/>
-                  <a:p>
-                    <a:r>
-                      <a:rPr lang="ja-JP" altLang="en-US">
-                        <a:noFill/>
-                      </a:rPr>
-                      <a:t> </a:t>
-                    </a:r>
-                  </a:p>
-                </p:txBody>
-              </p:sp>
-            </mc:Fallback>
-          </mc:AlternateContent>
-          <p:sp>
-            <p:nvSpPr>
-              <p:cNvPr id="59" name="テキスト ボックス 58">
-                <a:extLst>
-                  <a:ext uri="{FF2B5EF4-FFF2-40B4-BE49-F238E27FC236}">
-                    <a16:creationId xmlns:a16="http://schemas.microsoft.com/office/drawing/2014/main" id="{1172E26F-D6C9-B743-8EAE-C441AC0B06C2}"/>
-                  </a:ext>
-                </a:extLst>
-              </p:cNvPr>
-              <p:cNvSpPr txBox="1"/>
-              <p:nvPr/>
-            </p:nvSpPr>
-            <p:spPr>
-              <a:xfrm>
-                <a:off x="396219" y="7061894"/>
-                <a:ext cx="606282" cy="261610"/>
-              </a:xfrm>
-              <a:prstGeom prst="rect">
-                <a:avLst/>
-              </a:prstGeom>
-              <a:noFill/>
-            </p:spPr>
-            <p:txBody>
-              <a:bodyPr wrap="square" rtlCol="0">
-                <a:spAutoFit/>
-              </a:bodyPr>
-              <a:lstStyle/>
-              <a:p>
-                <a:pPr algn="ctr"/>
-                <a:r>
-                  <a:rPr kumimoji="1" lang="ja-JP" altLang="en-US" sz="1100">
-                    <a:latin typeface="メイリオ" panose="020B0604030504040204" pitchFamily="50" charset="-128"/>
-                    <a:ea typeface="メイリオ" panose="020B0604030504040204" pitchFamily="50" charset="-128"/>
-                  </a:rPr>
-                  <a:t>旋回量</a:t>
-                </a:r>
-                <a:endParaRPr kumimoji="1" lang="ja-JP" altLang="en-US" sz="1100" dirty="0">
-                  <a:latin typeface="メイリオ" panose="020B0604030504040204" pitchFamily="50" charset="-128"/>
-                  <a:ea typeface="メイリオ" panose="020B0604030504040204" pitchFamily="50" charset="-128"/>
-                </a:endParaRPr>
-              </a:p>
-            </p:txBody>
-          </p:sp>
-        </p:grpSp>
-        <p:grpSp>
-          <p:nvGrpSpPr>
-            <p:cNvPr id="51" name="グループ化 50">
-              <a:extLst>
-                <a:ext uri="{FF2B5EF4-FFF2-40B4-BE49-F238E27FC236}">
-                  <a16:creationId xmlns:a16="http://schemas.microsoft.com/office/drawing/2014/main" id="{2D7EA245-A10F-1D47-BF1D-E2E165289B40}"/>
-                </a:ext>
-              </a:extLst>
-            </p:cNvPr>
-            <p:cNvGrpSpPr/>
-            <p:nvPr/>
-          </p:nvGrpSpPr>
-          <p:grpSpPr>
-            <a:xfrm>
-              <a:off x="4688241" y="6938226"/>
-              <a:ext cx="1632207" cy="796091"/>
-              <a:chOff x="4676721" y="4893824"/>
-              <a:chExt cx="1959922" cy="616618"/>
-            </a:xfrm>
-          </p:grpSpPr>
-          <p:grpSp>
-            <p:nvGrpSpPr>
-              <p:cNvPr id="53" name="グループ化 52">
-                <a:extLst>
-                  <a:ext uri="{FF2B5EF4-FFF2-40B4-BE49-F238E27FC236}">
-                    <a16:creationId xmlns:a16="http://schemas.microsoft.com/office/drawing/2014/main" id="{E7B0997F-4D27-9A44-98F2-75AFE3AFF4AF}"/>
-                  </a:ext>
-                </a:extLst>
-              </p:cNvPr>
-              <p:cNvGrpSpPr/>
-              <p:nvPr/>
-            </p:nvGrpSpPr>
-            <p:grpSpPr>
-              <a:xfrm>
-                <a:off x="4676721" y="4902546"/>
-                <a:ext cx="1944217" cy="607896"/>
-                <a:chOff x="3082952" y="5074220"/>
-                <a:chExt cx="1918364" cy="640583"/>
-              </a:xfrm>
-            </p:grpSpPr>
-            <mc:AlternateContent xmlns:mc="http://schemas.openxmlformats.org/markup-compatibility/2006" xmlns:a14="http://schemas.microsoft.com/office/drawing/2010/main">
-              <mc:Choice Requires="a14">
-                <p:sp>
-                  <p:nvSpPr>
-                    <p:cNvPr id="55" name="テキスト ボックス 54">
-                      <a:extLst>
-                        <a:ext uri="{FF2B5EF4-FFF2-40B4-BE49-F238E27FC236}">
-                          <a16:creationId xmlns:a16="http://schemas.microsoft.com/office/drawing/2014/main" id="{5DA44A00-D6E0-4C4C-8271-81C3F9FE86D2}"/>
-                        </a:ext>
-                      </a:extLst>
-                    </p:cNvPr>
-                    <p:cNvSpPr txBox="1"/>
-                    <p:nvPr/>
-                  </p:nvSpPr>
-                  <p:spPr>
-                    <a:xfrm>
-                      <a:off x="3100782" y="5074220"/>
-                      <a:ext cx="280687" cy="640583"/>
-                    </a:xfrm>
-                    <a:prstGeom prst="rect">
-                      <a:avLst/>
-                    </a:prstGeom>
-                    <a:noFill/>
-                  </p:spPr>
-                  <p:txBody>
-                    <a:bodyPr wrap="square" rtlCol="0">
-                      <a:spAutoFit/>
-                    </a:bodyPr>
-                    <a:lstStyle/>
-                    <a:p>
-                      <a:pPr/>
-                      <a14:m>
-                        <m:oMathPara xmlns:m="http://schemas.openxmlformats.org/officeDocument/2006/math">
-                          <m:oMathParaPr>
-                            <m:jc m:val="centerGroup"/>
-                          </m:oMathParaPr>
-                          <m:oMath xmlns:m="http://schemas.openxmlformats.org/officeDocument/2006/math">
-                            <m:sSub>
-                              <m:sSubPr>
-                                <m:ctrlPr>
-                                  <a:rPr lang="en-US" altLang="ja-JP" sz="900" i="1" smtClean="0">
-                                    <a:latin typeface="Cambria Math" panose="02040503050406030204" pitchFamily="18" charset="0"/>
-                                  </a:rPr>
-                                </m:ctrlPr>
-                              </m:sSubPr>
-                              <m:e>
-                                <m:r>
-                                  <m:rPr>
-                                    <m:sty m:val="p"/>
-                                  </m:rPr>
-                                  <a:rPr lang="en-US" altLang="ja-JP" sz="900" i="0">
-                                    <a:latin typeface="Cambria Math" panose="02040503050406030204" pitchFamily="18" charset="0"/>
-                                  </a:rPr>
-                                  <m:t>K</m:t>
-                                </m:r>
-                              </m:e>
-                              <m:sub>
-                                <m:r>
-                                  <m:rPr>
-                                    <m:sty m:val="p"/>
-                                  </m:rPr>
-                                  <a:rPr lang="en-US" altLang="ja-JP" sz="900" i="0">
-                                    <a:latin typeface="Cambria Math" panose="02040503050406030204" pitchFamily="18" charset="0"/>
-                                  </a:rPr>
-                                  <m:t>P</m:t>
-                                </m:r>
-                              </m:sub>
-                            </m:sSub>
-                          </m:oMath>
-                        </m:oMathPara>
-                      </a14:m>
-                      <a:endParaRPr lang="en-US" altLang="ja-JP" sz="900" dirty="0">
-                        <a:latin typeface="メイリオ" panose="020B0604030504040204" pitchFamily="50" charset="-128"/>
-                        <a:ea typeface="メイリオ" panose="020B0604030504040204" pitchFamily="50" charset="-128"/>
-                      </a:endParaRPr>
-                    </a:p>
-                    <a:p>
-                      <a:pPr/>
-                      <a14:m>
-                        <m:oMathPara xmlns:m="http://schemas.openxmlformats.org/officeDocument/2006/math">
-                          <m:oMathParaPr>
-                            <m:jc m:val="centerGroup"/>
-                          </m:oMathParaPr>
-                          <m:oMath xmlns:m="http://schemas.openxmlformats.org/officeDocument/2006/math">
-                            <m:sSub>
-                              <m:sSubPr>
-                                <m:ctrlPr>
-                                  <a:rPr lang="en-US" altLang="ja-JP" sz="900" i="1">
-                                    <a:latin typeface="Cambria Math" panose="02040503050406030204" pitchFamily="18" charset="0"/>
-                                  </a:rPr>
-                                </m:ctrlPr>
-                              </m:sSubPr>
-                              <m:e>
-                                <m:r>
-                                  <m:rPr>
-                                    <m:sty m:val="p"/>
-                                  </m:rPr>
-                                  <a:rPr lang="en-US" altLang="ja-JP" sz="900" i="0">
-                                    <a:latin typeface="Cambria Math" panose="02040503050406030204" pitchFamily="18" charset="0"/>
-                                  </a:rPr>
-                                  <m:t>K</m:t>
-                                </m:r>
-                              </m:e>
-                              <m:sub>
-                                <m:r>
-                                  <m:rPr>
-                                    <m:sty m:val="p"/>
-                                  </m:rPr>
-                                  <a:rPr lang="en-US" altLang="ja-JP" sz="900" i="0">
-                                    <a:latin typeface="Cambria Math" panose="02040503050406030204" pitchFamily="18" charset="0"/>
-                                  </a:rPr>
-                                  <m:t>I</m:t>
-                                </m:r>
-                              </m:sub>
-                            </m:sSub>
-                          </m:oMath>
-                        </m:oMathPara>
-                      </a14:m>
-                      <a:endParaRPr kumimoji="1" lang="en-US" altLang="ja-JP" sz="900" dirty="0">
-                        <a:latin typeface="メイリオ" panose="020B0604030504040204" pitchFamily="50" charset="-128"/>
-                        <a:ea typeface="メイリオ" panose="020B0604030504040204" pitchFamily="50" charset="-128"/>
-                      </a:endParaRPr>
-                    </a:p>
-                    <a:p>
-                      <a:pPr/>
-                      <a14:m>
-                        <m:oMathPara xmlns:m="http://schemas.openxmlformats.org/officeDocument/2006/math">
-                          <m:oMathParaPr>
-                            <m:jc m:val="centerGroup"/>
-                          </m:oMathParaPr>
-                          <m:oMath xmlns:m="http://schemas.openxmlformats.org/officeDocument/2006/math">
-                            <m:sSub>
-                              <m:sSubPr>
-                                <m:ctrlPr>
-                                  <a:rPr lang="en-US" altLang="ja-JP" sz="900" i="1">
-                                    <a:latin typeface="Cambria Math" panose="02040503050406030204" pitchFamily="18" charset="0"/>
-                                  </a:rPr>
-                                </m:ctrlPr>
-                              </m:sSubPr>
-                              <m:e>
-                                <m:r>
-                                  <m:rPr>
-                                    <m:sty m:val="p"/>
-                                  </m:rPr>
-                                  <a:rPr lang="en-US" altLang="ja-JP" sz="900" i="0">
-                                    <a:latin typeface="Cambria Math" panose="02040503050406030204" pitchFamily="18" charset="0"/>
-                                  </a:rPr>
-                                  <m:t>K</m:t>
-                                </m:r>
-                              </m:e>
-                              <m:sub>
-                                <m:r>
-                                  <m:rPr>
-                                    <m:sty m:val="p"/>
-                                  </m:rPr>
-                                  <a:rPr lang="en-US" altLang="ja-JP" sz="900" i="0">
-                                    <a:latin typeface="Cambria Math" panose="02040503050406030204" pitchFamily="18" charset="0"/>
-                                  </a:rPr>
-                                  <m:t>D</m:t>
-                                </m:r>
-                              </m:sub>
-                            </m:sSub>
-                          </m:oMath>
-                        </m:oMathPara>
-                      </a14:m>
-                      <a:endParaRPr kumimoji="1" lang="en-US" altLang="ja-JP" sz="900" dirty="0">
-                        <a:latin typeface="メイリオ" panose="020B0604030504040204" pitchFamily="50" charset="-128"/>
-                        <a:ea typeface="メイリオ" panose="020B0604030504040204" pitchFamily="50" charset="-128"/>
-                      </a:endParaRPr>
-                    </a:p>
-                    <a:p>
-                      <a:pPr/>
-                      <a14:m>
-                        <m:oMathPara xmlns:m="http://schemas.openxmlformats.org/officeDocument/2006/math">
-                          <m:oMathParaPr>
-                            <m:jc m:val="centerGroup"/>
-                          </m:oMathParaPr>
-                          <m:oMath xmlns:m="http://schemas.openxmlformats.org/officeDocument/2006/math">
-                            <m:sSub>
-                              <m:sSubPr>
-                                <m:ctrlPr>
-                                  <a:rPr lang="en-US" altLang="ja-JP" sz="900" i="1" smtClean="0">
-                                    <a:latin typeface="Cambria Math" panose="02040503050406030204" pitchFamily="18" charset="0"/>
-                                    <a:ea typeface="メイリオ" panose="020B0604030504040204" pitchFamily="50" charset="-128"/>
-                                  </a:rPr>
-                                </m:ctrlPr>
-                              </m:sSubPr>
-                              <m:e>
-                                <m:r>
-                                  <a:rPr lang="en-US" altLang="ja-JP" sz="900" i="1" smtClean="0">
-                                    <a:latin typeface="Cambria Math" panose="02040503050406030204" pitchFamily="18" charset="0"/>
-                                    <a:ea typeface="Cambria Math" panose="02040503050406030204" pitchFamily="18" charset="0"/>
-                                  </a:rPr>
-                                  <m:t>𝜖</m:t>
-                                </m:r>
-                              </m:e>
-                              <m:sub>
-                                <m:r>
-                                  <a:rPr lang="en-US" altLang="ja-JP" sz="900" b="0" i="1" smtClean="0">
-                                    <a:latin typeface="Cambria Math" panose="02040503050406030204" pitchFamily="18" charset="0"/>
-                                    <a:ea typeface="メイリオ" panose="020B0604030504040204" pitchFamily="50" charset="-128"/>
-                                  </a:rPr>
-                                  <m:t>𝑛</m:t>
-                                </m:r>
-                              </m:sub>
-                            </m:sSub>
-                          </m:oMath>
-                        </m:oMathPara>
-                      </a14:m>
-                      <a:endParaRPr lang="en-US" altLang="ja-JP" sz="900" dirty="0">
-                        <a:latin typeface="メイリオ" panose="020B0604030504040204" pitchFamily="50" charset="-128"/>
-                        <a:ea typeface="メイリオ" panose="020B0604030504040204" pitchFamily="50" charset="-128"/>
-                      </a:endParaRPr>
-                    </a:p>
-                    <a:p>
-                      <a:pPr/>
-                      <a14:m>
-                        <m:oMathPara xmlns:m="http://schemas.openxmlformats.org/officeDocument/2006/math">
-                          <m:oMathParaPr>
-                            <m:jc m:val="centerGroup"/>
-                          </m:oMathParaPr>
-                          <m:oMath xmlns:m="http://schemas.openxmlformats.org/officeDocument/2006/math">
-                            <m:r>
-                              <a:rPr lang="en-US" altLang="ja-JP" sz="900" i="1">
-                                <a:latin typeface="Cambria Math" panose="02040503050406030204" pitchFamily="18" charset="0"/>
-                                <a:ea typeface="Cambria Math" panose="02040503050406030204" pitchFamily="18" charset="0"/>
-                              </a:rPr>
-                              <m:t>∆</m:t>
-                            </m:r>
-                            <m:r>
-                              <a:rPr lang="en-US" altLang="ja-JP" sz="900" i="1">
-                                <a:latin typeface="Cambria Math" panose="02040503050406030204" pitchFamily="18" charset="0"/>
-                                <a:ea typeface="Cambria Math" panose="02040503050406030204" pitchFamily="18" charset="0"/>
-                              </a:rPr>
-                              <m:t>𝑡</m:t>
-                            </m:r>
-                          </m:oMath>
-                        </m:oMathPara>
-                      </a14:m>
-                      <a:endParaRPr lang="ja-JP" altLang="en-US" sz="900" dirty="0">
-                        <a:latin typeface="メイリオ" panose="020B0604030504040204" pitchFamily="50" charset="-128"/>
-                        <a:ea typeface="メイリオ" panose="020B0604030504040204" pitchFamily="50" charset="-128"/>
-                      </a:endParaRPr>
-                    </a:p>
-                  </p:txBody>
-                </p:sp>
-              </mc:Choice>
-              <mc:Fallback xmlns="">
-                <p:sp>
-                  <p:nvSpPr>
-                    <p:cNvPr id="40" name="テキスト ボックス 39">
-                      <a:extLst>
-                        <a:ext uri="{FF2B5EF4-FFF2-40B4-BE49-F238E27FC236}">
-                          <a16:creationId xmlns:a16="http://schemas.microsoft.com/office/drawing/2014/main" id="{ED9114C2-F5EE-6747-8A44-E3378E43F1D7}"/>
-                        </a:ext>
-                      </a:extLst>
-                    </p:cNvPr>
-                    <p:cNvSpPr txBox="1">
-                      <a:spLocks noRot="1" noChangeAspect="1" noMove="1" noResize="1" noEditPoints="1" noAdjustHandles="1" noChangeArrowheads="1" noChangeShapeType="1" noTextEdit="1"/>
-                    </p:cNvSpPr>
-                    <p:nvPr/>
-                  </p:nvSpPr>
-                  <p:spPr>
-                    <a:xfrm>
-                      <a:off x="3100782" y="5074220"/>
-                      <a:ext cx="280687" cy="640583"/>
-                    </a:xfrm>
-                    <a:prstGeom prst="rect">
-                      <a:avLst/>
-                    </a:prstGeom>
-                    <a:blipFill>
-                      <a:blip r:embed="rId4"/>
-                      <a:stretch>
-                        <a:fillRect r="-5000"/>
-                      </a:stretch>
-                    </a:blipFill>
-                  </p:spPr>
-                  <p:txBody>
-                    <a:bodyPr/>
-                    <a:lstStyle/>
-                    <a:p>
-                      <a:r>
-                        <a:rPr lang="ja-JP" altLang="en-US">
-                          <a:noFill/>
-                        </a:rPr>
-                        <a:t> </a:t>
-                      </a:r>
-                    </a:p>
-                  </p:txBody>
-                </p:sp>
-              </mc:Fallback>
-            </mc:AlternateContent>
-            <p:sp>
-              <p:nvSpPr>
-                <p:cNvPr id="56" name="左大かっこ 55">
-                  <a:extLst>
-                    <a:ext uri="{FF2B5EF4-FFF2-40B4-BE49-F238E27FC236}">
-                      <a16:creationId xmlns:a16="http://schemas.microsoft.com/office/drawing/2014/main" id="{B211D05C-8DFD-6848-AF91-1481ED6FF0D9}"/>
-                    </a:ext>
-                  </a:extLst>
-                </p:cNvPr>
-                <p:cNvSpPr/>
-                <p:nvPr/>
-              </p:nvSpPr>
-              <p:spPr>
-                <a:xfrm flipH="1">
-                  <a:off x="4954284" y="5080225"/>
-                  <a:ext cx="47032" cy="622326"/>
-                </a:xfrm>
-                <a:prstGeom prst="leftBracket">
-                  <a:avLst/>
-                </a:prstGeom>
-              </p:spPr>
-              <p:style>
-                <a:lnRef idx="1">
-                  <a:schemeClr val="dk1"/>
-                </a:lnRef>
-                <a:fillRef idx="0">
-                  <a:schemeClr val="dk1"/>
-                </a:fillRef>
-                <a:effectRef idx="0">
-                  <a:schemeClr val="dk1"/>
-                </a:effectRef>
-                <a:fontRef idx="minor">
-                  <a:schemeClr val="tx1"/>
-                </a:fontRef>
-              </p:style>
-              <p:txBody>
-                <a:bodyPr rtlCol="0" anchor="ctr"/>
-                <a:lstStyle/>
-                <a:p>
-                  <a:pPr algn="ctr"/>
-                  <a:endParaRPr kumimoji="1" lang="ja-JP" altLang="en-US" sz="1050"/>
-                </a:p>
-              </p:txBody>
-            </p:sp>
-            <p:sp>
-              <p:nvSpPr>
-                <p:cNvPr id="57" name="左大かっこ 56">
-                  <a:extLst>
-                    <a:ext uri="{FF2B5EF4-FFF2-40B4-BE49-F238E27FC236}">
-                      <a16:creationId xmlns:a16="http://schemas.microsoft.com/office/drawing/2014/main" id="{D37C532B-16DF-A743-B404-433D98DD51CF}"/>
-                    </a:ext>
-                  </a:extLst>
-                </p:cNvPr>
-                <p:cNvSpPr/>
-                <p:nvPr/>
-              </p:nvSpPr>
-              <p:spPr>
-                <a:xfrm>
-                  <a:off x="3082952" y="5076976"/>
-                  <a:ext cx="45719" cy="622326"/>
-                </a:xfrm>
-                <a:prstGeom prst="leftBracket">
-                  <a:avLst/>
-                </a:prstGeom>
-              </p:spPr>
-              <p:style>
-                <a:lnRef idx="1">
-                  <a:schemeClr val="dk1"/>
-                </a:lnRef>
-                <a:fillRef idx="0">
-                  <a:schemeClr val="dk1"/>
-                </a:fillRef>
-                <a:effectRef idx="0">
-                  <a:schemeClr val="dk1"/>
-                </a:effectRef>
-                <a:fontRef idx="minor">
-                  <a:schemeClr val="tx1"/>
-                </a:fontRef>
-              </p:style>
-              <p:txBody>
-                <a:bodyPr rtlCol="0" anchor="ctr"/>
-                <a:lstStyle/>
-                <a:p>
-                  <a:pPr algn="ctr"/>
-                  <a:endParaRPr kumimoji="1" lang="ja-JP" altLang="en-US" sz="1050"/>
-                </a:p>
-              </p:txBody>
-            </p:sp>
-          </p:grpSp>
-          <p:sp>
-            <p:nvSpPr>
-              <p:cNvPr id="54" name="テキスト ボックス 53">
-                <a:extLst>
-                  <a:ext uri="{FF2B5EF4-FFF2-40B4-BE49-F238E27FC236}">
-                    <a16:creationId xmlns:a16="http://schemas.microsoft.com/office/drawing/2014/main" id="{217227CD-59C8-1348-88E8-EBF532EFABED}"/>
-                  </a:ext>
-                </a:extLst>
-              </p:cNvPr>
-              <p:cNvSpPr txBox="1"/>
-              <p:nvPr/>
-            </p:nvSpPr>
-            <p:spPr>
-              <a:xfrm>
-                <a:off x="4874778" y="4893824"/>
-                <a:ext cx="1761865" cy="607896"/>
-              </a:xfrm>
-              <a:prstGeom prst="rect">
-                <a:avLst/>
-              </a:prstGeom>
-              <a:noFill/>
-            </p:spPr>
-            <p:txBody>
-              <a:bodyPr wrap="square" rtlCol="0">
-                <a:spAutoFit/>
-              </a:bodyPr>
-              <a:lstStyle/>
-              <a:p>
-                <a:r>
-                  <a:rPr lang="en-US" altLang="ja-JP" sz="900" dirty="0">
-                    <a:latin typeface="メイリオ" panose="020B0604030504040204" pitchFamily="50" charset="-128"/>
-                    <a:ea typeface="メイリオ" panose="020B0604030504040204" pitchFamily="50" charset="-128"/>
-                  </a:rPr>
-                  <a:t>:</a:t>
-                </a:r>
-                <a:r>
-                  <a:rPr lang="ja-JP" altLang="en-US" sz="900" dirty="0">
-                    <a:latin typeface="メイリオ" panose="020B0604030504040204" pitchFamily="50" charset="-128"/>
-                    <a:ea typeface="メイリオ" panose="020B0604030504040204" pitchFamily="50" charset="-128"/>
-                  </a:rPr>
-                  <a:t>比例制御ゲイン</a:t>
-                </a:r>
-                <a:endParaRPr lang="en-US" altLang="ja-JP" sz="900" dirty="0">
-                  <a:latin typeface="メイリオ" panose="020B0604030504040204" pitchFamily="50" charset="-128"/>
-                  <a:ea typeface="メイリオ" panose="020B0604030504040204" pitchFamily="50" charset="-128"/>
-                </a:endParaRPr>
-              </a:p>
-              <a:p>
-                <a:r>
-                  <a:rPr lang="en-US" altLang="ja-JP" sz="900" dirty="0">
-                    <a:latin typeface="メイリオ" panose="020B0604030504040204" pitchFamily="50" charset="-128"/>
-                    <a:ea typeface="メイリオ" panose="020B0604030504040204" pitchFamily="50" charset="-128"/>
-                  </a:rPr>
-                  <a:t>:</a:t>
-                </a:r>
-                <a:r>
-                  <a:rPr lang="ja-JP" altLang="en-US" sz="900" dirty="0">
-                    <a:latin typeface="メイリオ" panose="020B0604030504040204" pitchFamily="50" charset="-128"/>
-                    <a:ea typeface="メイリオ" panose="020B0604030504040204" pitchFamily="50" charset="-128"/>
-                  </a:rPr>
-                  <a:t>積分制御ゲイン　　</a:t>
-                </a:r>
-                <a:endParaRPr lang="en-US" altLang="ja-JP" sz="900" dirty="0">
-                  <a:latin typeface="メイリオ" panose="020B0604030504040204" pitchFamily="50" charset="-128"/>
-                  <a:ea typeface="メイリオ" panose="020B0604030504040204" pitchFamily="50" charset="-128"/>
-                </a:endParaRPr>
-              </a:p>
-              <a:p>
-                <a:r>
-                  <a:rPr lang="en-US" altLang="ja-JP" sz="900" dirty="0">
-                    <a:latin typeface="メイリオ" panose="020B0604030504040204" pitchFamily="50" charset="-128"/>
-                    <a:ea typeface="メイリオ" panose="020B0604030504040204" pitchFamily="50" charset="-128"/>
-                  </a:rPr>
-                  <a:t>:</a:t>
-                </a:r>
-                <a:r>
-                  <a:rPr lang="ja-JP" altLang="en-US" sz="900">
-                    <a:latin typeface="メイリオ" panose="020B0604030504040204" pitchFamily="50" charset="-128"/>
-                    <a:ea typeface="メイリオ" panose="020B0604030504040204" pitchFamily="50" charset="-128"/>
-                  </a:rPr>
-                  <a:t>微分制御ゲイン</a:t>
-                </a:r>
-                <a:endParaRPr lang="en-US" altLang="ja-JP" sz="900" dirty="0">
-                  <a:latin typeface="メイリオ" panose="020B0604030504040204" pitchFamily="50" charset="-128"/>
-                  <a:ea typeface="メイリオ" panose="020B0604030504040204" pitchFamily="50" charset="-128"/>
-                </a:endParaRPr>
-              </a:p>
-              <a:p>
-                <a:r>
-                  <a:rPr lang="en-US" altLang="ja-JP" sz="900" dirty="0">
-                    <a:latin typeface="メイリオ" panose="020B0604030504040204" pitchFamily="50" charset="-128"/>
-                    <a:ea typeface="メイリオ" panose="020B0604030504040204" pitchFamily="50" charset="-128"/>
-                  </a:rPr>
-                  <a:t>:</a:t>
-                </a:r>
-                <a:r>
-                  <a:rPr lang="ja-JP" altLang="en-US" sz="900">
-                    <a:latin typeface="メイリオ" panose="020B0604030504040204" pitchFamily="50" charset="-128"/>
-                    <a:ea typeface="メイリオ" panose="020B0604030504040204" pitchFamily="50" charset="-128"/>
-                  </a:rPr>
-                  <a:t>輝度の目標値との偏差</a:t>
-                </a:r>
-                <a:endParaRPr lang="en-US" altLang="ja-JP" sz="900" dirty="0">
-                  <a:latin typeface="メイリオ" panose="020B0604030504040204" pitchFamily="50" charset="-128"/>
-                  <a:ea typeface="メイリオ" panose="020B0604030504040204" pitchFamily="50" charset="-128"/>
-                </a:endParaRPr>
-              </a:p>
-              <a:p>
-                <a:r>
-                  <a:rPr lang="en-US" altLang="ja-JP" sz="900" dirty="0">
-                    <a:latin typeface="メイリオ" panose="020B0604030504040204" pitchFamily="50" charset="-128"/>
-                    <a:ea typeface="メイリオ" panose="020B0604030504040204" pitchFamily="50" charset="-128"/>
-                  </a:rPr>
-                  <a:t>:</a:t>
-                </a:r>
-                <a:r>
-                  <a:rPr lang="ja-JP" altLang="en-US" sz="900">
-                    <a:latin typeface="メイリオ" panose="020B0604030504040204" pitchFamily="50" charset="-128"/>
-                    <a:ea typeface="メイリオ" panose="020B0604030504040204" pitchFamily="50" charset="-128"/>
-                  </a:rPr>
-                  <a:t>時間ステップ</a:t>
-                </a:r>
-                <a:r>
-                  <a:rPr lang="en-US" altLang="ja-JP" sz="900" dirty="0">
-                    <a:latin typeface="メイリオ" panose="020B0604030504040204" pitchFamily="50" charset="-128"/>
-                    <a:ea typeface="メイリオ" panose="020B0604030504040204" pitchFamily="50" charset="-128"/>
-                  </a:rPr>
-                  <a:t>(4[</a:t>
-                </a:r>
-                <a:r>
-                  <a:rPr lang="en-US" altLang="ja-JP" sz="900" dirty="0" err="1">
-                    <a:latin typeface="メイリオ" panose="020B0604030504040204" pitchFamily="50" charset="-128"/>
-                    <a:ea typeface="メイリオ" panose="020B0604030504040204" pitchFamily="50" charset="-128"/>
-                  </a:rPr>
-                  <a:t>ms</a:t>
-                </a:r>
-                <a:r>
-                  <a:rPr lang="en-US" altLang="ja-JP" sz="900" dirty="0">
-                    <a:latin typeface="メイリオ" panose="020B0604030504040204" pitchFamily="50" charset="-128"/>
-                    <a:ea typeface="メイリオ" panose="020B0604030504040204" pitchFamily="50" charset="-128"/>
-                  </a:rPr>
-                  <a:t>])</a:t>
-                </a:r>
-                <a:endParaRPr lang="ja-JP" altLang="en-US" sz="900" dirty="0">
-                  <a:latin typeface="メイリオ" panose="020B0604030504040204" pitchFamily="50" charset="-128"/>
-                  <a:ea typeface="メイリオ" panose="020B0604030504040204" pitchFamily="50" charset="-128"/>
-                </a:endParaRPr>
-              </a:p>
-            </p:txBody>
-          </p:sp>
-        </p:grpSp>
-      </p:grpSp>
       <p:sp>
         <p:nvSpPr>
           <p:cNvPr id="64" name="テキスト ボックス 63">
@@ -12912,13 +11761,13 @@
           <p:nvPr>
             <p:extLst>
               <p:ext uri="{D42A27DB-BD31-4B8C-83A1-F6EECF244321}">
-                <p14:modId xmlns:p14="http://schemas.microsoft.com/office/powerpoint/2010/main" val="1942953832"/>
+                <p14:modId xmlns:p14="http://schemas.microsoft.com/office/powerpoint/2010/main" val="1442946222"/>
               </p:ext>
             </p:extLst>
           </p:nvPr>
         </p:nvGraphicFramePr>
         <p:xfrm>
-          <a:off x="3038972" y="3339979"/>
+          <a:off x="3048663" y="3305082"/>
           <a:ext cx="3312001" cy="4023360"/>
         </p:xfrm>
         <a:graphic>
@@ -12957,7 +11806,7 @@
                   </a:extLst>
                 </a:gridCol>
               </a:tblGrid>
-              <a:tr h="243809">
+              <a:tr h="199399">
                 <a:tc>
                   <a:txBody>
                     <a:bodyPr/>
@@ -13054,7 +11903,7 @@
                   </a:ext>
                 </a:extLst>
               </a:tr>
-              <a:tr h="243809">
+              <a:tr h="199399">
                 <a:tc>
                   <a:txBody>
                     <a:bodyPr/>
@@ -13145,7 +11994,7 @@
                   </a:ext>
                 </a:extLst>
               </a:tr>
-              <a:tr h="243809">
+              <a:tr h="199399">
                 <a:tc>
                   <a:txBody>
                     <a:bodyPr/>
@@ -13232,7 +12081,7 @@
                   </a:ext>
                 </a:extLst>
               </a:tr>
-              <a:tr h="243809">
+              <a:tr h="199399">
                 <a:tc>
                   <a:txBody>
                     <a:bodyPr/>
@@ -13323,7 +12172,7 @@
                   </a:ext>
                 </a:extLst>
               </a:tr>
-              <a:tr h="243809">
+              <a:tr h="199399">
                 <a:tc>
                   <a:txBody>
                     <a:bodyPr/>
@@ -13414,7 +12263,7 @@
                   </a:ext>
                 </a:extLst>
               </a:tr>
-              <a:tr h="243809">
+              <a:tr h="199399">
                 <a:tc>
                   <a:txBody>
                     <a:bodyPr/>
@@ -13505,7 +12354,7 @@
                   </a:ext>
                 </a:extLst>
               </a:tr>
-              <a:tr h="243809">
+              <a:tr h="199399">
                 <a:tc>
                   <a:txBody>
                     <a:bodyPr/>
@@ -13596,7 +12445,7 @@
                   </a:ext>
                 </a:extLst>
               </a:tr>
-              <a:tr h="243809">
+              <a:tr h="199399">
                 <a:tc>
                   <a:txBody>
                     <a:bodyPr/>
@@ -13687,7 +12536,7 @@
                   </a:ext>
                 </a:extLst>
               </a:tr>
-              <a:tr h="243809">
+              <a:tr h="199399">
                 <a:tc>
                   <a:txBody>
                     <a:bodyPr/>
@@ -13778,7 +12627,7 @@
                   </a:ext>
                 </a:extLst>
               </a:tr>
-              <a:tr h="243809">
+              <a:tr h="199399">
                 <a:tc>
                   <a:txBody>
                     <a:bodyPr/>
@@ -13869,7 +12718,7 @@
                   </a:ext>
                 </a:extLst>
               </a:tr>
-              <a:tr h="243809">
+              <a:tr h="199399">
                 <a:tc>
                   <a:txBody>
                     <a:bodyPr/>
@@ -13960,7 +12809,7 @@
                   </a:ext>
                 </a:extLst>
               </a:tr>
-              <a:tr h="243809">
+              <a:tr h="199399">
                 <a:tc>
                   <a:txBody>
                     <a:bodyPr/>
@@ -14051,7 +12900,7 @@
                   </a:ext>
                 </a:extLst>
               </a:tr>
-              <a:tr h="243809">
+              <a:tr h="199399">
                 <a:tc>
                   <a:txBody>
                     <a:bodyPr/>
@@ -14142,7 +12991,7 @@
                   </a:ext>
                 </a:extLst>
               </a:tr>
-              <a:tr h="243809">
+              <a:tr h="199399">
                 <a:tc>
                   <a:txBody>
                     <a:bodyPr/>
@@ -14233,7 +13082,7 @@
                   </a:ext>
                 </a:extLst>
               </a:tr>
-              <a:tr h="243809">
+              <a:tr h="199399">
                 <a:tc>
                   <a:txBody>
                     <a:bodyPr/>
@@ -14324,7 +13173,7 @@
                   </a:ext>
                 </a:extLst>
               </a:tr>
-              <a:tr h="243809">
+              <a:tr h="199399">
                 <a:tc>
                   <a:txBody>
                     <a:bodyPr/>
@@ -14478,7 +13327,7 @@
         </p:nvSpPr>
         <p:spPr>
           <a:xfrm>
-            <a:off x="432465" y="8892185"/>
+            <a:off x="432465" y="8742456"/>
             <a:ext cx="5952295" cy="738664"/>
           </a:xfrm>
           <a:prstGeom prst="rect">
@@ -14681,7 +13530,7 @@
         </p:nvSpPr>
         <p:spPr>
           <a:xfrm>
-            <a:off x="6442841" y="4682163"/>
+            <a:off x="6454687" y="4608010"/>
             <a:ext cx="6194702" cy="415498"/>
           </a:xfrm>
           <a:prstGeom prst="rect">
@@ -14696,25 +13545,45 @@
           <a:lstStyle/>
           <a:p>
             <a:r>
+              <a:rPr lang="en-US" altLang="ja-JP" sz="1050" dirty="0">
+                <a:latin typeface="Meiryo" panose="020B0604030504040204" pitchFamily="34" charset="-128"/>
+                <a:ea typeface="Meiryo" panose="020B0604030504040204" pitchFamily="34" charset="-128"/>
+              </a:rPr>
+              <a:t>7.4V</a:t>
+            </a:r>
+            <a:r>
               <a:rPr lang="ja-JP" altLang="en-US" sz="1050">
                 <a:latin typeface="Meiryo" panose="020B0604030504040204" pitchFamily="34" charset="-128"/>
                 <a:ea typeface="Meiryo" panose="020B0604030504040204" pitchFamily="34" charset="-128"/>
               </a:rPr>
-              <a:t>電圧低下による旋回曲率への影響は線形であるとみなし，</a:t>
+              <a:t>で電圧が安定するため，パラメータ調整の際は電圧が</a:t>
             </a:r>
             <a:r>
               <a:rPr lang="en-US" altLang="ja-JP" sz="1050" dirty="0">
                 <a:latin typeface="Meiryo" panose="020B0604030504040204" pitchFamily="34" charset="-128"/>
                 <a:ea typeface="Meiryo" panose="020B0604030504040204" pitchFamily="34" charset="-128"/>
               </a:rPr>
-              <a:t> 3-1.</a:t>
+              <a:t>7.4V</a:t>
             </a:r>
             <a:r>
               <a:rPr lang="ja-JP" altLang="en-US" sz="1050">
                 <a:latin typeface="Meiryo" panose="020B0604030504040204" pitchFamily="34" charset="-128"/>
                 <a:ea typeface="Meiryo" panose="020B0604030504040204" pitchFamily="34" charset="-128"/>
               </a:rPr>
-              <a:t> で実装した曲率項に電圧低下を補償する係数をかけることで，電圧低下を考慮した旋回量計算式を構築した．</a:t>
+              <a:t>まで放電させてから行うようにした．</a:t>
+            </a:r>
+            <a:endParaRPr lang="en-US" altLang="ja-JP" sz="1050" dirty="0">
+              <a:latin typeface="Meiryo" panose="020B0604030504040204" pitchFamily="34" charset="-128"/>
+              <a:ea typeface="Meiryo" panose="020B0604030504040204" pitchFamily="34" charset="-128"/>
+            </a:endParaRPr>
+          </a:p>
+          <a:p>
+            <a:r>
+              <a:rPr lang="ja-JP" altLang="en-US" sz="1050">
+                <a:latin typeface="Meiryo" panose="020B0604030504040204" pitchFamily="34" charset="-128"/>
+                <a:ea typeface="Meiryo" panose="020B0604030504040204" pitchFamily="34" charset="-128"/>
+              </a:rPr>
+              <a:t>バッテリの放電には，競技とは別に放電を行うプログラムを作成し，自動で放電を行えるようにした．</a:t>
             </a:r>
             <a:endParaRPr lang="en-US" altLang="ja-JP" sz="1050" dirty="0">
               <a:latin typeface="Meiryo" panose="020B0604030504040204" pitchFamily="34" charset="-128"/>
@@ -14737,10 +13606,10 @@
         </p:nvGrpSpPr>
         <p:grpSpPr>
           <a:xfrm>
-            <a:off x="6627277" y="5097661"/>
-            <a:ext cx="5960906" cy="936747"/>
-            <a:chOff x="346464" y="6919237"/>
-            <a:chExt cx="5960906" cy="936747"/>
+            <a:off x="6611050" y="5422902"/>
+            <a:ext cx="6045735" cy="1211356"/>
+            <a:chOff x="346464" y="6884441"/>
+            <a:chExt cx="6045735" cy="1211356"/>
           </a:xfrm>
         </p:grpSpPr>
         <p:grpSp>
@@ -15309,10 +14178,10 @@
           </p:nvGrpSpPr>
           <p:grpSpPr>
             <a:xfrm>
-              <a:off x="4688241" y="6919237"/>
-              <a:ext cx="1619129" cy="936747"/>
-              <a:chOff x="4676720" y="4879115"/>
-              <a:chExt cx="1944218" cy="725564"/>
+              <a:off x="4691229" y="6884441"/>
+              <a:ext cx="1700970" cy="1211356"/>
+              <a:chOff x="4680307" y="4852166"/>
+              <a:chExt cx="2042491" cy="938265"/>
             </a:xfrm>
           </p:grpSpPr>
           <p:grpSp>
@@ -15329,14 +14198,14 @@
             </p:nvGrpSpPr>
             <p:grpSpPr>
               <a:xfrm>
-                <a:off x="4676720" y="4879115"/>
-                <a:ext cx="1944218" cy="715173"/>
-                <a:chOff x="3082951" y="5049527"/>
-                <a:chExt cx="1918365" cy="753628"/>
+                <a:off x="4680307" y="4852166"/>
+                <a:ext cx="1940630" cy="938265"/>
+                <a:chOff x="3086491" y="5021128"/>
+                <a:chExt cx="1914825" cy="988716"/>
               </a:xfrm>
             </p:grpSpPr>
-            <mc:AlternateContent xmlns:mc="http://schemas.openxmlformats.org/markup-compatibility/2006" xmlns:a14="http://schemas.microsoft.com/office/drawing/2010/main">
-              <mc:Choice Requires="a14">
+            <mc:AlternateContent xmlns:mc="http://schemas.openxmlformats.org/markup-compatibility/2006">
+              <mc:Choice xmlns:a14="http://schemas.microsoft.com/office/drawing/2010/main" Requires="a14">
                 <p:sp>
                   <p:nvSpPr>
                     <p:cNvPr id="83" name="テキスト ボックス 82">
@@ -15351,8 +14220,8 @@
                   </p:nvSpPr>
                   <p:spPr>
                     <a:xfrm>
-                      <a:off x="3082951" y="5049527"/>
-                      <a:ext cx="280687" cy="753628"/>
+                      <a:off x="3093848" y="5021128"/>
+                      <a:ext cx="280687" cy="988716"/>
                     </a:xfrm>
                     <a:prstGeom prst="rect">
                       <a:avLst/>
@@ -15553,7 +14422,6 @@
                       </a:endParaRPr>
                     </a:p>
                     <a:p>
-                      <a:pPr/>
                       <a14:m>
                         <m:oMathPara xmlns:m="http://schemas.openxmlformats.org/officeDocument/2006/math">
                           <m:oMathParaPr>
@@ -15597,7 +14465,6 @@
                       </a:endParaRPr>
                     </a:p>
                     <a:p>
-                      <a:pPr/>
                       <a14:m>
                         <m:oMathPara xmlns:m="http://schemas.openxmlformats.org/officeDocument/2006/math">
                           <m:oMathParaPr>
@@ -15621,7 +14488,74 @@
                           </m:oMath>
                         </m:oMathPara>
                       </a14:m>
-                      <a:endParaRPr lang="ja-JP" altLang="en-US" sz="900" dirty="0">
+                      <a:endParaRPr lang="en-US" altLang="ja-JP" sz="900" dirty="0">
+                        <a:latin typeface="メイリオ" panose="020B0604030504040204" pitchFamily="50" charset="-128"/>
+                        <a:ea typeface="メイリオ" panose="020B0604030504040204" pitchFamily="50" charset="-128"/>
+                      </a:endParaRPr>
+                    </a:p>
+                    <a:p>
+                      <a:pPr/>
+                      <a14:m>
+                        <m:oMathPara xmlns:m="http://schemas.openxmlformats.org/officeDocument/2006/math">
+                          <m:oMathParaPr>
+                            <m:jc m:val="centerGroup"/>
+                          </m:oMathParaPr>
+                          <m:oMath xmlns:m="http://schemas.openxmlformats.org/officeDocument/2006/math">
+                            <m:sSub>
+                              <m:sSubPr>
+                                <m:ctrlPr>
+                                  <a:rPr lang="en-US" altLang="ja-JP" sz="900" i="1">
+                                    <a:latin typeface="Cambria Math" panose="02040503050406030204" pitchFamily="18" charset="0"/>
+                                    <a:ea typeface="Cambria Math" panose="02040503050406030204" pitchFamily="18" charset="0"/>
+                                  </a:rPr>
+                                </m:ctrlPr>
+                              </m:sSubPr>
+                              <m:e>
+                                <m:r>
+                                  <a:rPr lang="en-US" altLang="ja-JP" sz="900" i="1">
+                                    <a:latin typeface="Cambria Math" panose="02040503050406030204" pitchFamily="18" charset="0"/>
+                                    <a:ea typeface="Cambria Math" panose="02040503050406030204" pitchFamily="18" charset="0"/>
+                                  </a:rPr>
+                                  <m:t>𝑉</m:t>
+                                </m:r>
+                              </m:e>
+                              <m:sub>
+                                <m:r>
+                                  <a:rPr lang="en-US" altLang="ja-JP" sz="900" i="1">
+                                    <a:latin typeface="Cambria Math" panose="02040503050406030204" pitchFamily="18" charset="0"/>
+                                    <a:ea typeface="Cambria Math" panose="02040503050406030204" pitchFamily="18" charset="0"/>
+                                  </a:rPr>
+                                  <m:t>𝑟𝑒𝑓</m:t>
+                                </m:r>
+                              </m:sub>
+                            </m:sSub>
+                          </m:oMath>
+                        </m:oMathPara>
+                      </a14:m>
+                      <a:endParaRPr lang="en-US" altLang="ja-JP" sz="900" dirty="0">
+                        <a:latin typeface="メイリオ" panose="020B0604030504040204" pitchFamily="50" charset="-128"/>
+                        <a:ea typeface="メイリオ" panose="020B0604030504040204" pitchFamily="50" charset="-128"/>
+                      </a:endParaRPr>
+                    </a:p>
+                    <a:p>
+                      <a:pPr/>
+                      <a14:m>
+                        <m:oMathPara xmlns:m="http://schemas.openxmlformats.org/officeDocument/2006/math">
+                          <m:oMathParaPr>
+                            <m:jc m:val="centerGroup"/>
+                          </m:oMathParaPr>
+                          <m:oMath xmlns:m="http://schemas.openxmlformats.org/officeDocument/2006/math">
+                            <m:r>
+                              <a:rPr lang="en-US" altLang="ja-JP" sz="900" b="0" i="1" smtClean="0">
+                                <a:latin typeface="Cambria Math" panose="02040503050406030204" pitchFamily="18" charset="0"/>
+                                <a:ea typeface="Cambria Math" panose="02040503050406030204" pitchFamily="18" charset="0"/>
+                              </a:rPr>
+                              <m:t>𝑉</m:t>
+                            </m:r>
+                          </m:oMath>
+                        </m:oMathPara>
+                      </a14:m>
+                      <a:endParaRPr lang="en-US" altLang="ja-JP" sz="900" dirty="0">
                         <a:latin typeface="メイリオ" panose="020B0604030504040204" pitchFamily="50" charset="-128"/>
                         <a:ea typeface="メイリオ" panose="020B0604030504040204" pitchFamily="50" charset="-128"/>
                       </a:endParaRPr>
@@ -15629,13 +14563,13 @@
                   </p:txBody>
                 </p:sp>
               </mc:Choice>
-              <mc:Fallback xmlns="">
+              <mc:Fallback>
                 <p:sp>
                   <p:nvSpPr>
-                    <p:cNvPr id="64" name="テキスト ボックス 63">
+                    <p:cNvPr id="83" name="テキスト ボックス 82">
                       <a:extLst>
                         <a:ext uri="{FF2B5EF4-FFF2-40B4-BE49-F238E27FC236}">
-                          <a16:creationId xmlns:a16="http://schemas.microsoft.com/office/drawing/2014/main" id="{6F6D3082-7391-634D-8462-6FB245345B08}"/>
+                          <a16:creationId xmlns:a16="http://schemas.microsoft.com/office/drawing/2014/main" id="{34F28BD4-CA47-064C-9274-34DDDE4025D0}"/>
                         </a:ext>
                       </a:extLst>
                     </p:cNvPr>
@@ -15646,16 +14580,16 @@
                   </p:nvSpPr>
                   <p:spPr>
                     <a:xfrm>
-                      <a:off x="3082951" y="5049527"/>
-                      <a:ext cx="280687" cy="753628"/>
+                      <a:off x="3093848" y="5021128"/>
+                      <a:ext cx="280687" cy="988716"/>
                     </a:xfrm>
                     <a:prstGeom prst="rect">
                       <a:avLst/>
                     </a:prstGeom>
                     <a:blipFill>
-                      <a:blip r:embed="rId8"/>
+                      <a:blip r:embed="rId6"/>
                       <a:stretch>
-                        <a:fillRect r="-5000"/>
+                        <a:fillRect r="-30000"/>
                       </a:stretch>
                     </a:blipFill>
                   </p:spPr>
@@ -15688,8 +14622,8 @@
               </p:nvSpPr>
               <p:spPr>
                 <a:xfrm flipH="1">
-                  <a:off x="4941433" y="5080225"/>
-                  <a:ext cx="59883" cy="666536"/>
+                  <a:off x="4941511" y="5080225"/>
+                  <a:ext cx="59805" cy="843524"/>
                 </a:xfrm>
                 <a:prstGeom prst="leftBracket">
                   <a:avLst/>
@@ -15732,8 +14666,8 @@
               </p:nvSpPr>
               <p:spPr>
                 <a:xfrm>
-                  <a:off x="3082951" y="5076976"/>
-                  <a:ext cx="62697" cy="669787"/>
+                  <a:off x="3086491" y="5076976"/>
+                  <a:ext cx="59157" cy="846781"/>
                 </a:xfrm>
                 <a:prstGeom prst="leftBracket">
                   <a:avLst/>
@@ -15777,8 +14711,8 @@
             </p:nvSpPr>
             <p:spPr>
               <a:xfrm>
-                <a:off x="4850575" y="4889507"/>
-                <a:ext cx="1761865" cy="715172"/>
+                <a:off x="4960933" y="4852535"/>
+                <a:ext cx="1761865" cy="929723"/>
               </a:xfrm>
               <a:prstGeom prst="rect">
                 <a:avLst/>
@@ -15924,9 +14858,83 @@
                     <a:latin typeface="メイリオ" panose="020B0604030504040204" pitchFamily="50" charset="-128"/>
                     <a:ea typeface="メイリオ" panose="020B0604030504040204" pitchFamily="50" charset="-128"/>
                   </a:rPr>
+                  <a:t>]</a:t>
+                </a:r>
+              </a:p>
+              <a:p>
+                <a:r>
+                  <a:rPr lang="en-US" altLang="ja-JP" sz="900" dirty="0">
+                    <a:latin typeface="メイリオ" panose="020B0604030504040204" pitchFamily="50" charset="-128"/>
+                    <a:ea typeface="メイリオ" panose="020B0604030504040204" pitchFamily="50" charset="-128"/>
+                  </a:rPr>
+                  <a:t>:</a:t>
+                </a:r>
+                <a:r>
+                  <a:rPr lang="ja-JP" altLang="en-US" sz="900">
+                    <a:latin typeface="メイリオ" panose="020B0604030504040204" pitchFamily="50" charset="-128"/>
+                    <a:ea typeface="メイリオ" panose="020B0604030504040204" pitchFamily="50" charset="-128"/>
+                  </a:rPr>
+                  <a:t>基準電圧</a:t>
+                </a:r>
+                <a:r>
+                  <a:rPr lang="en-US" altLang="ja-JP" sz="900" dirty="0">
+                    <a:latin typeface="メイリオ" panose="020B0604030504040204" pitchFamily="50" charset="-128"/>
+                    <a:ea typeface="メイリオ" panose="020B0604030504040204" pitchFamily="50" charset="-128"/>
+                  </a:rPr>
+                  <a:t>(7.4[</a:t>
+                </a:r>
+                <a:r>
+                  <a:rPr lang="en-US" altLang="ja-JP" sz="900" dirty="0" err="1">
+                    <a:latin typeface="メイリオ" panose="020B0604030504040204" pitchFamily="50" charset="-128"/>
+                    <a:ea typeface="メイリオ" panose="020B0604030504040204" pitchFamily="50" charset="-128"/>
+                  </a:rPr>
+                  <a:t>ms</a:t>
+                </a:r>
+                <a:r>
+                  <a:rPr lang="en-US" altLang="ja-JP" sz="900" dirty="0">
+                    <a:latin typeface="メイリオ" panose="020B0604030504040204" pitchFamily="50" charset="-128"/>
+                    <a:ea typeface="メイリオ" panose="020B0604030504040204" pitchFamily="50" charset="-128"/>
+                  </a:rPr>
                   <a:t>])</a:t>
                 </a:r>
-                <a:endParaRPr lang="ja-JP" altLang="en-US" sz="900" dirty="0">
+              </a:p>
+              <a:p>
+                <a:r>
+                  <a:rPr lang="en-US" altLang="ja-JP" sz="900" dirty="0">
+                    <a:latin typeface="メイリオ" panose="020B0604030504040204" pitchFamily="50" charset="-128"/>
+                    <a:ea typeface="メイリオ" panose="020B0604030504040204" pitchFamily="50" charset="-128"/>
+                  </a:rPr>
+                  <a:t>:</a:t>
+                </a:r>
+                <a:r>
+                  <a:rPr lang="ja-JP" altLang="en-US" sz="900">
+                    <a:latin typeface="メイリオ" panose="020B0604030504040204" pitchFamily="50" charset="-128"/>
+                    <a:ea typeface="メイリオ" panose="020B0604030504040204" pitchFamily="50" charset="-128"/>
+                  </a:rPr>
+                  <a:t>バッテリ電圧</a:t>
+                </a:r>
+                <a:r>
+                  <a:rPr lang="en-US" altLang="ja-JP" sz="900" dirty="0">
+                    <a:latin typeface="メイリオ" panose="020B0604030504040204" pitchFamily="50" charset="-128"/>
+                    <a:ea typeface="メイリオ" panose="020B0604030504040204" pitchFamily="50" charset="-128"/>
+                  </a:rPr>
+                  <a:t>(4[</a:t>
+                </a:r>
+                <a:r>
+                  <a:rPr lang="en-US" altLang="ja-JP" sz="900" dirty="0" err="1">
+                    <a:latin typeface="メイリオ" panose="020B0604030504040204" pitchFamily="50" charset="-128"/>
+                    <a:ea typeface="メイリオ" panose="020B0604030504040204" pitchFamily="50" charset="-128"/>
+                  </a:rPr>
+                  <a:t>ms</a:t>
+                </a:r>
+                <a:r>
+                  <a:rPr lang="en-US" altLang="ja-JP" sz="900" dirty="0">
+                    <a:latin typeface="メイリオ" panose="020B0604030504040204" pitchFamily="50" charset="-128"/>
+                    <a:ea typeface="メイリオ" panose="020B0604030504040204" pitchFamily="50" charset="-128"/>
+                  </a:rPr>
+                  <a:t>])</a:t>
+                </a:r>
+                <a:endParaRPr lang="ja-JP" altLang="en-US" sz="900">
                   <a:latin typeface="メイリオ" panose="020B0604030504040204" pitchFamily="50" charset="-128"/>
                   <a:ea typeface="メイリオ" panose="020B0604030504040204" pitchFamily="50" charset="-128"/>
                 </a:endParaRPr>
@@ -15949,7 +14957,7 @@
         </p:nvSpPr>
         <p:spPr>
           <a:xfrm>
-            <a:off x="432465" y="8634449"/>
+            <a:off x="432465" y="8484041"/>
             <a:ext cx="3422391" cy="276999"/>
           </a:xfrm>
           <a:prstGeom prst="rect">
@@ -16064,7 +15072,7 @@
           <p:nvPr/>
         </p:nvPicPr>
         <p:blipFill>
-          <a:blip r:embed="rId9">
+          <a:blip r:embed="rId7">
             <a:extLst>
               <a:ext uri="{28A0092B-C50C-407E-A947-70E740481C1C}">
                 <a14:useLocalDpi xmlns:a14="http://schemas.microsoft.com/office/drawing/2010/main" val="0"/>
@@ -16569,7 +15577,7 @@
         </p:nvGrpSpPr>
         <p:grpSpPr>
           <a:xfrm>
-            <a:off x="6447064" y="6686876"/>
+            <a:off x="6449861" y="6965824"/>
             <a:ext cx="6105560" cy="353436"/>
             <a:chOff x="199428" y="862607"/>
             <a:chExt cx="3895488" cy="353436"/>
@@ -16706,129 +15714,150 @@
           </p:txBody>
         </p:sp>
       </p:grpSp>
-      <p:sp>
-        <p:nvSpPr>
-          <p:cNvPr id="122" name="ホームベース 121">
+      <p:grpSp>
+        <p:nvGrpSpPr>
+          <p:cNvPr id="18" name="グループ化 17">
             <a:extLst>
               <a:ext uri="{FF2B5EF4-FFF2-40B4-BE49-F238E27FC236}">
-                <a16:creationId xmlns:a16="http://schemas.microsoft.com/office/drawing/2014/main" id="{20580AC6-B0EC-D04E-BC74-1F62A1638196}"/>
+                <a16:creationId xmlns:a16="http://schemas.microsoft.com/office/drawing/2014/main" id="{B9800228-0B50-3C40-A5FB-EAF62526448F}"/>
               </a:ext>
             </a:extLst>
           </p:cNvPr>
-          <p:cNvSpPr/>
+          <p:cNvGrpSpPr/>
           <p:nvPr/>
-        </p:nvSpPr>
-        <p:spPr>
-          <a:xfrm rot="10800000">
-            <a:off x="298994" y="6885186"/>
-            <a:ext cx="2683275" cy="407066"/>
+        </p:nvGrpSpPr>
+        <p:grpSpPr>
+          <a:xfrm>
+            <a:off x="189133" y="7608912"/>
+            <a:ext cx="2683275" cy="430887"/>
+            <a:chOff x="298994" y="7392888"/>
+            <a:chExt cx="2683275" cy="430887"/>
           </a:xfrm>
-          <a:prstGeom prst="homePlate">
-            <a:avLst/>
-          </a:prstGeom>
-          <a:noFill/>
-          <a:ln w="28575">
-            <a:solidFill>
-              <a:schemeClr val="accent6"/>
-            </a:solidFill>
-          </a:ln>
-        </p:spPr>
-        <p:style>
-          <a:lnRef idx="2">
-            <a:schemeClr val="accent1">
-              <a:shade val="50000"/>
-            </a:schemeClr>
-          </a:lnRef>
-          <a:fillRef idx="1">
-            <a:schemeClr val="accent1"/>
-          </a:fillRef>
-          <a:effectRef idx="0">
-            <a:schemeClr val="accent1"/>
-          </a:effectRef>
-          <a:fontRef idx="minor">
-            <a:schemeClr val="lt1"/>
-          </a:fontRef>
-        </p:style>
-        <p:txBody>
-          <a:bodyPr rtlCol="0" anchor="ctr"/>
-          <a:lstStyle/>
-          <a:p>
-            <a:pPr algn="ctr"/>
-            <a:endParaRPr kumimoji="1" lang="ja-JP" altLang="en-US"/>
-          </a:p>
-        </p:txBody>
-      </p:sp>
-      <p:sp>
-        <p:nvSpPr>
-          <p:cNvPr id="123" name="テキスト ボックス 122">
-            <a:extLst>
-              <a:ext uri="{FF2B5EF4-FFF2-40B4-BE49-F238E27FC236}">
-                <a16:creationId xmlns:a16="http://schemas.microsoft.com/office/drawing/2014/main" id="{5DAA5E7C-7FD1-9243-8FF0-82AC330B92FD}"/>
-              </a:ext>
-            </a:extLst>
-          </p:cNvPr>
-          <p:cNvSpPr txBox="1"/>
-          <p:nvPr/>
-        </p:nvSpPr>
-        <p:spPr>
-          <a:xfrm>
-            <a:off x="558489" y="6894725"/>
-            <a:ext cx="2333473" cy="430887"/>
-          </a:xfrm>
-          <a:prstGeom prst="rect">
-            <a:avLst/>
-          </a:prstGeom>
-          <a:noFill/>
-        </p:spPr>
-        <p:txBody>
-          <a:bodyPr wrap="square" rtlCol="0">
-            <a:spAutoFit/>
-          </a:bodyPr>
-          <a:lstStyle/>
-          <a:p>
-            <a:pPr algn="ctr"/>
-            <a:r>
-              <a:rPr lang="ja-JP" altLang="en-US" sz="1100">
+        </p:grpSpPr>
+        <p:sp>
+          <p:nvSpPr>
+            <p:cNvPr id="122" name="ホームベース 121">
+              <a:extLst>
+                <a:ext uri="{FF2B5EF4-FFF2-40B4-BE49-F238E27FC236}">
+                  <a16:creationId xmlns:a16="http://schemas.microsoft.com/office/drawing/2014/main" id="{20580AC6-B0EC-D04E-BC74-1F62A1638196}"/>
+                </a:ext>
+              </a:extLst>
+            </p:cNvPr>
+            <p:cNvSpPr/>
+            <p:nvPr/>
+          </p:nvSpPr>
+          <p:spPr>
+            <a:xfrm rot="10800000">
+              <a:off x="298994" y="7392888"/>
+              <a:ext cx="2683275" cy="407066"/>
+            </a:xfrm>
+            <a:prstGeom prst="homePlate">
+              <a:avLst/>
+            </a:prstGeom>
+            <a:noFill/>
+            <a:ln w="28575">
+              <a:solidFill>
+                <a:schemeClr val="accent6"/>
+              </a:solidFill>
+            </a:ln>
+          </p:spPr>
+          <p:style>
+            <a:lnRef idx="2">
+              <a:schemeClr val="accent1">
+                <a:shade val="50000"/>
+              </a:schemeClr>
+            </a:lnRef>
+            <a:fillRef idx="1">
+              <a:schemeClr val="accent1"/>
+            </a:fillRef>
+            <a:effectRef idx="0">
+              <a:schemeClr val="accent1"/>
+            </a:effectRef>
+            <a:fontRef idx="minor">
+              <a:schemeClr val="lt1"/>
+            </a:fontRef>
+          </p:style>
+          <p:txBody>
+            <a:bodyPr rtlCol="0" anchor="ctr"/>
+            <a:lstStyle/>
+            <a:p>
+              <a:pPr algn="ctr"/>
+              <a:endParaRPr kumimoji="1" lang="ja-JP" altLang="en-US"/>
+            </a:p>
+          </p:txBody>
+        </p:sp>
+        <p:sp>
+          <p:nvSpPr>
+            <p:cNvPr id="123" name="テキスト ボックス 122">
+              <a:extLst>
+                <a:ext uri="{FF2B5EF4-FFF2-40B4-BE49-F238E27FC236}">
+                  <a16:creationId xmlns:a16="http://schemas.microsoft.com/office/drawing/2014/main" id="{5DAA5E7C-7FD1-9243-8FF0-82AC330B92FD}"/>
+                </a:ext>
+              </a:extLst>
+            </p:cNvPr>
+            <p:cNvSpPr txBox="1"/>
+            <p:nvPr/>
+          </p:nvSpPr>
+          <p:spPr>
+            <a:xfrm>
+              <a:off x="558489" y="7392888"/>
+              <a:ext cx="2333473" cy="430887"/>
+            </a:xfrm>
+            <a:prstGeom prst="rect">
+              <a:avLst/>
+            </a:prstGeom>
+            <a:noFill/>
+          </p:spPr>
+          <p:txBody>
+            <a:bodyPr wrap="square" rtlCol="0">
+              <a:spAutoFit/>
+            </a:bodyPr>
+            <a:lstStyle/>
+            <a:p>
+              <a:pPr algn="ctr"/>
+              <a:r>
+                <a:rPr lang="ja-JP" altLang="en-US" sz="1100">
+                  <a:latin typeface="メイリオ" panose="020B0604030504040204" pitchFamily="50" charset="-128"/>
+                  <a:ea typeface="メイリオ" panose="020B0604030504040204" pitchFamily="50" charset="-128"/>
+                </a:rPr>
+                <a:t>具体的なパラメータの値は</a:t>
+              </a:r>
+              <a:endParaRPr lang="en-US" altLang="ja-JP" sz="1100" dirty="0">
                 <a:latin typeface="メイリオ" panose="020B0604030504040204" pitchFamily="50" charset="-128"/>
                 <a:ea typeface="メイリオ" panose="020B0604030504040204" pitchFamily="50" charset="-128"/>
-              </a:rPr>
-              <a:t>具体的なパラメータの値は</a:t>
-            </a:r>
-            <a:endParaRPr lang="en-US" altLang="ja-JP" sz="1100" dirty="0">
-              <a:latin typeface="メイリオ" panose="020B0604030504040204" pitchFamily="50" charset="-128"/>
-              <a:ea typeface="メイリオ" panose="020B0604030504040204" pitchFamily="50" charset="-128"/>
-            </a:endParaRPr>
-          </a:p>
-          <a:p>
-            <a:pPr algn="ctr"/>
-            <a:r>
-              <a:rPr lang="ja-JP" altLang="en-US" sz="1100">
+              </a:endParaRPr>
+            </a:p>
+            <a:p>
+              <a:pPr algn="ctr"/>
+              <a:r>
+                <a:rPr lang="ja-JP" altLang="en-US" sz="1100">
+                  <a:latin typeface="メイリオ" panose="020B0604030504040204" pitchFamily="50" charset="-128"/>
+                  <a:ea typeface="メイリオ" panose="020B0604030504040204" pitchFamily="50" charset="-128"/>
+                </a:rPr>
+                <a:t>機能モデル補足</a:t>
+              </a:r>
+              <a:r>
+                <a:rPr lang="en-US" altLang="ja-JP" sz="1100" dirty="0">
+                  <a:latin typeface="メイリオ" panose="020B0604030504040204" pitchFamily="50" charset="-128"/>
+                  <a:ea typeface="メイリオ" panose="020B0604030504040204" pitchFamily="50" charset="-128"/>
+                </a:rPr>
+                <a:t>2. </a:t>
+              </a:r>
+              <a:r>
+                <a:rPr lang="ja-JP" altLang="en-US" sz="1100">
+                  <a:latin typeface="メイリオ" panose="020B0604030504040204" pitchFamily="50" charset="-128"/>
+                  <a:ea typeface="メイリオ" panose="020B0604030504040204" pitchFamily="50" charset="-128"/>
+                </a:rPr>
+                <a:t>へ</a:t>
+              </a:r>
+              <a:endParaRPr kumimoji="1" lang="en-US" altLang="ja-JP" sz="1100" dirty="0">
                 <a:latin typeface="メイリオ" panose="020B0604030504040204" pitchFamily="50" charset="-128"/>
                 <a:ea typeface="メイリオ" panose="020B0604030504040204" pitchFamily="50" charset="-128"/>
-              </a:rPr>
-              <a:t>機能モデル補足</a:t>
-            </a:r>
-            <a:r>
-              <a:rPr lang="en-US" altLang="ja-JP" sz="1100" dirty="0">
-                <a:latin typeface="メイリオ" panose="020B0604030504040204" pitchFamily="50" charset="-128"/>
-                <a:ea typeface="メイリオ" panose="020B0604030504040204" pitchFamily="50" charset="-128"/>
-              </a:rPr>
-              <a:t>2. </a:t>
-            </a:r>
-            <a:r>
-              <a:rPr lang="ja-JP" altLang="en-US" sz="1100">
-                <a:latin typeface="メイリオ" panose="020B0604030504040204" pitchFamily="50" charset="-128"/>
-                <a:ea typeface="メイリオ" panose="020B0604030504040204" pitchFamily="50" charset="-128"/>
-              </a:rPr>
-              <a:t>へ</a:t>
-            </a:r>
-            <a:endParaRPr kumimoji="1" lang="en-US" altLang="ja-JP" sz="1100" dirty="0">
-              <a:latin typeface="メイリオ" panose="020B0604030504040204" pitchFamily="50" charset="-128"/>
-              <a:ea typeface="メイリオ" panose="020B0604030504040204" pitchFamily="50" charset="-128"/>
-            </a:endParaRPr>
-          </a:p>
-        </p:txBody>
-      </p:sp>
+              </a:endParaRPr>
+            </a:p>
+          </p:txBody>
+        </p:sp>
+      </p:grpSp>
       <p:grpSp>
         <p:nvGrpSpPr>
           <p:cNvPr id="130" name="グループ化 129">
@@ -17146,7 +16175,7 @@
           <p:nvPr/>
         </p:nvPicPr>
         <p:blipFill>
-          <a:blip r:embed="rId10">
+          <a:blip r:embed="rId8">
             <a:extLst>
               <a:ext uri="{28A0092B-C50C-407E-A947-70E740481C1C}">
                 <a14:useLocalDpi xmlns:a14="http://schemas.microsoft.com/office/drawing/2010/main" val="0"/>
@@ -17167,6 +16196,415 @@
           </a:prstGeom>
         </p:spPr>
       </p:pic>
+      <p:pic>
+        <p:nvPicPr>
+          <p:cNvPr id="17" name="図 16">
+            <a:extLst>
+              <a:ext uri="{FF2B5EF4-FFF2-40B4-BE49-F238E27FC236}">
+                <a16:creationId xmlns:a16="http://schemas.microsoft.com/office/drawing/2014/main" id="{5653805D-8041-DD41-92EA-92EB235CED87}"/>
+              </a:ext>
+            </a:extLst>
+          </p:cNvPr>
+          <p:cNvPicPr>
+            <a:picLocks noChangeAspect="1"/>
+          </p:cNvPicPr>
+          <p:nvPr/>
+        </p:nvPicPr>
+        <p:blipFill>
+          <a:blip r:embed="rId9">
+            <a:extLst>
+              <a:ext uri="{28A0092B-C50C-407E-A947-70E740481C1C}">
+                <a14:useLocalDpi xmlns:a14="http://schemas.microsoft.com/office/drawing/2010/main" val="0"/>
+              </a:ext>
+            </a:extLst>
+          </a:blip>
+          <a:stretch>
+            <a:fillRect/>
+          </a:stretch>
+        </p:blipFill>
+        <p:spPr>
+          <a:xfrm>
+            <a:off x="3058094" y="7370896"/>
+            <a:ext cx="3335283" cy="652864"/>
+          </a:xfrm>
+          <a:prstGeom prst="rect">
+            <a:avLst/>
+          </a:prstGeom>
+        </p:spPr>
+      </p:pic>
+      <p:sp>
+        <p:nvSpPr>
+          <p:cNvPr id="78" name="テキスト ボックス 77">
+            <a:extLst>
+              <a:ext uri="{FF2B5EF4-FFF2-40B4-BE49-F238E27FC236}">
+                <a16:creationId xmlns:a16="http://schemas.microsoft.com/office/drawing/2014/main" id="{EE8D1CF7-57C0-4145-93DE-2E67C337F622}"/>
+              </a:ext>
+            </a:extLst>
+          </p:cNvPr>
+          <p:cNvSpPr txBox="1"/>
+          <p:nvPr/>
+        </p:nvSpPr>
+        <p:spPr>
+          <a:xfrm>
+            <a:off x="414799" y="6312761"/>
+            <a:ext cx="2604479" cy="1061829"/>
+          </a:xfrm>
+          <a:prstGeom prst="rect">
+            <a:avLst/>
+          </a:prstGeom>
+          <a:noFill/>
+        </p:spPr>
+        <p:txBody>
+          <a:bodyPr wrap="square" rtlCol="0">
+            <a:spAutoFit/>
+          </a:bodyPr>
+          <a:lstStyle/>
+          <a:p>
+            <a:r>
+              <a:rPr lang="ja-JP" altLang="en-US" sz="1050">
+                <a:latin typeface="Meiryo" panose="020B0604030504040204" pitchFamily="34" charset="-128"/>
+                <a:ea typeface="Meiryo" panose="020B0604030504040204" pitchFamily="34" charset="-128"/>
+              </a:rPr>
+              <a:t>カーブ半径は試走会</a:t>
+            </a:r>
+            <a:r>
+              <a:rPr lang="en-US" altLang="ja-JP" sz="1050" dirty="0">
+                <a:latin typeface="Meiryo" panose="020B0604030504040204" pitchFamily="34" charset="-128"/>
+                <a:ea typeface="Meiryo" panose="020B0604030504040204" pitchFamily="34" charset="-128"/>
+              </a:rPr>
+              <a:t>1</a:t>
+            </a:r>
+            <a:r>
+              <a:rPr lang="ja-JP" altLang="en-US" sz="1050">
+                <a:latin typeface="Meiryo" panose="020B0604030504040204" pitchFamily="34" charset="-128"/>
+                <a:ea typeface="Meiryo" panose="020B0604030504040204" pitchFamily="34" charset="-128"/>
+              </a:rPr>
+              <a:t>で取得したログデータから算出した．</a:t>
+            </a:r>
+            <a:endParaRPr lang="en-US" altLang="ja-JP" sz="1050" dirty="0">
+              <a:latin typeface="Meiryo" panose="020B0604030504040204" pitchFamily="34" charset="-128"/>
+              <a:ea typeface="Meiryo" panose="020B0604030504040204" pitchFamily="34" charset="-128"/>
+            </a:endParaRPr>
+          </a:p>
+          <a:p>
+            <a:endParaRPr lang="en-US" altLang="ja-JP" sz="1050" dirty="0">
+              <a:latin typeface="Meiryo" panose="020B0604030504040204" pitchFamily="34" charset="-128"/>
+              <a:ea typeface="Meiryo" panose="020B0604030504040204" pitchFamily="34" charset="-128"/>
+            </a:endParaRPr>
+          </a:p>
+          <a:p>
+            <a:r>
+              <a:rPr lang="en-US" altLang="ja-JP" sz="1050" dirty="0">
+                <a:latin typeface="Meiryo" panose="020B0604030504040204" pitchFamily="34" charset="-128"/>
+                <a:ea typeface="Meiryo" panose="020B0604030504040204" pitchFamily="34" charset="-128"/>
+              </a:rPr>
+              <a:t>PID</a:t>
+            </a:r>
+            <a:r>
+              <a:rPr lang="ja-JP" altLang="en-US" sz="1050">
+                <a:latin typeface="Meiryo" panose="020B0604030504040204" pitchFamily="34" charset="-128"/>
+                <a:ea typeface="Meiryo" panose="020B0604030504040204" pitchFamily="34" charset="-128"/>
+              </a:rPr>
+              <a:t>パラメータは限界感度法によって算出したものを</a:t>
+            </a:r>
+            <a:r>
+              <a:rPr lang="en-US" altLang="ja-JP" sz="1050" dirty="0">
+                <a:latin typeface="Meiryo" panose="020B0604030504040204" pitchFamily="34" charset="-128"/>
+                <a:ea typeface="Meiryo" panose="020B0604030504040204" pitchFamily="34" charset="-128"/>
+              </a:rPr>
+              <a:t>Ki</a:t>
+            </a:r>
+            <a:r>
+              <a:rPr lang="ja-JP" altLang="en-US" sz="1050">
+                <a:latin typeface="Meiryo" panose="020B0604030504040204" pitchFamily="34" charset="-128"/>
+                <a:ea typeface="Meiryo" panose="020B0604030504040204" pitchFamily="34" charset="-128"/>
+              </a:rPr>
+              <a:t>のみ値を小さくして使用している．</a:t>
+            </a:r>
+            <a:endParaRPr lang="en-US" altLang="ja-JP" sz="1050" dirty="0">
+              <a:latin typeface="Meiryo" panose="020B0604030504040204" pitchFamily="34" charset="-128"/>
+              <a:ea typeface="Meiryo" panose="020B0604030504040204" pitchFamily="34" charset="-128"/>
+            </a:endParaRPr>
+          </a:p>
+        </p:txBody>
+      </p:sp>
+      <p:sp>
+        <p:nvSpPr>
+          <p:cNvPr id="80" name="テキスト ボックス 79">
+            <a:extLst>
+              <a:ext uri="{FF2B5EF4-FFF2-40B4-BE49-F238E27FC236}">
+                <a16:creationId xmlns:a16="http://schemas.microsoft.com/office/drawing/2014/main" id="{B5D8F592-E681-9F4B-AA14-D33EC094869F}"/>
+              </a:ext>
+            </a:extLst>
+          </p:cNvPr>
+          <p:cNvSpPr txBox="1"/>
+          <p:nvPr/>
+        </p:nvSpPr>
+        <p:spPr>
+          <a:xfrm>
+            <a:off x="6458848" y="4994773"/>
+            <a:ext cx="6194702" cy="577081"/>
+          </a:xfrm>
+          <a:prstGeom prst="rect">
+            <a:avLst/>
+          </a:prstGeom>
+          <a:noFill/>
+        </p:spPr>
+        <p:txBody>
+          <a:bodyPr wrap="square" rtlCol="0">
+            <a:spAutoFit/>
+          </a:bodyPr>
+          <a:lstStyle/>
+          <a:p>
+            <a:r>
+              <a:rPr lang="ja-JP" altLang="en-US" sz="1050">
+                <a:latin typeface="Meiryo" panose="020B0604030504040204" pitchFamily="34" charset="-128"/>
+                <a:ea typeface="Meiryo" panose="020B0604030504040204" pitchFamily="34" charset="-128"/>
+              </a:rPr>
+              <a:t>また，競技中での電圧変化に対応する方法として，電圧低下による旋回曲率への影響は線形であるとみなし，</a:t>
+            </a:r>
+            <a:r>
+              <a:rPr lang="en-US" altLang="ja-JP" sz="1050" dirty="0">
+                <a:latin typeface="Meiryo" panose="020B0604030504040204" pitchFamily="34" charset="-128"/>
+                <a:ea typeface="Meiryo" panose="020B0604030504040204" pitchFamily="34" charset="-128"/>
+              </a:rPr>
+              <a:t> 3-1.</a:t>
+            </a:r>
+            <a:r>
+              <a:rPr lang="ja-JP" altLang="en-US" sz="1050">
+                <a:latin typeface="Meiryo" panose="020B0604030504040204" pitchFamily="34" charset="-128"/>
+                <a:ea typeface="Meiryo" panose="020B0604030504040204" pitchFamily="34" charset="-128"/>
+              </a:rPr>
+              <a:t> で実装した曲率項に電圧低下を補償する係数をかけることで，電圧低下を考慮した旋回量計算式を構築した．</a:t>
+            </a:r>
+            <a:endParaRPr lang="en-US" altLang="ja-JP" sz="1050" dirty="0">
+              <a:latin typeface="Meiryo" panose="020B0604030504040204" pitchFamily="34" charset="-128"/>
+              <a:ea typeface="Meiryo" panose="020B0604030504040204" pitchFamily="34" charset="-128"/>
+            </a:endParaRPr>
+          </a:p>
+        </p:txBody>
+      </p:sp>
+      <mc:AlternateContent xmlns:mc="http://schemas.openxmlformats.org/markup-compatibility/2006">
+        <mc:Choice xmlns:a14="http://schemas.microsoft.com/office/drawing/2010/main" Requires="a14">
+          <p:sp>
+            <p:nvSpPr>
+              <p:cNvPr id="88" name="テキスト ボックス 87">
+                <a:extLst>
+                  <a:ext uri="{FF2B5EF4-FFF2-40B4-BE49-F238E27FC236}">
+                    <a16:creationId xmlns:a16="http://schemas.microsoft.com/office/drawing/2014/main" id="{DD0297CC-0048-2342-AF99-6BFC2859F875}"/>
+                  </a:ext>
+                </a:extLst>
+              </p:cNvPr>
+              <p:cNvSpPr txBox="1"/>
+              <p:nvPr/>
+            </p:nvSpPr>
+            <p:spPr>
+              <a:xfrm>
+                <a:off x="6711782" y="6138256"/>
+                <a:ext cx="4105326" cy="369332"/>
+              </a:xfrm>
+              <a:prstGeom prst="rect">
+                <a:avLst/>
+              </a:prstGeom>
+              <a:noFill/>
+            </p:spPr>
+            <p:txBody>
+              <a:bodyPr wrap="square" lIns="0" tIns="0" rIns="0" bIns="0" rtlCol="0">
+                <a:spAutoFit/>
+              </a:bodyPr>
+              <a:lstStyle/>
+              <a:p>
+                <a:pPr/>
+                <a14:m>
+                  <m:oMathPara xmlns:m="http://schemas.openxmlformats.org/officeDocument/2006/math">
+                    <m:oMathParaPr>
+                      <m:jc m:val="centerGroup"/>
+                    </m:oMathParaPr>
+                    <m:oMath xmlns:m="http://schemas.openxmlformats.org/officeDocument/2006/math">
+                      <m:sSub>
+                        <m:sSubPr>
+                          <m:ctrlPr>
+                            <a:rPr kumimoji="1" lang="en-US" altLang="ja-JP" sz="1100" b="0" i="1" smtClean="0">
+                              <a:latin typeface="Cambria Math" panose="02040503050406030204" pitchFamily="18" charset="0"/>
+                            </a:rPr>
+                          </m:ctrlPr>
+                        </m:sSubPr>
+                        <m:e>
+                          <m:r>
+                            <a:rPr kumimoji="1" lang="en-US" altLang="ja-JP" sz="1100" b="0" i="1" smtClean="0">
+                              <a:latin typeface="Cambria Math" panose="02040503050406030204" pitchFamily="18" charset="0"/>
+                            </a:rPr>
+                            <m:t>𝐾</m:t>
+                          </m:r>
+                        </m:e>
+                        <m:sub>
+                          <m:r>
+                            <a:rPr kumimoji="1" lang="en-US" altLang="ja-JP" sz="1100" b="0" i="1" smtClean="0">
+                              <a:latin typeface="Cambria Math" panose="02040503050406030204" pitchFamily="18" charset="0"/>
+                            </a:rPr>
+                            <m:t>𝑉</m:t>
+                          </m:r>
+                        </m:sub>
+                      </m:sSub>
+                      <m:r>
+                        <a:rPr kumimoji="1" lang="en-US" altLang="ja-JP" sz="1100" b="0" i="1" smtClean="0">
+                          <a:latin typeface="Cambria Math" panose="02040503050406030204" pitchFamily="18" charset="0"/>
+                        </a:rPr>
+                        <m:t>=</m:t>
+                      </m:r>
+                      <m:r>
+                        <a:rPr kumimoji="1" lang="en-US" altLang="ja-JP" sz="1100" b="0" i="1" smtClean="0">
+                          <a:latin typeface="Cambria Math" panose="02040503050406030204" pitchFamily="18" charset="0"/>
+                        </a:rPr>
+                        <m:t>1+1.8</m:t>
+                      </m:r>
+                      <m:r>
+                        <a:rPr kumimoji="1" lang="en-US" altLang="ja-JP" sz="1100" b="0" i="1" smtClean="0">
+                          <a:latin typeface="Cambria Math" panose="02040503050406030204" pitchFamily="18" charset="0"/>
+                          <a:ea typeface="Cambria Math" panose="02040503050406030204" pitchFamily="18" charset="0"/>
+                        </a:rPr>
+                        <m:t>×</m:t>
+                      </m:r>
+                      <m:f>
+                        <m:fPr>
+                          <m:ctrlPr>
+                            <a:rPr kumimoji="1" lang="en-US" altLang="ja-JP" sz="1100" b="0" i="1" smtClean="0">
+                              <a:latin typeface="Cambria Math" panose="02040503050406030204" pitchFamily="18" charset="0"/>
+                              <a:ea typeface="Cambria Math" panose="02040503050406030204" pitchFamily="18" charset="0"/>
+                            </a:rPr>
+                          </m:ctrlPr>
+                        </m:fPr>
+                        <m:num>
+                          <m:sSub>
+                            <m:sSubPr>
+                              <m:ctrlPr>
+                                <a:rPr kumimoji="1" lang="en-US" altLang="ja-JP" sz="1100" b="0" i="1" smtClean="0">
+                                  <a:latin typeface="Cambria Math" panose="02040503050406030204" pitchFamily="18" charset="0"/>
+                                  <a:ea typeface="Cambria Math" panose="02040503050406030204" pitchFamily="18" charset="0"/>
+                                </a:rPr>
+                              </m:ctrlPr>
+                            </m:sSubPr>
+                            <m:e>
+                              <m:r>
+                                <a:rPr kumimoji="1" lang="en-US" altLang="ja-JP" sz="1100" b="0" i="1" smtClean="0">
+                                  <a:latin typeface="Cambria Math" panose="02040503050406030204" pitchFamily="18" charset="0"/>
+                                  <a:ea typeface="Cambria Math" panose="02040503050406030204" pitchFamily="18" charset="0"/>
+                                </a:rPr>
+                                <m:t>𝑉</m:t>
+                              </m:r>
+                            </m:e>
+                            <m:sub>
+                              <m:r>
+                                <a:rPr kumimoji="1" lang="en-US" altLang="ja-JP" sz="1100" b="0" i="1" smtClean="0">
+                                  <a:latin typeface="Cambria Math" panose="02040503050406030204" pitchFamily="18" charset="0"/>
+                                  <a:ea typeface="Cambria Math" panose="02040503050406030204" pitchFamily="18" charset="0"/>
+                                </a:rPr>
+                                <m:t>𝑟𝑒𝑓</m:t>
+                              </m:r>
+                            </m:sub>
+                          </m:sSub>
+                          <m:r>
+                            <a:rPr kumimoji="1" lang="en-US" altLang="ja-JP" sz="1100" b="0" i="1" smtClean="0">
+                              <a:latin typeface="Cambria Math" panose="02040503050406030204" pitchFamily="18" charset="0"/>
+                              <a:ea typeface="Cambria Math" panose="02040503050406030204" pitchFamily="18" charset="0"/>
+                            </a:rPr>
+                            <m:t>−</m:t>
+                          </m:r>
+                          <m:r>
+                            <a:rPr kumimoji="1" lang="en-US" altLang="ja-JP" sz="1100" b="0" i="1" smtClean="0">
+                              <a:latin typeface="Cambria Math" panose="02040503050406030204" pitchFamily="18" charset="0"/>
+                              <a:ea typeface="Cambria Math" panose="02040503050406030204" pitchFamily="18" charset="0"/>
+                            </a:rPr>
+                            <m:t>𝑉</m:t>
+                          </m:r>
+                        </m:num>
+                        <m:den>
+                          <m:sSub>
+                            <m:sSubPr>
+                              <m:ctrlPr>
+                                <a:rPr lang="en-US" altLang="ja-JP" sz="1100" i="1">
+                                  <a:latin typeface="Cambria Math" panose="02040503050406030204" pitchFamily="18" charset="0"/>
+                                  <a:ea typeface="Cambria Math" panose="02040503050406030204" pitchFamily="18" charset="0"/>
+                                </a:rPr>
+                              </m:ctrlPr>
+                            </m:sSubPr>
+                            <m:e>
+                              <m:r>
+                                <a:rPr lang="en-US" altLang="ja-JP" sz="1100" i="1">
+                                  <a:latin typeface="Cambria Math" panose="02040503050406030204" pitchFamily="18" charset="0"/>
+                                  <a:ea typeface="Cambria Math" panose="02040503050406030204" pitchFamily="18" charset="0"/>
+                                </a:rPr>
+                                <m:t>𝑉</m:t>
+                              </m:r>
+                            </m:e>
+                            <m:sub>
+                              <m:r>
+                                <a:rPr lang="en-US" altLang="ja-JP" sz="1100" i="1">
+                                  <a:latin typeface="Cambria Math" panose="02040503050406030204" pitchFamily="18" charset="0"/>
+                                  <a:ea typeface="Cambria Math" panose="02040503050406030204" pitchFamily="18" charset="0"/>
+                                </a:rPr>
+                                <m:t>𝑟𝑒𝑓</m:t>
+                              </m:r>
+                            </m:sub>
+                          </m:sSub>
+                        </m:den>
+                      </m:f>
+                    </m:oMath>
+                  </m:oMathPara>
+                </a14:m>
+                <a:endParaRPr kumimoji="1" lang="ja-JP" altLang="en-US" sz="1100" dirty="0">
+                  <a:latin typeface="Meiryo UI" panose="020B0604030504040204" pitchFamily="50" charset="-128"/>
+                  <a:ea typeface="Meiryo UI" panose="020B0604030504040204" pitchFamily="50" charset="-128"/>
+                </a:endParaRPr>
+              </a:p>
+            </p:txBody>
+          </p:sp>
+        </mc:Choice>
+        <mc:Fallback>
+          <p:sp>
+            <p:nvSpPr>
+              <p:cNvPr id="88" name="テキスト ボックス 87">
+                <a:extLst>
+                  <a:ext uri="{FF2B5EF4-FFF2-40B4-BE49-F238E27FC236}">
+                    <a16:creationId xmlns:a16="http://schemas.microsoft.com/office/drawing/2014/main" id="{DD0297CC-0048-2342-AF99-6BFC2859F875}"/>
+                  </a:ext>
+                </a:extLst>
+              </p:cNvPr>
+              <p:cNvSpPr txBox="1">
+                <a:spLocks noRot="1" noChangeAspect="1" noMove="1" noResize="1" noEditPoints="1" noAdjustHandles="1" noChangeArrowheads="1" noChangeShapeType="1" noTextEdit="1"/>
+              </p:cNvSpPr>
+              <p:nvPr/>
+            </p:nvSpPr>
+            <p:spPr>
+              <a:xfrm>
+                <a:off x="6711782" y="6138256"/>
+                <a:ext cx="4105326" cy="369332"/>
+              </a:xfrm>
+              <a:prstGeom prst="rect">
+                <a:avLst/>
+              </a:prstGeom>
+              <a:blipFill>
+                <a:blip r:embed="rId10"/>
+                <a:stretch>
+                  <a:fillRect b="-13333"/>
+                </a:stretch>
+              </a:blipFill>
+            </p:spPr>
+            <p:txBody>
+              <a:bodyPr/>
+              <a:lstStyle/>
+              <a:p>
+                <a:r>
+                  <a:rPr lang="ja-JP" altLang="en-US">
+                    <a:noFill/>
+                  </a:rPr>
+                  <a:t> </a:t>
+                </a:r>
+              </a:p>
+            </p:txBody>
+          </p:sp>
+        </mc:Fallback>
+      </mc:AlternateContent>
     </p:spTree>
     <p:extLst>
       <p:ext uri="{BB962C8B-B14F-4D97-AF65-F5344CB8AC3E}">

--- a/PowerPoint/工夫点.pptx
+++ b/PowerPoint/工夫点.pptx
@@ -6,10 +6,10 @@
     <p:sldMasterId id="2147483653" r:id="rId2"/>
   </p:sldMasterIdLst>
   <p:notesMasterIdLst>
-    <p:notesMasterId r:id="rId9"/>
+    <p:notesMasterId r:id="rId10"/>
   </p:notesMasterIdLst>
   <p:handoutMasterIdLst>
-    <p:handoutMasterId r:id="rId10"/>
+    <p:handoutMasterId r:id="rId11"/>
   </p:handoutMasterIdLst>
   <p:sldIdLst>
     <p:sldId id="272" r:id="rId3"/>
@@ -18,6 +18,7 @@
     <p:sldId id="278" r:id="rId6"/>
     <p:sldId id="280" r:id="rId7"/>
     <p:sldId id="279" r:id="rId8"/>
+    <p:sldId id="283" r:id="rId9"/>
   </p:sldIdLst>
   <p:sldSz cx="12801600" cy="9601200" type="A3"/>
   <p:notesSz cx="14597063" cy="21107400"/>
@@ -161,6 +162,7 @@
             <p14:sldId id="278"/>
             <p14:sldId id="280"/>
             <p14:sldId id="279"/>
+            <p14:sldId id="283"/>
           </p14:sldIdLst>
         </p14:section>
       </p14:sectionLst>
@@ -11213,12 +11215,675 @@
           </a:p>
         </p:txBody>
       </p:sp>
+      <p:grpSp>
+        <p:nvGrpSpPr>
+          <p:cNvPr id="113" name="グループ化 112">
+            <a:extLst>
+              <a:ext uri="{FF2B5EF4-FFF2-40B4-BE49-F238E27FC236}">
+                <a16:creationId xmlns:a16="http://schemas.microsoft.com/office/drawing/2014/main" id="{60BDD774-6BA9-B64B-B785-1535AFACE913}"/>
+              </a:ext>
+            </a:extLst>
+          </p:cNvPr>
+          <p:cNvGrpSpPr/>
+          <p:nvPr/>
+        </p:nvGrpSpPr>
+        <p:grpSpPr>
+          <a:xfrm>
+            <a:off x="6449861" y="6965824"/>
+            <a:ext cx="6105560" cy="353436"/>
+            <a:chOff x="199428" y="862607"/>
+            <a:chExt cx="3895488" cy="353436"/>
+          </a:xfrm>
+        </p:grpSpPr>
+        <p:cxnSp>
+          <p:nvCxnSpPr>
+            <p:cNvPr id="114" name="直線コネクタ 113">
+              <a:extLst>
+                <a:ext uri="{FF2B5EF4-FFF2-40B4-BE49-F238E27FC236}">
+                  <a16:creationId xmlns:a16="http://schemas.microsoft.com/office/drawing/2014/main" id="{4B060A29-FE20-EE43-A583-47E58800124E}"/>
+                </a:ext>
+              </a:extLst>
+            </p:cNvPr>
+            <p:cNvCxnSpPr>
+              <a:cxnSpLocks/>
+            </p:cNvCxnSpPr>
+            <p:nvPr/>
+          </p:nvCxnSpPr>
+          <p:spPr>
+            <a:xfrm>
+              <a:off x="285140" y="1216043"/>
+              <a:ext cx="3809776" cy="0"/>
+            </a:xfrm>
+            <a:prstGeom prst="line">
+              <a:avLst/>
+            </a:prstGeom>
+            <a:ln w="38100">
+              <a:solidFill>
+                <a:schemeClr val="accent6"/>
+              </a:solidFill>
+            </a:ln>
+          </p:spPr>
+          <p:style>
+            <a:lnRef idx="1">
+              <a:schemeClr val="accent1"/>
+            </a:lnRef>
+            <a:fillRef idx="0">
+              <a:schemeClr val="accent1"/>
+            </a:fillRef>
+            <a:effectRef idx="0">
+              <a:schemeClr val="accent1"/>
+            </a:effectRef>
+            <a:fontRef idx="minor">
+              <a:schemeClr val="tx1"/>
+            </a:fontRef>
+          </p:style>
+        </p:cxnSp>
+        <p:sp>
+          <p:nvSpPr>
+            <p:cNvPr id="115" name="テキスト ボックス 114">
+              <a:extLst>
+                <a:ext uri="{FF2B5EF4-FFF2-40B4-BE49-F238E27FC236}">
+                  <a16:creationId xmlns:a16="http://schemas.microsoft.com/office/drawing/2014/main" id="{3904C7EE-CB92-574C-B961-D9C6AFE022F9}"/>
+                </a:ext>
+              </a:extLst>
+            </p:cNvPr>
+            <p:cNvSpPr txBox="1"/>
+            <p:nvPr/>
+          </p:nvSpPr>
+          <p:spPr>
+            <a:xfrm>
+              <a:off x="199428" y="862607"/>
+              <a:ext cx="2816996" cy="338554"/>
+            </a:xfrm>
+            <a:prstGeom prst="rect">
+              <a:avLst/>
+            </a:prstGeom>
+            <a:noFill/>
+          </p:spPr>
+          <p:txBody>
+            <a:bodyPr wrap="square" rtlCol="0">
+              <a:spAutoFit/>
+            </a:bodyPr>
+            <a:lstStyle/>
+            <a:p>
+              <a:pPr marL="0" marR="0" lvl="0" indent="0" algn="l" defTabSz="914400" rtl="0" eaLnBrk="1" fontAlgn="base" latinLnBrk="0" hangingPunct="1">
+                <a:lnSpc>
+                  <a:spcPct val="100000"/>
+                </a:lnSpc>
+                <a:spcBef>
+                  <a:spcPct val="0"/>
+                </a:spcBef>
+                <a:spcAft>
+                  <a:spcPct val="0"/>
+                </a:spcAft>
+                <a:buClrTx/>
+                <a:buSzTx/>
+                <a:buFontTx/>
+                <a:buNone/>
+                <a:tabLst/>
+                <a:defRPr/>
+              </a:pPr>
+              <a:r>
+                <a:rPr lang="en-US" altLang="ja-JP" b="1" dirty="0">
+                  <a:solidFill>
+                    <a:prstClr val="black"/>
+                  </a:solidFill>
+                  <a:latin typeface="Yu Gothic" panose="020B0400000000000000" pitchFamily="34" charset="-128"/>
+                  <a:ea typeface="Yu Gothic" panose="020B0400000000000000" pitchFamily="34" charset="-128"/>
+                </a:rPr>
+                <a:t>4</a:t>
+              </a:r>
+              <a:r>
+                <a:rPr kumimoji="1" lang="ja-JP" altLang="en-US" sz="1600" b="1" u="none" strike="noStrike" kern="1200" cap="none" spc="0" normalizeH="0" baseline="0" noProof="0">
+                  <a:ln>
+                    <a:noFill/>
+                  </a:ln>
+                  <a:solidFill>
+                    <a:prstClr val="black"/>
+                  </a:solidFill>
+                  <a:effectLst/>
+                  <a:uLnTx/>
+                  <a:uFillTx/>
+                  <a:latin typeface="Yu Gothic" panose="020B0400000000000000" pitchFamily="34" charset="-128"/>
+                  <a:ea typeface="Yu Gothic" panose="020B0400000000000000" pitchFamily="34" charset="-128"/>
+                </a:rPr>
+                <a:t>．効果の検証</a:t>
+              </a:r>
+              <a:endParaRPr kumimoji="1" lang="en-US" altLang="ja-JP" sz="1600" b="1" u="none" strike="noStrike" kern="1200" cap="none" spc="0" normalizeH="0" baseline="0" noProof="0" dirty="0">
+                <a:ln>
+                  <a:noFill/>
+                </a:ln>
+                <a:solidFill>
+                  <a:prstClr val="black"/>
+                </a:solidFill>
+                <a:effectLst/>
+                <a:uLnTx/>
+                <a:uFillTx/>
+                <a:latin typeface="Yu Gothic" panose="020B0400000000000000" pitchFamily="34" charset="-128"/>
+                <a:ea typeface="Yu Gothic" panose="020B0400000000000000" pitchFamily="34" charset="-128"/>
+              </a:endParaRPr>
+            </a:p>
+          </p:txBody>
+        </p:sp>
+      </p:grpSp>
+    </p:spTree>
+    <p:extLst>
+      <p:ext uri="{BB962C8B-B14F-4D97-AF65-F5344CB8AC3E}">
+        <p14:creationId xmlns:p14="http://schemas.microsoft.com/office/powerpoint/2010/main" val="3429835045"/>
+      </p:ext>
+    </p:extLst>
+  </p:cSld>
+  <p:clrMapOvr>
+    <a:masterClrMapping/>
+  </p:clrMapOvr>
+</p:sld>
+</file>
+
+<file path=ppt/slides/slide7.xml><?xml version="1.0" encoding="utf-8"?>
+<p:sld xmlns:a="http://schemas.openxmlformats.org/drawingml/2006/main" xmlns:r="http://schemas.openxmlformats.org/officeDocument/2006/relationships" xmlns:p="http://schemas.openxmlformats.org/presentationml/2006/main">
+  <p:cSld>
+    <p:spTree>
+      <p:nvGrpSpPr>
+        <p:cNvPr id="1" name=""/>
+        <p:cNvGrpSpPr/>
+        <p:nvPr/>
+      </p:nvGrpSpPr>
+      <p:grpSpPr>
+        <a:xfrm>
+          <a:off x="0" y="0"/>
+          <a:ext cx="0" cy="0"/>
+          <a:chOff x="0" y="0"/>
+          <a:chExt cx="0" cy="0"/>
+        </a:xfrm>
+      </p:grpSpPr>
       <p:sp>
         <p:nvSpPr>
-          <p:cNvPr id="19" name="テキスト ボックス 18">
+          <p:cNvPr id="24" name="四角形: 角を丸くする 23">
             <a:extLst>
               <a:ext uri="{FF2B5EF4-FFF2-40B4-BE49-F238E27FC236}">
-                <a16:creationId xmlns:a16="http://schemas.microsoft.com/office/drawing/2014/main" id="{C17C8422-FEC9-C945-80FA-AD1CCA520C88}"/>
+                <a16:creationId xmlns:a16="http://schemas.microsoft.com/office/drawing/2014/main" id="{12951430-E1FB-4735-9B37-A734F8A824A9}"/>
+              </a:ext>
+            </a:extLst>
+          </p:cNvPr>
+          <p:cNvSpPr/>
+          <p:nvPr/>
+        </p:nvSpPr>
+        <p:spPr>
+          <a:xfrm>
+            <a:off x="6137536" y="264374"/>
+            <a:ext cx="2016000" cy="1152297"/>
+          </a:xfrm>
+          <a:prstGeom prst="roundRect">
+            <a:avLst/>
+          </a:prstGeom>
+          <a:ln w="28575">
+            <a:solidFill>
+              <a:schemeClr val="accent6">
+                <a:lumMod val="60000"/>
+                <a:lumOff val="40000"/>
+              </a:schemeClr>
+            </a:solidFill>
+          </a:ln>
+        </p:spPr>
+        <p:style>
+          <a:lnRef idx="2">
+            <a:schemeClr val="accent6"/>
+          </a:lnRef>
+          <a:fillRef idx="1">
+            <a:schemeClr val="lt1"/>
+          </a:fillRef>
+          <a:effectRef idx="0">
+            <a:schemeClr val="accent6"/>
+          </a:effectRef>
+          <a:fontRef idx="minor">
+            <a:schemeClr val="dk1"/>
+          </a:fontRef>
+        </p:style>
+        <p:txBody>
+          <a:bodyPr rtlCol="0" anchor="ctr"/>
+          <a:lstStyle/>
+          <a:p>
+            <a:pPr marL="0" marR="0" lvl="0" indent="0" algn="ctr" defTabSz="914400" rtl="0" eaLnBrk="1" fontAlgn="base" latinLnBrk="0" hangingPunct="1">
+              <a:lnSpc>
+                <a:spcPct val="100000"/>
+              </a:lnSpc>
+              <a:spcBef>
+                <a:spcPct val="0"/>
+              </a:spcBef>
+              <a:spcAft>
+                <a:spcPct val="0"/>
+              </a:spcAft>
+              <a:buClrTx/>
+              <a:buSzTx/>
+              <a:buFontTx/>
+              <a:buNone/>
+              <a:tabLst/>
+              <a:defRPr/>
+            </a:pPr>
+            <a:endParaRPr kumimoji="1" lang="ja-JP" altLang="en-US" sz="1600" b="0" i="0" u="none" strike="noStrike" kern="1200" cap="none" spc="0" normalizeH="0" baseline="0" noProof="0">
+              <a:ln>
+                <a:noFill/>
+              </a:ln>
+              <a:solidFill>
+                <a:prstClr val="black"/>
+              </a:solidFill>
+              <a:effectLst/>
+              <a:uLnTx/>
+              <a:uFillTx/>
+              <a:latin typeface="游ゴシック" panose="020F0502020204030204"/>
+              <a:ea typeface="游ゴシック" panose="020B0400000000000000" pitchFamily="50" charset="-128"/>
+              <a:cs typeface="+mn-cs"/>
+            </a:endParaRPr>
+          </a:p>
+        </p:txBody>
+      </p:sp>
+      <p:sp>
+        <p:nvSpPr>
+          <p:cNvPr id="25" name="四角形: 角を丸くする 24">
+            <a:extLst>
+              <a:ext uri="{FF2B5EF4-FFF2-40B4-BE49-F238E27FC236}">
+                <a16:creationId xmlns:a16="http://schemas.microsoft.com/office/drawing/2014/main" id="{082B9990-7CE9-4E3A-916D-415F798931E5}"/>
+              </a:ext>
+            </a:extLst>
+          </p:cNvPr>
+          <p:cNvSpPr/>
+          <p:nvPr/>
+        </p:nvSpPr>
+        <p:spPr>
+          <a:xfrm>
+            <a:off x="4123165" y="267972"/>
+            <a:ext cx="2016000" cy="1080368"/>
+          </a:xfrm>
+          <a:prstGeom prst="roundRect">
+            <a:avLst/>
+          </a:prstGeom>
+          <a:ln w="28575">
+            <a:solidFill>
+              <a:schemeClr val="accent6">
+                <a:lumMod val="60000"/>
+                <a:lumOff val="40000"/>
+              </a:schemeClr>
+            </a:solidFill>
+          </a:ln>
+        </p:spPr>
+        <p:style>
+          <a:lnRef idx="2">
+            <a:schemeClr val="accent6"/>
+          </a:lnRef>
+          <a:fillRef idx="1">
+            <a:schemeClr val="lt1"/>
+          </a:fillRef>
+          <a:effectRef idx="0">
+            <a:schemeClr val="accent6"/>
+          </a:effectRef>
+          <a:fontRef idx="minor">
+            <a:schemeClr val="dk1"/>
+          </a:fontRef>
+        </p:style>
+        <p:txBody>
+          <a:bodyPr rtlCol="0" anchor="ctr"/>
+          <a:lstStyle/>
+          <a:p>
+            <a:pPr marL="0" marR="0" lvl="0" indent="0" algn="ctr" defTabSz="914400" rtl="0" eaLnBrk="1" fontAlgn="base" latinLnBrk="0" hangingPunct="1">
+              <a:lnSpc>
+                <a:spcPct val="100000"/>
+              </a:lnSpc>
+              <a:spcBef>
+                <a:spcPct val="0"/>
+              </a:spcBef>
+              <a:spcAft>
+                <a:spcPct val="0"/>
+              </a:spcAft>
+              <a:buClrTx/>
+              <a:buSzTx/>
+              <a:buFontTx/>
+              <a:buNone/>
+              <a:tabLst/>
+              <a:defRPr/>
+            </a:pPr>
+            <a:endParaRPr kumimoji="1" lang="ja-JP" altLang="en-US" sz="1600" b="0" i="0" u="none" strike="noStrike" kern="1200" cap="none" spc="0" normalizeH="0" baseline="0" noProof="0">
+              <a:ln>
+                <a:noFill/>
+              </a:ln>
+              <a:solidFill>
+                <a:prstClr val="black"/>
+              </a:solidFill>
+              <a:effectLst/>
+              <a:uLnTx/>
+              <a:uFillTx/>
+              <a:latin typeface="游ゴシック" panose="020F0502020204030204"/>
+              <a:ea typeface="游ゴシック" panose="020B0400000000000000" pitchFamily="50" charset="-128"/>
+              <a:cs typeface="+mn-cs"/>
+            </a:endParaRPr>
+          </a:p>
+        </p:txBody>
+      </p:sp>
+      <p:sp>
+        <p:nvSpPr>
+          <p:cNvPr id="26" name="四角形: 角を丸くする 25">
+            <a:extLst>
+              <a:ext uri="{FF2B5EF4-FFF2-40B4-BE49-F238E27FC236}">
+                <a16:creationId xmlns:a16="http://schemas.microsoft.com/office/drawing/2014/main" id="{D692603E-1CC2-4C7C-A269-124B18B5115C}"/>
+              </a:ext>
+            </a:extLst>
+          </p:cNvPr>
+          <p:cNvSpPr/>
+          <p:nvPr/>
+        </p:nvSpPr>
+        <p:spPr>
+          <a:xfrm>
+            <a:off x="2107184" y="271017"/>
+            <a:ext cx="2016000" cy="1368400"/>
+          </a:xfrm>
+          <a:prstGeom prst="roundRect">
+            <a:avLst>
+              <a:gd name="adj" fmla="val 13495"/>
+            </a:avLst>
+          </a:prstGeom>
+          <a:ln w="28575">
+            <a:solidFill>
+              <a:schemeClr val="accent6">
+                <a:lumMod val="60000"/>
+                <a:lumOff val="40000"/>
+              </a:schemeClr>
+            </a:solidFill>
+          </a:ln>
+        </p:spPr>
+        <p:style>
+          <a:lnRef idx="2">
+            <a:schemeClr val="accent6"/>
+          </a:lnRef>
+          <a:fillRef idx="1">
+            <a:schemeClr val="lt1"/>
+          </a:fillRef>
+          <a:effectRef idx="0">
+            <a:schemeClr val="accent6"/>
+          </a:effectRef>
+          <a:fontRef idx="minor">
+            <a:schemeClr val="dk1"/>
+          </a:fontRef>
+        </p:style>
+        <p:txBody>
+          <a:bodyPr rtlCol="0" anchor="ctr"/>
+          <a:lstStyle/>
+          <a:p>
+            <a:pPr marL="0" marR="0" lvl="0" indent="0" algn="ctr" defTabSz="914400" rtl="0" eaLnBrk="1" fontAlgn="base" latinLnBrk="0" hangingPunct="1">
+              <a:lnSpc>
+                <a:spcPct val="100000"/>
+              </a:lnSpc>
+              <a:spcBef>
+                <a:spcPct val="0"/>
+              </a:spcBef>
+              <a:spcAft>
+                <a:spcPct val="0"/>
+              </a:spcAft>
+              <a:buClrTx/>
+              <a:buSzTx/>
+              <a:buFontTx/>
+              <a:buNone/>
+              <a:tabLst/>
+              <a:defRPr/>
+            </a:pPr>
+            <a:endParaRPr kumimoji="1" lang="ja-JP" altLang="en-US" sz="1600" b="0" i="0" u="none" strike="noStrike" kern="1200" cap="none" spc="0" normalizeH="0" baseline="0" noProof="0">
+              <a:ln>
+                <a:noFill/>
+              </a:ln>
+              <a:solidFill>
+                <a:prstClr val="black"/>
+              </a:solidFill>
+              <a:effectLst/>
+              <a:uLnTx/>
+              <a:uFillTx/>
+              <a:latin typeface="游ゴシック" panose="020F0502020204030204"/>
+              <a:ea typeface="游ゴシック" panose="020B0400000000000000" pitchFamily="50" charset="-128"/>
+              <a:cs typeface="+mn-cs"/>
+            </a:endParaRPr>
+          </a:p>
+        </p:txBody>
+      </p:sp>
+      <p:sp>
+        <p:nvSpPr>
+          <p:cNvPr id="27" name="四角形: 角を丸くする 26">
+            <a:extLst>
+              <a:ext uri="{FF2B5EF4-FFF2-40B4-BE49-F238E27FC236}">
+                <a16:creationId xmlns:a16="http://schemas.microsoft.com/office/drawing/2014/main" id="{931175D4-F024-4715-850F-19B3CB76B868}"/>
+              </a:ext>
+            </a:extLst>
+          </p:cNvPr>
+          <p:cNvSpPr/>
+          <p:nvPr/>
+        </p:nvSpPr>
+        <p:spPr>
+          <a:xfrm>
+            <a:off x="8160118" y="46597"/>
+            <a:ext cx="2016000" cy="1224384"/>
+          </a:xfrm>
+          <a:prstGeom prst="roundRect">
+            <a:avLst>
+              <a:gd name="adj" fmla="val 13842"/>
+            </a:avLst>
+          </a:prstGeom>
+          <a:solidFill>
+            <a:schemeClr val="accent6"/>
+          </a:solidFill>
+          <a:ln w="38100"/>
+        </p:spPr>
+        <p:style>
+          <a:lnRef idx="2">
+            <a:schemeClr val="accent6"/>
+          </a:lnRef>
+          <a:fillRef idx="1">
+            <a:schemeClr val="lt1"/>
+          </a:fillRef>
+          <a:effectRef idx="0">
+            <a:schemeClr val="accent6"/>
+          </a:effectRef>
+          <a:fontRef idx="minor">
+            <a:schemeClr val="dk1"/>
+          </a:fontRef>
+        </p:style>
+        <p:txBody>
+          <a:bodyPr rtlCol="0" anchor="ctr"/>
+          <a:lstStyle/>
+          <a:p>
+            <a:pPr marL="0" marR="0" lvl="0" indent="0" algn="ctr" defTabSz="914400" rtl="0" eaLnBrk="1" fontAlgn="base" latinLnBrk="0" hangingPunct="1">
+              <a:lnSpc>
+                <a:spcPct val="100000"/>
+              </a:lnSpc>
+              <a:spcBef>
+                <a:spcPct val="0"/>
+              </a:spcBef>
+              <a:spcAft>
+                <a:spcPct val="0"/>
+              </a:spcAft>
+              <a:buClrTx/>
+              <a:buSzTx/>
+              <a:buFontTx/>
+              <a:buNone/>
+              <a:tabLst/>
+              <a:defRPr/>
+            </a:pPr>
+            <a:endParaRPr kumimoji="1" lang="ja-JP" altLang="en-US" sz="1600" b="0" i="0" u="none" strike="noStrike" kern="1200" cap="none" spc="0" normalizeH="0" baseline="0" noProof="0" dirty="0">
+              <a:ln>
+                <a:noFill/>
+              </a:ln>
+              <a:solidFill>
+                <a:prstClr val="black"/>
+              </a:solidFill>
+              <a:effectLst/>
+              <a:uLnTx/>
+              <a:uFillTx/>
+              <a:latin typeface="游ゴシック" panose="020F0502020204030204"/>
+              <a:ea typeface="游ゴシック" panose="020B0400000000000000" pitchFamily="50" charset="-128"/>
+              <a:cs typeface="+mn-cs"/>
+            </a:endParaRPr>
+          </a:p>
+        </p:txBody>
+      </p:sp>
+      <p:sp>
+        <p:nvSpPr>
+          <p:cNvPr id="28" name="四角形: 角を丸くする 27">
+            <a:extLst>
+              <a:ext uri="{FF2B5EF4-FFF2-40B4-BE49-F238E27FC236}">
+                <a16:creationId xmlns:a16="http://schemas.microsoft.com/office/drawing/2014/main" id="{CBF21EDC-25EC-4605-8BD1-65352BBF0B27}"/>
+              </a:ext>
+            </a:extLst>
+          </p:cNvPr>
+          <p:cNvSpPr/>
+          <p:nvPr/>
+        </p:nvSpPr>
+        <p:spPr>
+          <a:xfrm>
+            <a:off x="91184" y="271203"/>
+            <a:ext cx="2016000" cy="1152297"/>
+          </a:xfrm>
+          <a:prstGeom prst="roundRect">
+            <a:avLst/>
+          </a:prstGeom>
+          <a:ln w="28575">
+            <a:solidFill>
+              <a:schemeClr val="accent6">
+                <a:lumMod val="60000"/>
+                <a:lumOff val="40000"/>
+              </a:schemeClr>
+            </a:solidFill>
+          </a:ln>
+        </p:spPr>
+        <p:style>
+          <a:lnRef idx="2">
+            <a:schemeClr val="accent6"/>
+          </a:lnRef>
+          <a:fillRef idx="1">
+            <a:schemeClr val="lt1"/>
+          </a:fillRef>
+          <a:effectRef idx="0">
+            <a:schemeClr val="accent6"/>
+          </a:effectRef>
+          <a:fontRef idx="minor">
+            <a:schemeClr val="dk1"/>
+          </a:fontRef>
+        </p:style>
+        <p:txBody>
+          <a:bodyPr rtlCol="0" anchor="ctr"/>
+          <a:lstStyle/>
+          <a:p>
+            <a:pPr marL="0" marR="0" lvl="0" indent="0" algn="ctr" defTabSz="914400" rtl="0" eaLnBrk="1" fontAlgn="base" latinLnBrk="0" hangingPunct="1">
+              <a:lnSpc>
+                <a:spcPct val="100000"/>
+              </a:lnSpc>
+              <a:spcBef>
+                <a:spcPct val="0"/>
+              </a:spcBef>
+              <a:spcAft>
+                <a:spcPct val="0"/>
+              </a:spcAft>
+              <a:buClrTx/>
+              <a:buSzTx/>
+              <a:buFontTx/>
+              <a:buNone/>
+              <a:tabLst/>
+              <a:defRPr/>
+            </a:pPr>
+            <a:endParaRPr kumimoji="1" lang="ja-JP" altLang="en-US" sz="1600" b="0" i="0" u="none" strike="noStrike" kern="1200" cap="none" spc="0" normalizeH="0" baseline="0" noProof="0">
+              <a:ln>
+                <a:noFill/>
+              </a:ln>
+              <a:solidFill>
+                <a:prstClr val="black"/>
+              </a:solidFill>
+              <a:effectLst/>
+              <a:uLnTx/>
+              <a:uFillTx/>
+              <a:latin typeface="游ゴシック" panose="020F0502020204030204"/>
+              <a:ea typeface="游ゴシック" panose="020B0400000000000000" pitchFamily="50" charset="-128"/>
+              <a:cs typeface="+mn-cs"/>
+            </a:endParaRPr>
+          </a:p>
+        </p:txBody>
+      </p:sp>
+      <p:sp>
+        <p:nvSpPr>
+          <p:cNvPr id="29" name="正方形/長方形 28">
+            <a:extLst>
+              <a:ext uri="{FF2B5EF4-FFF2-40B4-BE49-F238E27FC236}">
+                <a16:creationId xmlns:a16="http://schemas.microsoft.com/office/drawing/2014/main" id="{32D5BB5C-4276-43AA-B37A-98D4949E04DA}"/>
+              </a:ext>
+            </a:extLst>
+          </p:cNvPr>
+          <p:cNvSpPr/>
+          <p:nvPr/>
+        </p:nvSpPr>
+        <p:spPr>
+          <a:xfrm>
+            <a:off x="97137" y="694983"/>
+            <a:ext cx="12600000" cy="8856984"/>
+          </a:xfrm>
+          <a:prstGeom prst="rect">
+            <a:avLst/>
+          </a:prstGeom>
+          <a:ln w="38100">
+            <a:headEnd type="none" w="med" len="med"/>
+            <a:tailEnd type="none" w="med" len="med"/>
+          </a:ln>
+        </p:spPr>
+        <p:style>
+          <a:lnRef idx="2">
+            <a:schemeClr val="accent6"/>
+          </a:lnRef>
+          <a:fillRef idx="1">
+            <a:schemeClr val="lt1"/>
+          </a:fillRef>
+          <a:effectRef idx="0">
+            <a:schemeClr val="accent6"/>
+          </a:effectRef>
+          <a:fontRef idx="minor">
+            <a:schemeClr val="dk1"/>
+          </a:fontRef>
+        </p:style>
+        <p:txBody>
+          <a:bodyPr rtlCol="0" anchor="ctr"/>
+          <a:lstStyle/>
+          <a:p>
+            <a:pPr marL="0" marR="0" lvl="0" indent="0" algn="ctr" defTabSz="914400" rtl="0" eaLnBrk="1" fontAlgn="base" latinLnBrk="0" hangingPunct="1">
+              <a:lnSpc>
+                <a:spcPct val="100000"/>
+              </a:lnSpc>
+              <a:spcBef>
+                <a:spcPct val="0"/>
+              </a:spcBef>
+              <a:spcAft>
+                <a:spcPct val="0"/>
+              </a:spcAft>
+              <a:buClrTx/>
+              <a:buSzTx/>
+              <a:buFontTx/>
+              <a:buNone/>
+              <a:tabLst/>
+              <a:defRPr/>
+            </a:pPr>
+            <a:endParaRPr kumimoji="1" lang="ja-JP" altLang="en-US" sz="1600" b="0" i="0" u="none" strike="noStrike" kern="1200" cap="none" spc="0" normalizeH="0" baseline="0" noProof="0" dirty="0">
+              <a:ln>
+                <a:noFill/>
+              </a:ln>
+              <a:solidFill>
+                <a:prstClr val="black"/>
+              </a:solidFill>
+              <a:effectLst/>
+              <a:uLnTx/>
+              <a:uFillTx/>
+              <a:latin typeface="游ゴシック" panose="020F0502020204030204"/>
+              <a:ea typeface="游ゴシック" panose="020B0400000000000000" pitchFamily="50" charset="-128"/>
+              <a:cs typeface="+mn-cs"/>
+            </a:endParaRPr>
+          </a:p>
+        </p:txBody>
+      </p:sp>
+      <p:sp>
+        <p:nvSpPr>
+          <p:cNvPr id="18" name="テキスト ボックス 17">
+            <a:extLst>
+              <a:ext uri="{FF2B5EF4-FFF2-40B4-BE49-F238E27FC236}">
+                <a16:creationId xmlns:a16="http://schemas.microsoft.com/office/drawing/2014/main" id="{7822C4B6-AB52-4440-B9CE-AF88464E04C4}"/>
               </a:ext>
             </a:extLst>
           </p:cNvPr>
@@ -11227,47 +11892,709 @@
         </p:nvSpPr>
         <p:spPr>
           <a:xfrm>
-            <a:off x="284809" y="1292670"/>
-            <a:ext cx="6107956" cy="261610"/>
+            <a:off x="6124666" y="258340"/>
+            <a:ext cx="2049970" cy="446276"/>
           </a:xfrm>
           <a:prstGeom prst="rect">
             <a:avLst/>
           </a:prstGeom>
           <a:noFill/>
+          <a:ln>
+            <a:noFill/>
+          </a:ln>
         </p:spPr>
+        <p:style>
+          <a:lnRef idx="0">
+            <a:scrgbClr r="0" g="0" b="0"/>
+          </a:lnRef>
+          <a:fillRef idx="0">
+            <a:scrgbClr r="0" g="0" b="0"/>
+          </a:fillRef>
+          <a:effectRef idx="0">
+            <a:scrgbClr r="0" g="0" b="0"/>
+          </a:effectRef>
+          <a:fontRef idx="minor">
+            <a:schemeClr val="dk1"/>
+          </a:fontRef>
+        </p:style>
         <p:txBody>
           <a:bodyPr wrap="square" rtlCol="0">
             <a:spAutoFit/>
           </a:bodyPr>
           <a:lstStyle/>
           <a:p>
-            <a:r>
-              <a:rPr kumimoji="1" lang="ja-JP" altLang="en-US" sz="1050">
-                <a:latin typeface="Meiryo" panose="020B0604030504040204" pitchFamily="34" charset="-128"/>
-                <a:ea typeface="Meiryo" panose="020B0604030504040204" pitchFamily="34" charset="-128"/>
-              </a:rPr>
-              <a:t>カーブを</a:t>
-            </a:r>
-            <a:r>
-              <a:rPr lang="ja-JP" altLang="en-US" sz="1050">
-                <a:latin typeface="Meiryo" panose="020B0604030504040204" pitchFamily="34" charset="-128"/>
-                <a:ea typeface="Meiryo" panose="020B0604030504040204" pitchFamily="34" charset="-128"/>
-              </a:rPr>
-              <a:t>安定して曲がることのできる旋回量計算式の構築</a:t>
-            </a:r>
-            <a:endParaRPr kumimoji="1" lang="en-US" altLang="ja-JP" sz="1050" dirty="0">
-              <a:latin typeface="Meiryo" panose="020B0604030504040204" pitchFamily="34" charset="-128"/>
-              <a:ea typeface="Meiryo" panose="020B0604030504040204" pitchFamily="34" charset="-128"/>
+            <a:pPr marL="0" marR="0" lvl="0" indent="0" algn="l" defTabSz="914400" rtl="0" eaLnBrk="1" fontAlgn="base" latinLnBrk="0" hangingPunct="1">
+              <a:lnSpc>
+                <a:spcPct val="100000"/>
+              </a:lnSpc>
+              <a:spcBef>
+                <a:spcPct val="0"/>
+              </a:spcBef>
+              <a:spcAft>
+                <a:spcPct val="0"/>
+              </a:spcAft>
+              <a:buClrTx/>
+              <a:buSzTx/>
+              <a:buFontTx/>
+              <a:buNone/>
+              <a:tabLst/>
+              <a:defRPr/>
+            </a:pPr>
+            <a:r>
+              <a:rPr kumimoji="1" lang="ja-JP" altLang="en-US" sz="2200" b="0" i="0" u="none" strike="noStrike" kern="1200" cap="none" spc="0" normalizeH="0" baseline="0" noProof="0" dirty="0">
+                <a:ln>
+                  <a:noFill/>
+                </a:ln>
+                <a:solidFill>
+                  <a:srgbClr val="70AD47">
+                    <a:lumMod val="60000"/>
+                    <a:lumOff val="40000"/>
+                  </a:srgbClr>
+                </a:solidFill>
+                <a:effectLst/>
+                <a:uLnTx/>
+                <a:uFillTx/>
+                <a:latin typeface="HG創英角ｺﾞｼｯｸUB" panose="020B0909000000000000" pitchFamily="49" charset="-128"/>
+                <a:ea typeface="HG創英角ｺﾞｼｯｸUB" panose="020B0909000000000000" pitchFamily="49" charset="-128"/>
+                <a:cs typeface="+mn-cs"/>
+              </a:rPr>
+              <a:t>３</a:t>
+            </a:r>
+            <a:r>
+              <a:rPr kumimoji="1" lang="en-US" altLang="ja-JP" sz="2200" b="1" i="0" u="none" strike="noStrike" kern="1200" cap="none" spc="0" normalizeH="0" baseline="0" noProof="0" dirty="0">
+                <a:ln>
+                  <a:noFill/>
+                </a:ln>
+                <a:solidFill>
+                  <a:srgbClr val="70AD47">
+                    <a:lumMod val="60000"/>
+                    <a:lumOff val="40000"/>
+                  </a:srgbClr>
+                </a:solidFill>
+                <a:effectLst/>
+                <a:uLnTx/>
+                <a:uFillTx/>
+                <a:latin typeface="HG創英角ｺﾞｼｯｸUB" panose="020B0909000000000000" pitchFamily="49" charset="-128"/>
+                <a:ea typeface="HG創英角ｺﾞｼｯｸUB" panose="020B0909000000000000" pitchFamily="49" charset="-128"/>
+                <a:cs typeface="+mn-cs"/>
+              </a:rPr>
+              <a:t>.</a:t>
+            </a:r>
+            <a:r>
+              <a:rPr kumimoji="1" lang="ja-JP" altLang="en-US" sz="2200" b="0" i="0" u="none" strike="noStrike" kern="1200" cap="none" spc="0" normalizeH="0" baseline="0" noProof="0" dirty="0">
+                <a:ln>
+                  <a:noFill/>
+                </a:ln>
+                <a:solidFill>
+                  <a:srgbClr val="70AD47">
+                    <a:lumMod val="60000"/>
+                    <a:lumOff val="40000"/>
+                  </a:srgbClr>
+                </a:solidFill>
+                <a:effectLst/>
+                <a:uLnTx/>
+                <a:uFillTx/>
+                <a:latin typeface="HG創英角ｺﾞｼｯｸUB" panose="020B0909000000000000" pitchFamily="49" charset="-128"/>
+                <a:ea typeface="HG創英角ｺﾞｼｯｸUB" panose="020B0909000000000000" pitchFamily="49" charset="-128"/>
+                <a:cs typeface="+mn-cs"/>
+              </a:rPr>
+              <a:t>振る舞い②</a:t>
+            </a:r>
+            <a:endParaRPr kumimoji="1" lang="en-US" altLang="ja-JP" sz="2200" b="0" i="0" u="none" strike="noStrike" kern="1200" cap="none" spc="0" normalizeH="0" baseline="0" noProof="0" dirty="0">
+              <a:ln>
+                <a:noFill/>
+              </a:ln>
+              <a:solidFill>
+                <a:srgbClr val="70AD47">
+                  <a:lumMod val="60000"/>
+                  <a:lumOff val="40000"/>
+                </a:srgbClr>
+              </a:solidFill>
+              <a:effectLst/>
+              <a:uLnTx/>
+              <a:uFillTx/>
+              <a:latin typeface="HG創英角ｺﾞｼｯｸUB" panose="020B0909000000000000" pitchFamily="49" charset="-128"/>
+              <a:ea typeface="HG創英角ｺﾞｼｯｸUB" panose="020B0909000000000000" pitchFamily="49" charset="-128"/>
+              <a:cs typeface="+mn-cs"/>
+            </a:endParaRPr>
+          </a:p>
+        </p:txBody>
+      </p:sp>
+      <p:sp>
+        <p:nvSpPr>
+          <p:cNvPr id="19" name="テキスト ボックス 18">
+            <a:extLst>
+              <a:ext uri="{FF2B5EF4-FFF2-40B4-BE49-F238E27FC236}">
+                <a16:creationId xmlns:a16="http://schemas.microsoft.com/office/drawing/2014/main" id="{FCFED912-B440-4631-B960-D1C2C31AD158}"/>
+              </a:ext>
+            </a:extLst>
+          </p:cNvPr>
+          <p:cNvSpPr txBox="1"/>
+          <p:nvPr/>
+        </p:nvSpPr>
+        <p:spPr>
+          <a:xfrm>
+            <a:off x="514769" y="248189"/>
+            <a:ext cx="1186551" cy="430887"/>
+          </a:xfrm>
+          <a:prstGeom prst="rect">
+            <a:avLst/>
+          </a:prstGeom>
+          <a:noFill/>
+          <a:ln>
+            <a:noFill/>
+          </a:ln>
+        </p:spPr>
+        <p:style>
+          <a:lnRef idx="0">
+            <a:scrgbClr r="0" g="0" b="0"/>
+          </a:lnRef>
+          <a:fillRef idx="0">
+            <a:scrgbClr r="0" g="0" b="0"/>
+          </a:fillRef>
+          <a:effectRef idx="0">
+            <a:scrgbClr r="0" g="0" b="0"/>
+          </a:effectRef>
+          <a:fontRef idx="minor">
+            <a:schemeClr val="dk1"/>
+          </a:fontRef>
+        </p:style>
+        <p:txBody>
+          <a:bodyPr wrap="square" rtlCol="0">
+            <a:spAutoFit/>
+          </a:bodyPr>
+          <a:lstStyle/>
+          <a:p>
+            <a:pPr marL="0" marR="0" lvl="0" indent="0" algn="l" defTabSz="914400" rtl="0" eaLnBrk="1" fontAlgn="base" latinLnBrk="0" hangingPunct="1">
+              <a:lnSpc>
+                <a:spcPct val="100000"/>
+              </a:lnSpc>
+              <a:spcBef>
+                <a:spcPct val="0"/>
+              </a:spcBef>
+              <a:spcAft>
+                <a:spcPct val="0"/>
+              </a:spcAft>
+              <a:buClrTx/>
+              <a:buSzTx/>
+              <a:buFontTx/>
+              <a:buNone/>
+              <a:tabLst/>
+              <a:defRPr/>
+            </a:pPr>
+            <a:r>
+              <a:rPr kumimoji="1" lang="ja-JP" altLang="en-US" sz="2200" b="0" i="0" u="none" strike="noStrike" kern="1200" cap="none" spc="0" normalizeH="0" baseline="0" noProof="0" dirty="0">
+                <a:ln>
+                  <a:noFill/>
+                </a:ln>
+                <a:solidFill>
+                  <a:srgbClr val="70AD47">
+                    <a:lumMod val="60000"/>
+                    <a:lumOff val="40000"/>
+                  </a:srgbClr>
+                </a:solidFill>
+                <a:effectLst/>
+                <a:uLnTx/>
+                <a:uFillTx/>
+                <a:latin typeface="HG創英角ｺﾞｼｯｸUB" panose="020B0909000000000000" pitchFamily="49" charset="-128"/>
+                <a:ea typeface="HG創英角ｺﾞｼｯｸUB" panose="020B0909000000000000" pitchFamily="49" charset="-128"/>
+                <a:cs typeface="+mn-cs"/>
+              </a:rPr>
+              <a:t>１</a:t>
+            </a:r>
+            <a:r>
+              <a:rPr kumimoji="1" lang="en-US" altLang="ja-JP" sz="2200" b="1" i="0" u="none" strike="noStrike" kern="1200" cap="none" spc="0" normalizeH="0" baseline="0" noProof="0" dirty="0">
+                <a:ln>
+                  <a:noFill/>
+                </a:ln>
+                <a:solidFill>
+                  <a:srgbClr val="70AD47">
+                    <a:lumMod val="60000"/>
+                    <a:lumOff val="40000"/>
+                  </a:srgbClr>
+                </a:solidFill>
+                <a:effectLst/>
+                <a:uLnTx/>
+                <a:uFillTx/>
+                <a:latin typeface="HG創英角ｺﾞｼｯｸUB" panose="020B0909000000000000" pitchFamily="49" charset="-128"/>
+                <a:ea typeface="HG創英角ｺﾞｼｯｸUB" panose="020B0909000000000000" pitchFamily="49" charset="-128"/>
+                <a:cs typeface="+mn-cs"/>
+              </a:rPr>
+              <a:t>.</a:t>
+            </a:r>
+            <a:r>
+              <a:rPr kumimoji="1" lang="ja-JP" altLang="en-US" sz="2200" b="0" i="0" u="none" strike="noStrike" kern="1200" cap="none" spc="0" normalizeH="0" baseline="0" noProof="0" dirty="0">
+                <a:ln>
+                  <a:noFill/>
+                </a:ln>
+                <a:solidFill>
+                  <a:srgbClr val="70AD47">
+                    <a:lumMod val="60000"/>
+                    <a:lumOff val="40000"/>
+                  </a:srgbClr>
+                </a:solidFill>
+                <a:effectLst/>
+                <a:uLnTx/>
+                <a:uFillTx/>
+                <a:latin typeface="HG創英角ｺﾞｼｯｸUB" panose="020B0909000000000000" pitchFamily="49" charset="-128"/>
+                <a:ea typeface="HG創英角ｺﾞｼｯｸUB" panose="020B0909000000000000" pitchFamily="49" charset="-128"/>
+                <a:cs typeface="+mn-cs"/>
+              </a:rPr>
+              <a:t>機能</a:t>
+            </a:r>
+            <a:endParaRPr kumimoji="1" lang="en-US" altLang="ja-JP" sz="2200" b="0" i="0" u="none" strike="noStrike" kern="1200" cap="none" spc="0" normalizeH="0" baseline="0" noProof="0" dirty="0">
+              <a:ln>
+                <a:noFill/>
+              </a:ln>
+              <a:solidFill>
+                <a:srgbClr val="70AD47">
+                  <a:lumMod val="60000"/>
+                  <a:lumOff val="40000"/>
+                </a:srgbClr>
+              </a:solidFill>
+              <a:effectLst/>
+              <a:uLnTx/>
+              <a:uFillTx/>
+              <a:latin typeface="HG創英角ｺﾞｼｯｸUB" panose="020B0909000000000000" pitchFamily="49" charset="-128"/>
+              <a:ea typeface="HG創英角ｺﾞｼｯｸUB" panose="020B0909000000000000" pitchFamily="49" charset="-128"/>
+              <a:cs typeface="+mn-cs"/>
+            </a:endParaRPr>
+          </a:p>
+        </p:txBody>
+      </p:sp>
+      <p:sp>
+        <p:nvSpPr>
+          <p:cNvPr id="20" name="テキスト ボックス 19">
+            <a:extLst>
+              <a:ext uri="{FF2B5EF4-FFF2-40B4-BE49-F238E27FC236}">
+                <a16:creationId xmlns:a16="http://schemas.microsoft.com/office/drawing/2014/main" id="{EC3B7523-8515-4312-B70A-7EAE3258E856}"/>
+              </a:ext>
+            </a:extLst>
+          </p:cNvPr>
+          <p:cNvSpPr txBox="1"/>
+          <p:nvPr/>
+        </p:nvSpPr>
+        <p:spPr>
+          <a:xfrm>
+            <a:off x="4110113" y="258340"/>
+            <a:ext cx="2049970" cy="446276"/>
+          </a:xfrm>
+          <a:prstGeom prst="rect">
+            <a:avLst/>
+          </a:prstGeom>
+          <a:noFill/>
+          <a:ln>
+            <a:noFill/>
+          </a:ln>
+        </p:spPr>
+        <p:style>
+          <a:lnRef idx="0">
+            <a:scrgbClr r="0" g="0" b="0"/>
+          </a:lnRef>
+          <a:fillRef idx="0">
+            <a:scrgbClr r="0" g="0" b="0"/>
+          </a:fillRef>
+          <a:effectRef idx="0">
+            <a:scrgbClr r="0" g="0" b="0"/>
+          </a:effectRef>
+          <a:fontRef idx="minor">
+            <a:schemeClr val="dk1"/>
+          </a:fontRef>
+        </p:style>
+        <p:txBody>
+          <a:bodyPr wrap="square" rtlCol="0">
+            <a:spAutoFit/>
+          </a:bodyPr>
+          <a:lstStyle/>
+          <a:p>
+            <a:pPr marL="0" marR="0" lvl="0" indent="0" algn="l" defTabSz="914400" rtl="0" eaLnBrk="1" fontAlgn="base" latinLnBrk="0" hangingPunct="1">
+              <a:lnSpc>
+                <a:spcPct val="100000"/>
+              </a:lnSpc>
+              <a:spcBef>
+                <a:spcPct val="0"/>
+              </a:spcBef>
+              <a:spcAft>
+                <a:spcPct val="0"/>
+              </a:spcAft>
+              <a:buClrTx/>
+              <a:buSzTx/>
+              <a:buFontTx/>
+              <a:buNone/>
+              <a:tabLst/>
+              <a:defRPr/>
+            </a:pPr>
+            <a:r>
+              <a:rPr kumimoji="1" lang="ja-JP" altLang="en-US" sz="2200" b="0" i="0" u="none" strike="noStrike" kern="1200" cap="none" spc="0" normalizeH="0" baseline="0" noProof="0" dirty="0">
+                <a:ln>
+                  <a:noFill/>
+                </a:ln>
+                <a:solidFill>
+                  <a:srgbClr val="70AD47">
+                    <a:lumMod val="60000"/>
+                    <a:lumOff val="40000"/>
+                  </a:srgbClr>
+                </a:solidFill>
+                <a:effectLst/>
+                <a:uLnTx/>
+                <a:uFillTx/>
+                <a:latin typeface="HG創英角ｺﾞｼｯｸUB" panose="020B0909000000000000" pitchFamily="49" charset="-128"/>
+                <a:ea typeface="HG創英角ｺﾞｼｯｸUB" panose="020B0909000000000000" pitchFamily="49" charset="-128"/>
+                <a:cs typeface="+mn-cs"/>
+              </a:rPr>
+              <a:t>３</a:t>
+            </a:r>
+            <a:r>
+              <a:rPr kumimoji="1" lang="en-US" altLang="ja-JP" sz="2200" b="1" i="0" u="none" strike="noStrike" kern="1200" cap="none" spc="0" normalizeH="0" baseline="0" noProof="0" dirty="0">
+                <a:ln>
+                  <a:noFill/>
+                </a:ln>
+                <a:solidFill>
+                  <a:srgbClr val="70AD47">
+                    <a:lumMod val="60000"/>
+                    <a:lumOff val="40000"/>
+                  </a:srgbClr>
+                </a:solidFill>
+                <a:effectLst/>
+                <a:uLnTx/>
+                <a:uFillTx/>
+                <a:latin typeface="HG創英角ｺﾞｼｯｸUB" panose="020B0909000000000000" pitchFamily="49" charset="-128"/>
+                <a:ea typeface="HG創英角ｺﾞｼｯｸUB" panose="020B0909000000000000" pitchFamily="49" charset="-128"/>
+                <a:cs typeface="+mn-cs"/>
+              </a:rPr>
+              <a:t>.</a:t>
+            </a:r>
+            <a:r>
+              <a:rPr kumimoji="1" lang="ja-JP" altLang="en-US" sz="2200" b="0" i="0" u="none" strike="noStrike" kern="1200" cap="none" spc="0" normalizeH="0" baseline="0" noProof="0" dirty="0">
+                <a:ln>
+                  <a:noFill/>
+                </a:ln>
+                <a:solidFill>
+                  <a:srgbClr val="70AD47">
+                    <a:lumMod val="60000"/>
+                    <a:lumOff val="40000"/>
+                  </a:srgbClr>
+                </a:solidFill>
+                <a:effectLst/>
+                <a:uLnTx/>
+                <a:uFillTx/>
+                <a:latin typeface="HG創英角ｺﾞｼｯｸUB" panose="020B0909000000000000" pitchFamily="49" charset="-128"/>
+                <a:ea typeface="HG創英角ｺﾞｼｯｸUB" panose="020B0909000000000000" pitchFamily="49" charset="-128"/>
+                <a:cs typeface="+mn-cs"/>
+              </a:rPr>
+              <a:t>振る舞い</a:t>
+            </a:r>
+            <a:r>
+              <a:rPr lang="ja-JP" altLang="en-US" sz="2200" dirty="0">
+                <a:solidFill>
+                  <a:srgbClr val="70AD47">
+                    <a:lumMod val="60000"/>
+                    <a:lumOff val="40000"/>
+                  </a:srgbClr>
+                </a:solidFill>
+                <a:latin typeface="HG創英角ｺﾞｼｯｸUB" panose="020B0909000000000000" pitchFamily="49" charset="-128"/>
+                <a:ea typeface="HG創英角ｺﾞｼｯｸUB" panose="020B0909000000000000" pitchFamily="49" charset="-128"/>
+              </a:rPr>
+              <a:t>①</a:t>
+            </a:r>
+            <a:endParaRPr kumimoji="1" lang="en-US" altLang="ja-JP" sz="2200" b="0" i="0" u="none" strike="noStrike" kern="1200" cap="none" spc="0" normalizeH="0" baseline="0" noProof="0" dirty="0">
+              <a:ln>
+                <a:noFill/>
+              </a:ln>
+              <a:solidFill>
+                <a:srgbClr val="70AD47">
+                  <a:lumMod val="60000"/>
+                  <a:lumOff val="40000"/>
+                </a:srgbClr>
+              </a:solidFill>
+              <a:effectLst/>
+              <a:uLnTx/>
+              <a:uFillTx/>
+              <a:latin typeface="HG創英角ｺﾞｼｯｸUB" panose="020B0909000000000000" pitchFamily="49" charset="-128"/>
+              <a:ea typeface="HG創英角ｺﾞｼｯｸUB" panose="020B0909000000000000" pitchFamily="49" charset="-128"/>
+              <a:cs typeface="+mn-cs"/>
+            </a:endParaRPr>
+          </a:p>
+        </p:txBody>
+      </p:sp>
+      <p:sp>
+        <p:nvSpPr>
+          <p:cNvPr id="21" name="テキスト ボックス 20">
+            <a:extLst>
+              <a:ext uri="{FF2B5EF4-FFF2-40B4-BE49-F238E27FC236}">
+                <a16:creationId xmlns:a16="http://schemas.microsoft.com/office/drawing/2014/main" id="{A7EE68A5-322E-4DDC-A3C3-80A78E30A67A}"/>
+              </a:ext>
+            </a:extLst>
+          </p:cNvPr>
+          <p:cNvSpPr txBox="1"/>
+          <p:nvPr/>
+        </p:nvSpPr>
+        <p:spPr>
+          <a:xfrm>
+            <a:off x="2501900" y="248189"/>
+            <a:ext cx="1203919" cy="430887"/>
+          </a:xfrm>
+          <a:prstGeom prst="rect">
+            <a:avLst/>
+          </a:prstGeom>
+          <a:noFill/>
+          <a:ln>
+            <a:noFill/>
+          </a:ln>
+        </p:spPr>
+        <p:style>
+          <a:lnRef idx="0">
+            <a:scrgbClr r="0" g="0" b="0"/>
+          </a:lnRef>
+          <a:fillRef idx="0">
+            <a:scrgbClr r="0" g="0" b="0"/>
+          </a:fillRef>
+          <a:effectRef idx="0">
+            <a:scrgbClr r="0" g="0" b="0"/>
+          </a:effectRef>
+          <a:fontRef idx="minor">
+            <a:schemeClr val="dk1"/>
+          </a:fontRef>
+        </p:style>
+        <p:txBody>
+          <a:bodyPr wrap="square" rtlCol="0">
+            <a:spAutoFit/>
+          </a:bodyPr>
+          <a:lstStyle/>
+          <a:p>
+            <a:pPr marL="0" marR="0" lvl="0" indent="0" algn="l" defTabSz="914400" rtl="0" eaLnBrk="1" fontAlgn="base" latinLnBrk="0" hangingPunct="1">
+              <a:lnSpc>
+                <a:spcPct val="100000"/>
+              </a:lnSpc>
+              <a:spcBef>
+                <a:spcPct val="0"/>
+              </a:spcBef>
+              <a:spcAft>
+                <a:spcPct val="0"/>
+              </a:spcAft>
+              <a:buClrTx/>
+              <a:buSzTx/>
+              <a:buFontTx/>
+              <a:buNone/>
+              <a:tabLst/>
+              <a:defRPr/>
+            </a:pPr>
+            <a:r>
+              <a:rPr kumimoji="1" lang="ja-JP" altLang="en-US" sz="2200" b="0" i="0" u="none" strike="noStrike" kern="1200" cap="none" spc="0" normalizeH="0" baseline="0" noProof="0" dirty="0">
+                <a:ln>
+                  <a:noFill/>
+                </a:ln>
+                <a:solidFill>
+                  <a:srgbClr val="70AD47">
+                    <a:lumMod val="60000"/>
+                    <a:lumOff val="40000"/>
+                  </a:srgbClr>
+                </a:solidFill>
+                <a:effectLst/>
+                <a:uLnTx/>
+                <a:uFillTx/>
+                <a:latin typeface="HG創英角ｺﾞｼｯｸUB" panose="020B0909000000000000" pitchFamily="49" charset="-128"/>
+                <a:ea typeface="HG創英角ｺﾞｼｯｸUB" panose="020B0909000000000000" pitchFamily="49" charset="-128"/>
+                <a:cs typeface="+mn-cs"/>
+              </a:rPr>
+              <a:t>２</a:t>
+            </a:r>
+            <a:r>
+              <a:rPr kumimoji="1" lang="en-US" altLang="ja-JP" sz="2200" b="1" i="0" u="none" strike="noStrike" kern="1200" cap="none" spc="0" normalizeH="0" baseline="0" noProof="0" dirty="0">
+                <a:ln>
+                  <a:noFill/>
+                </a:ln>
+                <a:solidFill>
+                  <a:srgbClr val="70AD47">
+                    <a:lumMod val="60000"/>
+                    <a:lumOff val="40000"/>
+                  </a:srgbClr>
+                </a:solidFill>
+                <a:effectLst/>
+                <a:uLnTx/>
+                <a:uFillTx/>
+                <a:latin typeface="HG創英角ｺﾞｼｯｸUB" panose="020B0909000000000000" pitchFamily="49" charset="-128"/>
+                <a:ea typeface="HG創英角ｺﾞｼｯｸUB" panose="020B0909000000000000" pitchFamily="49" charset="-128"/>
+                <a:cs typeface="+mn-cs"/>
+              </a:rPr>
+              <a:t>.</a:t>
+            </a:r>
+            <a:r>
+              <a:rPr kumimoji="1" lang="ja-JP" altLang="en-US" sz="2200" b="0" i="0" u="none" strike="noStrike" kern="1200" cap="none" spc="0" normalizeH="0" baseline="0" noProof="0" dirty="0">
+                <a:ln>
+                  <a:noFill/>
+                </a:ln>
+                <a:solidFill>
+                  <a:srgbClr val="70AD47">
+                    <a:lumMod val="60000"/>
+                    <a:lumOff val="40000"/>
+                  </a:srgbClr>
+                </a:solidFill>
+                <a:effectLst/>
+                <a:uLnTx/>
+                <a:uFillTx/>
+                <a:latin typeface="HG創英角ｺﾞｼｯｸUB" panose="020B0909000000000000" pitchFamily="49" charset="-128"/>
+                <a:ea typeface="HG創英角ｺﾞｼｯｸUB" panose="020B0909000000000000" pitchFamily="49" charset="-128"/>
+                <a:cs typeface="+mn-cs"/>
+              </a:rPr>
+              <a:t>構造</a:t>
+            </a:r>
+            <a:endParaRPr kumimoji="1" lang="en-US" altLang="ja-JP" sz="2200" b="0" i="0" u="none" strike="noStrike" kern="1200" cap="none" spc="0" normalizeH="0" baseline="0" noProof="0" dirty="0">
+              <a:ln>
+                <a:noFill/>
+              </a:ln>
+              <a:solidFill>
+                <a:srgbClr val="70AD47">
+                  <a:lumMod val="60000"/>
+                  <a:lumOff val="40000"/>
+                </a:srgbClr>
+              </a:solidFill>
+              <a:effectLst/>
+              <a:uLnTx/>
+              <a:uFillTx/>
+              <a:latin typeface="HG創英角ｺﾞｼｯｸUB" panose="020B0909000000000000" pitchFamily="49" charset="-128"/>
+              <a:ea typeface="HG創英角ｺﾞｼｯｸUB" panose="020B0909000000000000" pitchFamily="49" charset="-128"/>
+              <a:cs typeface="+mn-cs"/>
+            </a:endParaRPr>
+          </a:p>
+        </p:txBody>
+      </p:sp>
+      <p:sp>
+        <p:nvSpPr>
+          <p:cNvPr id="22" name="テキスト ボックス 21">
+            <a:extLst>
+              <a:ext uri="{FF2B5EF4-FFF2-40B4-BE49-F238E27FC236}">
+                <a16:creationId xmlns:a16="http://schemas.microsoft.com/office/drawing/2014/main" id="{BA6F72F9-0611-4C47-8B97-9002A082D577}"/>
+              </a:ext>
+            </a:extLst>
+          </p:cNvPr>
+          <p:cNvSpPr txBox="1"/>
+          <p:nvPr/>
+        </p:nvSpPr>
+        <p:spPr>
+          <a:xfrm>
+            <a:off x="8345016" y="150138"/>
+            <a:ext cx="1445666" cy="430887"/>
+          </a:xfrm>
+          <a:prstGeom prst="rect">
+            <a:avLst/>
+          </a:prstGeom>
+          <a:noFill/>
+          <a:ln>
+            <a:noFill/>
+          </a:ln>
+        </p:spPr>
+        <p:style>
+          <a:lnRef idx="0">
+            <a:scrgbClr r="0" g="0" b="0"/>
+          </a:lnRef>
+          <a:fillRef idx="0">
+            <a:scrgbClr r="0" g="0" b="0"/>
+          </a:fillRef>
+          <a:effectRef idx="0">
+            <a:scrgbClr r="0" g="0" b="0"/>
+          </a:effectRef>
+          <a:fontRef idx="minor">
+            <a:schemeClr val="dk1"/>
+          </a:fontRef>
+        </p:style>
+        <p:txBody>
+          <a:bodyPr wrap="square" rtlCol="0">
+            <a:spAutoFit/>
+          </a:bodyPr>
+          <a:lstStyle/>
+          <a:p>
+            <a:pPr marL="0" marR="0" lvl="0" indent="0" algn="l" defTabSz="914400" rtl="0" eaLnBrk="1" fontAlgn="base" latinLnBrk="0" hangingPunct="1">
+              <a:lnSpc>
+                <a:spcPct val="100000"/>
+              </a:lnSpc>
+              <a:spcBef>
+                <a:spcPct val="0"/>
+              </a:spcBef>
+              <a:spcAft>
+                <a:spcPct val="0"/>
+              </a:spcAft>
+              <a:buClrTx/>
+              <a:buSzTx/>
+              <a:buFontTx/>
+              <a:buNone/>
+              <a:tabLst/>
+              <a:defRPr/>
+            </a:pPr>
+            <a:r>
+              <a:rPr kumimoji="1" lang="ja-JP" altLang="en-US" sz="2200" b="0" i="0" u="none" strike="noStrike" kern="1200" cap="none" spc="0" normalizeH="0" baseline="0" noProof="0" dirty="0">
+                <a:ln>
+                  <a:noFill/>
+                </a:ln>
+                <a:solidFill>
+                  <a:schemeClr val="bg1"/>
+                </a:solidFill>
+                <a:effectLst/>
+                <a:uLnTx/>
+                <a:uFillTx/>
+                <a:latin typeface="HG創英角ｺﾞｼｯｸUB" panose="020B0909000000000000" pitchFamily="49" charset="-128"/>
+                <a:ea typeface="HG創英角ｺﾞｼｯｸUB" panose="020B0909000000000000" pitchFamily="49" charset="-128"/>
+                <a:cs typeface="+mn-cs"/>
+              </a:rPr>
+              <a:t>４</a:t>
+            </a:r>
+            <a:r>
+              <a:rPr kumimoji="1" lang="en-US" altLang="ja-JP" sz="2200" b="1" i="0" u="none" strike="noStrike" kern="1200" cap="none" spc="0" normalizeH="0" baseline="0" noProof="0" dirty="0">
+                <a:ln>
+                  <a:noFill/>
+                </a:ln>
+                <a:solidFill>
+                  <a:schemeClr val="bg1"/>
+                </a:solidFill>
+                <a:effectLst/>
+                <a:uLnTx/>
+                <a:uFillTx/>
+                <a:latin typeface="HG創英角ｺﾞｼｯｸUB" panose="020B0909000000000000" pitchFamily="49" charset="-128"/>
+                <a:ea typeface="HG創英角ｺﾞｼｯｸUB" panose="020B0909000000000000" pitchFamily="49" charset="-128"/>
+                <a:cs typeface="+mn-cs"/>
+              </a:rPr>
+              <a:t>.</a:t>
+            </a:r>
+            <a:r>
+              <a:rPr kumimoji="1" lang="ja-JP" altLang="en-US" sz="2200" b="0" i="0" u="none" strike="noStrike" kern="1200" cap="none" spc="0" normalizeH="0" baseline="0" noProof="0" dirty="0">
+                <a:ln>
+                  <a:noFill/>
+                </a:ln>
+                <a:solidFill>
+                  <a:schemeClr val="bg1"/>
+                </a:solidFill>
+                <a:effectLst/>
+                <a:uLnTx/>
+                <a:uFillTx/>
+                <a:latin typeface="HG創英角ｺﾞｼｯｸUB" panose="020B0909000000000000" pitchFamily="49" charset="-128"/>
+                <a:ea typeface="HG創英角ｺﾞｼｯｸUB" panose="020B0909000000000000" pitchFamily="49" charset="-128"/>
+                <a:cs typeface="+mn-cs"/>
+              </a:rPr>
+              <a:t>工夫点</a:t>
+            </a:r>
+            <a:endParaRPr kumimoji="1" lang="en-US" altLang="ja-JP" sz="2200" b="0" i="0" u="none" strike="noStrike" kern="1200" cap="none" spc="0" normalizeH="0" baseline="0" noProof="0" dirty="0">
+              <a:ln>
+                <a:noFill/>
+              </a:ln>
+              <a:solidFill>
+                <a:schemeClr val="bg1"/>
+              </a:solidFill>
+              <a:effectLst/>
+              <a:uLnTx/>
+              <a:uFillTx/>
+              <a:latin typeface="HG創英角ｺﾞｼｯｸUB" panose="020B0909000000000000" pitchFamily="49" charset="-128"/>
+              <a:ea typeface="HG創英角ｺﾞｼｯｸUB" panose="020B0909000000000000" pitchFamily="49" charset="-128"/>
+              <a:cs typeface="+mn-cs"/>
             </a:endParaRPr>
           </a:p>
         </p:txBody>
       </p:sp>
       <p:grpSp>
         <p:nvGrpSpPr>
-          <p:cNvPr id="20" name="グループ化 19">
+          <p:cNvPr id="13" name="グループ化 12">
             <a:extLst>
               <a:ext uri="{FF2B5EF4-FFF2-40B4-BE49-F238E27FC236}">
-                <a16:creationId xmlns:a16="http://schemas.microsoft.com/office/drawing/2014/main" id="{D1471E2F-CF60-2844-8AEE-7122C180B0F9}"/>
+                <a16:creationId xmlns:a16="http://schemas.microsoft.com/office/drawing/2014/main" id="{F5E08EBB-0D98-2348-BF0D-84234FFBC19E}"/>
               </a:ext>
             </a:extLst>
           </p:cNvPr>
@@ -11276,7 +12603,7 @@
         </p:nvGrpSpPr>
         <p:grpSpPr>
           <a:xfrm>
-            <a:off x="129674" y="1632248"/>
+            <a:off x="104463" y="766991"/>
             <a:ext cx="6252559" cy="347516"/>
             <a:chOff x="131524" y="868527"/>
             <a:chExt cx="3963392" cy="347516"/>
@@ -11284,10 +12611,10 @@
         </p:grpSpPr>
         <p:cxnSp>
           <p:nvCxnSpPr>
-            <p:cNvPr id="21" name="直線コネクタ 20">
+            <p:cNvPr id="14" name="直線コネクタ 13">
               <a:extLst>
                 <a:ext uri="{FF2B5EF4-FFF2-40B4-BE49-F238E27FC236}">
-                  <a16:creationId xmlns:a16="http://schemas.microsoft.com/office/drawing/2014/main" id="{1AE9E27D-FC60-5C4D-9C4E-041BD04F17FE}"/>
+                  <a16:creationId xmlns:a16="http://schemas.microsoft.com/office/drawing/2014/main" id="{E52818CA-4FF9-564E-86B3-CAFF84D95859}"/>
                 </a:ext>
               </a:extLst>
             </p:cNvPr>
@@ -11327,10 +12654,10 @@
         </p:cxnSp>
         <p:sp>
           <p:nvSpPr>
-            <p:cNvPr id="22" name="テキスト ボックス 21">
+            <p:cNvPr id="15" name="テキスト ボックス 14">
               <a:extLst>
                 <a:ext uri="{FF2B5EF4-FFF2-40B4-BE49-F238E27FC236}">
-                  <a16:creationId xmlns:a16="http://schemas.microsoft.com/office/drawing/2014/main" id="{9A481844-A20F-434A-9A4F-991D57B14094}"/>
+                  <a16:creationId xmlns:a16="http://schemas.microsoft.com/office/drawing/2014/main" id="{7083664E-8A31-5146-BF80-643E848A9152}"/>
                 </a:ext>
               </a:extLst>
             </p:cNvPr>
@@ -11371,15 +12698,282 @@
                 <a:defRPr/>
               </a:pPr>
               <a:r>
-                <a:rPr lang="en-US" altLang="ja-JP" b="1" dirty="0">
+                <a:rPr lang="ja-JP" altLang="en-US" b="1">
                   <a:solidFill>
                     <a:prstClr val="black"/>
                   </a:solidFill>
                   <a:latin typeface="Yu Gothic" panose="020B0400000000000000" pitchFamily="34" charset="-128"/>
                   <a:ea typeface="Yu Gothic" panose="020B0400000000000000" pitchFamily="34" charset="-128"/>
                 </a:rPr>
-                <a:t>2</a:t>
+                <a:t>１．工夫点</a:t>
               </a:r>
+              <a:endParaRPr lang="en-US" altLang="ja-JP" b="1" dirty="0">
+                <a:solidFill>
+                  <a:prstClr val="black"/>
+                </a:solidFill>
+                <a:latin typeface="Yu Gothic" panose="020B0400000000000000" pitchFamily="34" charset="-128"/>
+                <a:ea typeface="Yu Gothic" panose="020B0400000000000000" pitchFamily="34" charset="-128"/>
+              </a:endParaRPr>
+            </a:p>
+          </p:txBody>
+        </p:sp>
+      </p:grpSp>
+      <p:cxnSp>
+        <p:nvCxnSpPr>
+          <p:cNvPr id="16" name="直線コネクタ 15">
+            <a:extLst>
+              <a:ext uri="{FF2B5EF4-FFF2-40B4-BE49-F238E27FC236}">
+                <a16:creationId xmlns:a16="http://schemas.microsoft.com/office/drawing/2014/main" id="{C3E45C63-86BA-6A41-9DEF-EF4DAD146015}"/>
+              </a:ext>
+            </a:extLst>
+          </p:cNvPr>
+          <p:cNvCxnSpPr>
+            <a:cxnSpLocks/>
+          </p:cNvCxnSpPr>
+          <p:nvPr/>
+        </p:nvCxnSpPr>
+        <p:spPr>
+          <a:xfrm>
+            <a:off x="6397137" y="766991"/>
+            <a:ext cx="0" cy="8784976"/>
+          </a:xfrm>
+          <a:prstGeom prst="line">
+            <a:avLst/>
+          </a:prstGeom>
+          <a:ln w="12700">
+            <a:solidFill>
+              <a:schemeClr val="accent6"/>
+            </a:solidFill>
+          </a:ln>
+        </p:spPr>
+        <p:style>
+          <a:lnRef idx="1">
+            <a:schemeClr val="accent1"/>
+          </a:lnRef>
+          <a:fillRef idx="0">
+            <a:schemeClr val="accent1"/>
+          </a:fillRef>
+          <a:effectRef idx="0">
+            <a:schemeClr val="accent1"/>
+          </a:effectRef>
+          <a:fontRef idx="minor">
+            <a:schemeClr val="tx1"/>
+          </a:fontRef>
+        </p:style>
+      </p:cxnSp>
+      <p:sp>
+        <p:nvSpPr>
+          <p:cNvPr id="17" name="テキスト ボックス 16">
+            <a:extLst>
+              <a:ext uri="{FF2B5EF4-FFF2-40B4-BE49-F238E27FC236}">
+                <a16:creationId xmlns:a16="http://schemas.microsoft.com/office/drawing/2014/main" id="{B6C40FD1-0130-9849-91C9-60A12A1CD507}"/>
+              </a:ext>
+            </a:extLst>
+          </p:cNvPr>
+          <p:cNvSpPr txBox="1"/>
+          <p:nvPr/>
+        </p:nvSpPr>
+        <p:spPr>
+          <a:xfrm>
+            <a:off x="140500" y="1123470"/>
+            <a:ext cx="6211243" cy="261610"/>
+          </a:xfrm>
+          <a:prstGeom prst="rect">
+            <a:avLst/>
+          </a:prstGeom>
+          <a:noFill/>
+        </p:spPr>
+        <p:txBody>
+          <a:bodyPr wrap="square" rtlCol="0">
+            <a:spAutoFit/>
+          </a:bodyPr>
+          <a:lstStyle/>
+          <a:p>
+            <a:r>
+              <a:rPr kumimoji="1" lang="ja-JP" altLang="en-US" sz="1050">
+                <a:latin typeface="Meiryo" panose="020B0604030504040204" pitchFamily="34" charset="-128"/>
+                <a:ea typeface="Meiryo" panose="020B0604030504040204" pitchFamily="34" charset="-128"/>
+              </a:rPr>
+              <a:t>カーブを</a:t>
+            </a:r>
+            <a:r>
+              <a:rPr lang="ja-JP" altLang="en-US" sz="1050">
+                <a:latin typeface="Meiryo" panose="020B0604030504040204" pitchFamily="34" charset="-128"/>
+                <a:ea typeface="Meiryo" panose="020B0604030504040204" pitchFamily="34" charset="-128"/>
+              </a:rPr>
+              <a:t>安定して曲がることのできる旋回量計算式の構築</a:t>
+            </a:r>
+            <a:endParaRPr kumimoji="1" lang="en-US" altLang="ja-JP" sz="1050" dirty="0">
+              <a:latin typeface="Meiryo" panose="020B0604030504040204" pitchFamily="34" charset="-128"/>
+              <a:ea typeface="Meiryo" panose="020B0604030504040204" pitchFamily="34" charset="-128"/>
+            </a:endParaRPr>
+          </a:p>
+        </p:txBody>
+      </p:sp>
+      <p:sp>
+        <p:nvSpPr>
+          <p:cNvPr id="32" name="テキスト ボックス 31">
+            <a:extLst>
+              <a:ext uri="{FF2B5EF4-FFF2-40B4-BE49-F238E27FC236}">
+                <a16:creationId xmlns:a16="http://schemas.microsoft.com/office/drawing/2014/main" id="{6DB9120F-7F21-6546-8D8A-67B1307B4C8B}"/>
+              </a:ext>
+            </a:extLst>
+          </p:cNvPr>
+          <p:cNvSpPr txBox="1"/>
+          <p:nvPr/>
+        </p:nvSpPr>
+        <p:spPr>
+          <a:xfrm>
+            <a:off x="182174" y="1833902"/>
+            <a:ext cx="6211245" cy="738664"/>
+          </a:xfrm>
+          <a:prstGeom prst="rect">
+            <a:avLst/>
+          </a:prstGeom>
+          <a:noFill/>
+        </p:spPr>
+        <p:txBody>
+          <a:bodyPr wrap="square" rtlCol="0">
+            <a:spAutoFit/>
+          </a:bodyPr>
+          <a:lstStyle/>
+          <a:p>
+            <a:r>
+              <a:rPr lang="ja-JP" altLang="en-US" sz="1050">
+                <a:latin typeface="Meiryo" panose="020B0604030504040204" pitchFamily="34" charset="-128"/>
+                <a:ea typeface="Meiryo" panose="020B0604030504040204" pitchFamily="34" charset="-128"/>
+              </a:rPr>
+              <a:t>今年のコースは昨年と比較してカーブが多く，また，カーブの曲率も大きくなっている．そのため，完走率の向上には様々な外乱を考慮に入れたロバストな旋回量計算式が必要であると考えた．具体的には</a:t>
+            </a:r>
+            <a:r>
+              <a:rPr lang="en-US" altLang="ja-JP" sz="1050" dirty="0">
+                <a:latin typeface="Meiryo" panose="020B0604030504040204" pitchFamily="34" charset="-128"/>
+                <a:ea typeface="Meiryo" panose="020B0604030504040204" pitchFamily="34" charset="-128"/>
+              </a:rPr>
+              <a:t>PID</a:t>
+            </a:r>
+            <a:r>
+              <a:rPr lang="ja-JP" altLang="en-US" sz="1050">
+                <a:latin typeface="Meiryo" panose="020B0604030504040204" pitchFamily="34" charset="-128"/>
+                <a:ea typeface="Meiryo" panose="020B0604030504040204" pitchFamily="34" charset="-128"/>
+              </a:rPr>
+              <a:t>制御に加え，カーブの曲率を考慮した曲率制御と，バッテリ電圧の低下を考慮したバッテリ電圧補償係数を導入した．</a:t>
+            </a:r>
+            <a:endParaRPr kumimoji="1" lang="en-US" altLang="ja-JP" sz="1050" dirty="0">
+              <a:latin typeface="Meiryo" panose="020B0604030504040204" pitchFamily="34" charset="-128"/>
+              <a:ea typeface="Meiryo" panose="020B0604030504040204" pitchFamily="34" charset="-128"/>
+            </a:endParaRPr>
+          </a:p>
+        </p:txBody>
+      </p:sp>
+      <p:grpSp>
+        <p:nvGrpSpPr>
+          <p:cNvPr id="36" name="グループ化 35">
+            <a:extLst>
+              <a:ext uri="{FF2B5EF4-FFF2-40B4-BE49-F238E27FC236}">
+                <a16:creationId xmlns:a16="http://schemas.microsoft.com/office/drawing/2014/main" id="{BF6785AF-58EA-4B43-B2AF-F89E2DADBB7F}"/>
+              </a:ext>
+            </a:extLst>
+          </p:cNvPr>
+          <p:cNvGrpSpPr/>
+          <p:nvPr/>
+        </p:nvGrpSpPr>
+        <p:grpSpPr>
+          <a:xfrm>
+            <a:off x="144578" y="1484350"/>
+            <a:ext cx="6252559" cy="347516"/>
+            <a:chOff x="131524" y="868527"/>
+            <a:chExt cx="3963392" cy="347516"/>
+          </a:xfrm>
+        </p:grpSpPr>
+        <p:cxnSp>
+          <p:nvCxnSpPr>
+            <p:cNvPr id="37" name="直線コネクタ 36">
+              <a:extLst>
+                <a:ext uri="{FF2B5EF4-FFF2-40B4-BE49-F238E27FC236}">
+                  <a16:creationId xmlns:a16="http://schemas.microsoft.com/office/drawing/2014/main" id="{938B2B8E-EEBD-9643-9FE2-6CC6D42A460B}"/>
+                </a:ext>
+              </a:extLst>
+            </p:cNvPr>
+            <p:cNvCxnSpPr>
+              <a:cxnSpLocks/>
+            </p:cNvCxnSpPr>
+            <p:nvPr/>
+          </p:nvCxnSpPr>
+          <p:spPr>
+            <a:xfrm>
+              <a:off x="157712" y="1216043"/>
+              <a:ext cx="3937204" cy="0"/>
+            </a:xfrm>
+            <a:prstGeom prst="line">
+              <a:avLst/>
+            </a:prstGeom>
+            <a:ln w="38100">
+              <a:solidFill>
+                <a:schemeClr val="accent6"/>
+              </a:solidFill>
+            </a:ln>
+          </p:spPr>
+          <p:style>
+            <a:lnRef idx="1">
+              <a:schemeClr val="accent1"/>
+            </a:lnRef>
+            <a:fillRef idx="0">
+              <a:schemeClr val="accent1"/>
+            </a:fillRef>
+            <a:effectRef idx="0">
+              <a:schemeClr val="accent1"/>
+            </a:effectRef>
+            <a:fontRef idx="minor">
+              <a:schemeClr val="tx1"/>
+            </a:fontRef>
+          </p:style>
+        </p:cxnSp>
+        <p:sp>
+          <p:nvSpPr>
+            <p:cNvPr id="38" name="テキスト ボックス 37">
+              <a:extLst>
+                <a:ext uri="{FF2B5EF4-FFF2-40B4-BE49-F238E27FC236}">
+                  <a16:creationId xmlns:a16="http://schemas.microsoft.com/office/drawing/2014/main" id="{2E304224-DD39-3E41-AEB0-D430FF367BD8}"/>
+                </a:ext>
+              </a:extLst>
+            </p:cNvPr>
+            <p:cNvSpPr txBox="1"/>
+            <p:nvPr/>
+          </p:nvSpPr>
+          <p:spPr>
+            <a:xfrm>
+              <a:off x="131524" y="868527"/>
+              <a:ext cx="2816996" cy="338554"/>
+            </a:xfrm>
+            <a:prstGeom prst="rect">
+              <a:avLst/>
+            </a:prstGeom>
+            <a:noFill/>
+          </p:spPr>
+          <p:txBody>
+            <a:bodyPr wrap="square" rtlCol="0">
+              <a:spAutoFit/>
+            </a:bodyPr>
+            <a:lstStyle/>
+            <a:p>
+              <a:pPr marL="0" marR="0" lvl="0" indent="0" algn="l" defTabSz="914400" rtl="0" eaLnBrk="1" fontAlgn="base" latinLnBrk="0" hangingPunct="1">
+                <a:lnSpc>
+                  <a:spcPct val="100000"/>
+                </a:lnSpc>
+                <a:spcBef>
+                  <a:spcPct val="0"/>
+                </a:spcBef>
+                <a:spcAft>
+                  <a:spcPct val="0"/>
+                </a:spcAft>
+                <a:buClrTx/>
+                <a:buSzTx/>
+                <a:buFontTx/>
+                <a:buNone/>
+                <a:tabLst/>
+                <a:defRPr/>
+              </a:pPr>
               <a:r>
                 <a:rPr kumimoji="1" lang="ja-JP" altLang="en-US" sz="1600" b="1" u="none" strike="noStrike" kern="1200" cap="none" spc="0" normalizeH="0" baseline="0" noProof="0">
                   <a:ln>
@@ -11394,7 +12988,142 @@
                   <a:latin typeface="Yu Gothic" panose="020B0400000000000000" pitchFamily="34" charset="-128"/>
                   <a:ea typeface="Yu Gothic" panose="020B0400000000000000" pitchFamily="34" charset="-128"/>
                 </a:rPr>
-                <a:t>．背景</a:t>
+                <a:t>２．背景</a:t>
+              </a:r>
+              <a:endParaRPr lang="en-US" altLang="ja-JP" b="1" dirty="0">
+                <a:solidFill>
+                  <a:prstClr val="black"/>
+                </a:solidFill>
+                <a:latin typeface="Yu Gothic" panose="020B0400000000000000" pitchFamily="34" charset="-128"/>
+                <a:ea typeface="Yu Gothic" panose="020B0400000000000000" pitchFamily="34" charset="-128"/>
+              </a:endParaRPr>
+            </a:p>
+          </p:txBody>
+        </p:sp>
+      </p:grpSp>
+      <p:grpSp>
+        <p:nvGrpSpPr>
+          <p:cNvPr id="39" name="グループ化 38">
+            <a:extLst>
+              <a:ext uri="{FF2B5EF4-FFF2-40B4-BE49-F238E27FC236}">
+                <a16:creationId xmlns:a16="http://schemas.microsoft.com/office/drawing/2014/main" id="{0B54B051-B448-FE4D-A773-7DECD25C7353}"/>
+              </a:ext>
+            </a:extLst>
+          </p:cNvPr>
+          <p:cNvGrpSpPr/>
+          <p:nvPr/>
+        </p:nvGrpSpPr>
+        <p:grpSpPr>
+          <a:xfrm>
+            <a:off x="182174" y="2653094"/>
+            <a:ext cx="6252559" cy="347516"/>
+            <a:chOff x="131524" y="868527"/>
+            <a:chExt cx="3963392" cy="347516"/>
+          </a:xfrm>
+        </p:grpSpPr>
+        <p:cxnSp>
+          <p:nvCxnSpPr>
+            <p:cNvPr id="40" name="直線コネクタ 39">
+              <a:extLst>
+                <a:ext uri="{FF2B5EF4-FFF2-40B4-BE49-F238E27FC236}">
+                  <a16:creationId xmlns:a16="http://schemas.microsoft.com/office/drawing/2014/main" id="{BCC2AC72-5882-2241-AB6B-E4009BE06A23}"/>
+                </a:ext>
+              </a:extLst>
+            </p:cNvPr>
+            <p:cNvCxnSpPr>
+              <a:cxnSpLocks/>
+            </p:cNvCxnSpPr>
+            <p:nvPr/>
+          </p:nvCxnSpPr>
+          <p:spPr>
+            <a:xfrm>
+              <a:off x="157712" y="1216043"/>
+              <a:ext cx="3937204" cy="0"/>
+            </a:xfrm>
+            <a:prstGeom prst="line">
+              <a:avLst/>
+            </a:prstGeom>
+            <a:ln w="38100">
+              <a:solidFill>
+                <a:schemeClr val="accent6"/>
+              </a:solidFill>
+            </a:ln>
+          </p:spPr>
+          <p:style>
+            <a:lnRef idx="1">
+              <a:schemeClr val="accent1"/>
+            </a:lnRef>
+            <a:fillRef idx="0">
+              <a:schemeClr val="accent1"/>
+            </a:fillRef>
+            <a:effectRef idx="0">
+              <a:schemeClr val="accent1"/>
+            </a:effectRef>
+            <a:fontRef idx="minor">
+              <a:schemeClr val="tx1"/>
+            </a:fontRef>
+          </p:style>
+        </p:cxnSp>
+        <p:sp>
+          <p:nvSpPr>
+            <p:cNvPr id="41" name="テキスト ボックス 40">
+              <a:extLst>
+                <a:ext uri="{FF2B5EF4-FFF2-40B4-BE49-F238E27FC236}">
+                  <a16:creationId xmlns:a16="http://schemas.microsoft.com/office/drawing/2014/main" id="{ABCE1007-4462-044E-9923-664A8AD58547}"/>
+                </a:ext>
+              </a:extLst>
+            </p:cNvPr>
+            <p:cNvSpPr txBox="1"/>
+            <p:nvPr/>
+          </p:nvSpPr>
+          <p:spPr>
+            <a:xfrm>
+              <a:off x="131524" y="868527"/>
+              <a:ext cx="2816996" cy="338554"/>
+            </a:xfrm>
+            <a:prstGeom prst="rect">
+              <a:avLst/>
+            </a:prstGeom>
+            <a:noFill/>
+          </p:spPr>
+          <p:txBody>
+            <a:bodyPr wrap="square" rtlCol="0">
+              <a:spAutoFit/>
+            </a:bodyPr>
+            <a:lstStyle/>
+            <a:p>
+              <a:pPr marL="0" marR="0" lvl="0" indent="0" algn="l" defTabSz="914400" rtl="0" eaLnBrk="1" fontAlgn="base" latinLnBrk="0" hangingPunct="1">
+                <a:lnSpc>
+                  <a:spcPct val="100000"/>
+                </a:lnSpc>
+                <a:spcBef>
+                  <a:spcPct val="0"/>
+                </a:spcBef>
+                <a:spcAft>
+                  <a:spcPct val="0"/>
+                </a:spcAft>
+                <a:buClrTx/>
+                <a:buSzTx/>
+                <a:buFontTx/>
+                <a:buNone/>
+                <a:tabLst/>
+                <a:defRPr/>
+              </a:pPr>
+              <a:r>
+                <a:rPr kumimoji="1" lang="ja-JP" altLang="en-US" sz="1600" b="1" u="none" strike="noStrike" kern="1200" cap="none" spc="0" normalizeH="0" baseline="0" noProof="0">
+                  <a:ln>
+                    <a:noFill/>
+                  </a:ln>
+                  <a:solidFill>
+                    <a:prstClr val="black"/>
+                  </a:solidFill>
+                  <a:effectLst/>
+                  <a:uLnTx/>
+                  <a:uFillTx/>
+                  <a:latin typeface="Yu Gothic" panose="020B0400000000000000" pitchFamily="34" charset="-128"/>
+                  <a:ea typeface="Yu Gothic" panose="020B0400000000000000" pitchFamily="34" charset="-128"/>
+                </a:rPr>
+                <a:t>３．実装</a:t>
               </a:r>
               <a:endParaRPr lang="en-US" altLang="ja-JP" b="1" dirty="0">
                 <a:solidFill>
@@ -11409,10 +13138,10 @@
       </p:grpSp>
       <p:sp>
         <p:nvSpPr>
-          <p:cNvPr id="23" name="テキスト ボックス 22">
+          <p:cNvPr id="42" name="テキスト ボックス 41">
             <a:extLst>
               <a:ext uri="{FF2B5EF4-FFF2-40B4-BE49-F238E27FC236}">
-                <a16:creationId xmlns:a16="http://schemas.microsoft.com/office/drawing/2014/main" id="{1F665772-C724-1340-AEAD-F6448B24616D}"/>
+                <a16:creationId xmlns:a16="http://schemas.microsoft.com/office/drawing/2014/main" id="{2B20BC8C-D108-194C-BB5F-2730D925F910}"/>
               </a:ext>
             </a:extLst>
           </p:cNvPr>
@@ -11421,8 +13150,8 @@
         </p:nvSpPr>
         <p:spPr>
           <a:xfrm>
-            <a:off x="284809" y="1992288"/>
-            <a:ext cx="6107956" cy="738664"/>
+            <a:off x="335234" y="3304979"/>
+            <a:ext cx="2604479" cy="4131900"/>
           </a:xfrm>
           <a:prstGeom prst="rect">
             <a:avLst/>
@@ -11440,90 +13169,7 @@
                 <a:latin typeface="Meiryo" panose="020B0604030504040204" pitchFamily="34" charset="-128"/>
                 <a:ea typeface="Meiryo" panose="020B0604030504040204" pitchFamily="34" charset="-128"/>
               </a:rPr>
-              <a:t>今年のコースは昨年と比較してカーブが多く，また，カーブの曲率も大きくなっている．そのため，完走率の向上には様々な外乱を考慮に入れたロバストな旋回量計算式が必要であると考えた．具体的には</a:t>
-            </a:r>
-            <a:r>
-              <a:rPr lang="en-US" altLang="ja-JP" sz="1050" dirty="0">
-                <a:latin typeface="Meiryo" panose="020B0604030504040204" pitchFamily="34" charset="-128"/>
-                <a:ea typeface="Meiryo" panose="020B0604030504040204" pitchFamily="34" charset="-128"/>
-              </a:rPr>
-              <a:t>PID</a:t>
-            </a:r>
-            <a:r>
-              <a:rPr lang="ja-JP" altLang="en-US" sz="1050">
-                <a:latin typeface="Meiryo" panose="020B0604030504040204" pitchFamily="34" charset="-128"/>
-                <a:ea typeface="Meiryo" panose="020B0604030504040204" pitchFamily="34" charset="-128"/>
-              </a:rPr>
-              <a:t>制御に加え，カーブの曲率を考慮した曲率制御と，バッテリ電圧の低下を考慮したバッテリ電圧補償係数を導入した．</a:t>
-            </a:r>
-            <a:endParaRPr kumimoji="1" lang="en-US" altLang="ja-JP" sz="1050" dirty="0">
-              <a:latin typeface="Meiryo" panose="020B0604030504040204" pitchFamily="34" charset="-128"/>
-              <a:ea typeface="Meiryo" panose="020B0604030504040204" pitchFamily="34" charset="-128"/>
-            </a:endParaRPr>
-          </a:p>
-        </p:txBody>
-      </p:sp>
-      <p:sp>
-        <p:nvSpPr>
-          <p:cNvPr id="43" name="テキスト ボックス 42">
-            <a:extLst>
-              <a:ext uri="{FF2B5EF4-FFF2-40B4-BE49-F238E27FC236}">
-                <a16:creationId xmlns:a16="http://schemas.microsoft.com/office/drawing/2014/main" id="{91D7B912-EEA9-CE48-B916-378E8926AD58}"/>
-              </a:ext>
-            </a:extLst>
-          </p:cNvPr>
-          <p:cNvSpPr txBox="1"/>
-          <p:nvPr/>
-        </p:nvSpPr>
-        <p:spPr>
-          <a:xfrm>
-            <a:off x="422987" y="3346949"/>
-            <a:ext cx="2604479" cy="2192908"/>
-          </a:xfrm>
-          <a:prstGeom prst="rect">
-            <a:avLst/>
-          </a:prstGeom>
-          <a:noFill/>
-        </p:spPr>
-        <p:txBody>
-          <a:bodyPr wrap="square" rtlCol="0">
-            <a:spAutoFit/>
-          </a:bodyPr>
-          <a:lstStyle/>
-          <a:p>
-            <a:r>
-              <a:rPr lang="ja-JP" altLang="en-US" sz="1050">
-                <a:latin typeface="Meiryo" panose="020B0604030504040204" pitchFamily="34" charset="-128"/>
-                <a:ea typeface="Meiryo" panose="020B0604030504040204" pitchFamily="34" charset="-128"/>
-              </a:rPr>
               <a:t>カーブの曲率に応じた定数を曲率旋回量として旋回量計算式に加える形で組み込んだ．</a:t>
-            </a:r>
-            <a:endParaRPr lang="en-US" altLang="ja-JP" sz="1050" dirty="0">
-              <a:latin typeface="Meiryo" panose="020B0604030504040204" pitchFamily="34" charset="-128"/>
-              <a:ea typeface="Meiryo" panose="020B0604030504040204" pitchFamily="34" charset="-128"/>
-            </a:endParaRPr>
-          </a:p>
-          <a:p>
-            <a:r>
-              <a:rPr lang="ja-JP" altLang="en-US" sz="1050">
-                <a:latin typeface="Meiryo" panose="020B0604030504040204" pitchFamily="34" charset="-128"/>
-                <a:ea typeface="Meiryo" panose="020B0604030504040204" pitchFamily="34" charset="-128"/>
-              </a:rPr>
-              <a:t>そのために，機能モデルでも示したようにコースを</a:t>
-            </a:r>
-            <a:r>
-              <a:rPr lang="en-US" altLang="ja-JP" sz="1050" dirty="0">
-                <a:latin typeface="Meiryo" panose="020B0604030504040204" pitchFamily="34" charset="-128"/>
-                <a:ea typeface="Meiryo" panose="020B0604030504040204" pitchFamily="34" charset="-128"/>
-              </a:rPr>
-              <a:t>15</a:t>
-            </a:r>
-            <a:r>
-              <a:rPr lang="ja-JP" altLang="en-US" sz="1050">
-                <a:latin typeface="Meiryo" panose="020B0604030504040204" pitchFamily="34" charset="-128"/>
-                <a:ea typeface="Meiryo" panose="020B0604030504040204" pitchFamily="34" charset="-128"/>
-              </a:rPr>
-              <a:t>の区間に分割し，区間ごとに走行パラメータを変更することにした．</a:t>
             </a:r>
             <a:endParaRPr lang="en-US" altLang="ja-JP" sz="1050" dirty="0">
               <a:latin typeface="Meiryo" panose="020B0604030504040204" pitchFamily="34" charset="-128"/>
@@ -11542,21 +13188,40 @@
                 <a:latin typeface="Meiryo" panose="020B0604030504040204" pitchFamily="34" charset="-128"/>
                 <a:ea typeface="Meiryo" panose="020B0604030504040204" pitchFamily="34" charset="-128"/>
               </a:rPr>
-              <a:t>全ての区間に異なるパラメータを用意すると，調整に時間がかかるため，曲率を</a:t>
+              <a:t>そのために，機能モデルでも示したようにコースを</a:t>
             </a:r>
             <a:r>
               <a:rPr lang="en-US" altLang="ja-JP" sz="1050" dirty="0">
                 <a:latin typeface="Meiryo" panose="020B0604030504040204" pitchFamily="34" charset="-128"/>
                 <a:ea typeface="Meiryo" panose="020B0604030504040204" pitchFamily="34" charset="-128"/>
               </a:rPr>
-              <a:t>4</a:t>
+              <a:t>15</a:t>
             </a:r>
             <a:r>
               <a:rPr lang="ja-JP" altLang="en-US" sz="1050">
                 <a:latin typeface="Meiryo" panose="020B0604030504040204" pitchFamily="34" charset="-128"/>
                 <a:ea typeface="Meiryo" panose="020B0604030504040204" pitchFamily="34" charset="-128"/>
               </a:rPr>
-              <a:t>種類に分類し，</a:t>
+              <a:t>の区間に分割し，区間ごとに走行パラメータを変更することにした．</a:t>
+            </a:r>
+            <a:endParaRPr lang="en-US" altLang="ja-JP" sz="1050" dirty="0">
+              <a:latin typeface="Meiryo" panose="020B0604030504040204" pitchFamily="34" charset="-128"/>
+              <a:ea typeface="Meiryo" panose="020B0604030504040204" pitchFamily="34" charset="-128"/>
+            </a:endParaRPr>
+          </a:p>
+          <a:p>
+            <a:endParaRPr lang="en-US" altLang="ja-JP" sz="1050" dirty="0">
+              <a:latin typeface="Meiryo" panose="020B0604030504040204" pitchFamily="34" charset="-128"/>
+              <a:ea typeface="Meiryo" panose="020B0604030504040204" pitchFamily="34" charset="-128"/>
+            </a:endParaRPr>
+          </a:p>
+          <a:p>
+            <a:r>
+              <a:rPr lang="ja-JP" altLang="en-US" sz="1050">
+                <a:latin typeface="Meiryo" panose="020B0604030504040204" pitchFamily="34" charset="-128"/>
+                <a:ea typeface="Meiryo" panose="020B0604030504040204" pitchFamily="34" charset="-128"/>
+              </a:rPr>
+              <a:t>全ての区間に異なるパラメータを用意すると，調整に時間がかかるため，曲率を</a:t>
             </a:r>
             <a:r>
               <a:rPr lang="en-US" altLang="ja-JP" sz="1050" dirty="0">
@@ -11570,22 +13235,176 @@
                 <a:latin typeface="Meiryo" panose="020B0604030504040204" pitchFamily="34" charset="-128"/>
                 <a:ea typeface="Meiryo" panose="020B0604030504040204" pitchFamily="34" charset="-128"/>
               </a:rPr>
-              <a:t>セットの</a:t>
+              <a:t>種類に分類し，</a:t>
             </a:r>
             <a:r>
               <a:rPr lang="en-US" altLang="ja-JP" sz="1050" dirty="0">
                 <a:latin typeface="Meiryo" panose="020B0604030504040204" pitchFamily="34" charset="-128"/>
                 <a:ea typeface="Meiryo" panose="020B0604030504040204" pitchFamily="34" charset="-128"/>
               </a:rPr>
-              <a:t>PID</a:t>
+              <a:t>4</a:t>
             </a:r>
             <a:r>
               <a:rPr lang="ja-JP" altLang="en-US" sz="1050">
                 <a:latin typeface="Meiryo" panose="020B0604030504040204" pitchFamily="34" charset="-128"/>
                 <a:ea typeface="Meiryo" panose="020B0604030504040204" pitchFamily="34" charset="-128"/>
               </a:rPr>
+              <a:t>セットの</a:t>
+            </a:r>
+            <a:r>
+              <a:rPr lang="en-US" altLang="ja-JP" sz="1050" dirty="0">
+                <a:latin typeface="Meiryo" panose="020B0604030504040204" pitchFamily="34" charset="-128"/>
+                <a:ea typeface="Meiryo" panose="020B0604030504040204" pitchFamily="34" charset="-128"/>
+              </a:rPr>
+              <a:t>PID</a:t>
+            </a:r>
+            <a:r>
+              <a:rPr lang="ja-JP" altLang="en-US" sz="1050">
+                <a:latin typeface="Meiryo" panose="020B0604030504040204" pitchFamily="34" charset="-128"/>
+                <a:ea typeface="Meiryo" panose="020B0604030504040204" pitchFamily="34" charset="-128"/>
+              </a:rPr>
               <a:t>パラメータ，曲率旋回量を用意した．曲率の分類は右下の帯グラフの通りに分類した．</a:t>
             </a:r>
+            <a:endParaRPr lang="en-US" altLang="ja-JP" sz="1050" dirty="0">
+              <a:latin typeface="Meiryo" panose="020B0604030504040204" pitchFamily="34" charset="-128"/>
+              <a:ea typeface="Meiryo" panose="020B0604030504040204" pitchFamily="34" charset="-128"/>
+            </a:endParaRPr>
+          </a:p>
+          <a:p>
+            <a:endParaRPr lang="en-US" altLang="ja-JP" sz="1050" dirty="0">
+              <a:latin typeface="Meiryo" panose="020B0604030504040204" pitchFamily="34" charset="-128"/>
+              <a:ea typeface="Meiryo" panose="020B0604030504040204" pitchFamily="34" charset="-128"/>
+            </a:endParaRPr>
+          </a:p>
+          <a:p>
+            <a:r>
+              <a:rPr lang="ja-JP" altLang="en-US" sz="1050">
+                <a:latin typeface="Meiryo" panose="020B0604030504040204" pitchFamily="34" charset="-128"/>
+                <a:ea typeface="Meiryo" panose="020B0604030504040204" pitchFamily="34" charset="-128"/>
+              </a:rPr>
+              <a:t>カーブ半径は試走会</a:t>
+            </a:r>
+            <a:r>
+              <a:rPr lang="en-US" altLang="ja-JP" sz="1050" dirty="0">
+                <a:latin typeface="Meiryo" panose="020B0604030504040204" pitchFamily="34" charset="-128"/>
+                <a:ea typeface="Meiryo" panose="020B0604030504040204" pitchFamily="34" charset="-128"/>
+              </a:rPr>
+              <a:t>1</a:t>
+            </a:r>
+            <a:r>
+              <a:rPr lang="ja-JP" altLang="en-US" sz="1050">
+                <a:latin typeface="Meiryo" panose="020B0604030504040204" pitchFamily="34" charset="-128"/>
+                <a:ea typeface="Meiryo" panose="020B0604030504040204" pitchFamily="34" charset="-128"/>
+              </a:rPr>
+              <a:t>で取得したログデータから算出した．</a:t>
+            </a:r>
+            <a:endParaRPr lang="en-US" altLang="ja-JP" sz="1050" dirty="0">
+              <a:latin typeface="Meiryo" panose="020B0604030504040204" pitchFamily="34" charset="-128"/>
+              <a:ea typeface="Meiryo" panose="020B0604030504040204" pitchFamily="34" charset="-128"/>
+            </a:endParaRPr>
+          </a:p>
+          <a:p>
+            <a:endParaRPr lang="en-US" altLang="ja-JP" sz="1050" dirty="0">
+              <a:latin typeface="Meiryo" panose="020B0604030504040204" pitchFamily="34" charset="-128"/>
+              <a:ea typeface="Meiryo" panose="020B0604030504040204" pitchFamily="34" charset="-128"/>
+            </a:endParaRPr>
+          </a:p>
+          <a:p>
+            <a:r>
+              <a:rPr lang="en-US" altLang="ja-JP" sz="1050" dirty="0">
+                <a:latin typeface="Meiryo" panose="020B0604030504040204" pitchFamily="34" charset="-128"/>
+                <a:ea typeface="Meiryo" panose="020B0604030504040204" pitchFamily="34" charset="-128"/>
+              </a:rPr>
+              <a:t>PID</a:t>
+            </a:r>
+            <a:r>
+              <a:rPr lang="ja-JP" altLang="en-US" sz="1050">
+                <a:latin typeface="Meiryo" panose="020B0604030504040204" pitchFamily="34" charset="-128"/>
+                <a:ea typeface="Meiryo" panose="020B0604030504040204" pitchFamily="34" charset="-128"/>
+              </a:rPr>
+              <a:t>パラメータは限界感度法によって算出したものを</a:t>
+            </a:r>
+            <a:r>
+              <a:rPr lang="en-US" altLang="ja-JP" sz="1050" dirty="0">
+                <a:latin typeface="Meiryo" panose="020B0604030504040204" pitchFamily="34" charset="-128"/>
+                <a:ea typeface="Meiryo" panose="020B0604030504040204" pitchFamily="34" charset="-128"/>
+              </a:rPr>
+              <a:t>Ki</a:t>
+            </a:r>
+            <a:r>
+              <a:rPr lang="ja-JP" altLang="en-US" sz="1050">
+                <a:latin typeface="Meiryo" panose="020B0604030504040204" pitchFamily="34" charset="-128"/>
+                <a:ea typeface="Meiryo" panose="020B0604030504040204" pitchFamily="34" charset="-128"/>
+              </a:rPr>
+              <a:t>のみ値を小さくして使用している．</a:t>
+            </a:r>
+            <a:endParaRPr lang="en-US" altLang="ja-JP" sz="1050" dirty="0">
+              <a:latin typeface="Meiryo" panose="020B0604030504040204" pitchFamily="34" charset="-128"/>
+              <a:ea typeface="Meiryo" panose="020B0604030504040204" pitchFamily="34" charset="-128"/>
+            </a:endParaRPr>
+          </a:p>
+          <a:p>
+            <a:endParaRPr lang="en-US" altLang="ja-JP" sz="1050" dirty="0">
+              <a:latin typeface="Meiryo" panose="020B0604030504040204" pitchFamily="34" charset="-128"/>
+              <a:ea typeface="Meiryo" panose="020B0604030504040204" pitchFamily="34" charset="-128"/>
+            </a:endParaRPr>
+          </a:p>
+          <a:p>
+            <a:r>
+              <a:rPr lang="ja-JP" altLang="en-US" sz="1050">
+                <a:latin typeface="Meiryo" panose="020B0604030504040204" pitchFamily="34" charset="-128"/>
+                <a:ea typeface="Meiryo" panose="020B0604030504040204" pitchFamily="34" charset="-128"/>
+              </a:rPr>
+              <a:t>前進量は曲率分類が</a:t>
+            </a:r>
+            <a:r>
+              <a:rPr lang="en-US" altLang="ja-JP" sz="1050" dirty="0">
+                <a:latin typeface="Meiryo" panose="020B0604030504040204" pitchFamily="34" charset="-128"/>
+                <a:ea typeface="Meiryo" panose="020B0604030504040204" pitchFamily="34" charset="-128"/>
+              </a:rPr>
+              <a:t>1</a:t>
+            </a:r>
+            <a:r>
+              <a:rPr lang="ja-JP" altLang="en-US" sz="1050">
+                <a:latin typeface="Meiryo" panose="020B0604030504040204" pitchFamily="34" charset="-128"/>
+                <a:ea typeface="Meiryo" panose="020B0604030504040204" pitchFamily="34" charset="-128"/>
+              </a:rPr>
+              <a:t>変化する場合は</a:t>
+            </a:r>
+            <a:r>
+              <a:rPr lang="en-US" altLang="ja-JP" sz="1050" dirty="0">
+                <a:latin typeface="Meiryo" panose="020B0604030504040204" pitchFamily="34" charset="-128"/>
+                <a:ea typeface="Meiryo" panose="020B0604030504040204" pitchFamily="34" charset="-128"/>
+              </a:rPr>
+              <a:t>8</a:t>
+            </a:r>
+            <a:r>
+              <a:rPr lang="ja-JP" altLang="en-US" sz="1050">
+                <a:latin typeface="Meiryo" panose="020B0604030504040204" pitchFamily="34" charset="-128"/>
+                <a:ea typeface="Meiryo" panose="020B0604030504040204" pitchFamily="34" charset="-128"/>
+              </a:rPr>
+              <a:t>，</a:t>
+            </a:r>
+            <a:r>
+              <a:rPr lang="en-US" altLang="ja-JP" sz="1050" dirty="0">
+                <a:latin typeface="Meiryo" panose="020B0604030504040204" pitchFamily="34" charset="-128"/>
+                <a:ea typeface="Meiryo" panose="020B0604030504040204" pitchFamily="34" charset="-128"/>
+              </a:rPr>
+              <a:t>2</a:t>
+            </a:r>
+            <a:r>
+              <a:rPr lang="ja-JP" altLang="en-US" sz="1050">
+                <a:latin typeface="Meiryo" panose="020B0604030504040204" pitchFamily="34" charset="-128"/>
+                <a:ea typeface="Meiryo" panose="020B0604030504040204" pitchFamily="34" charset="-128"/>
+              </a:rPr>
+              <a:t>変化する</a:t>
+            </a:r>
+            <a:endParaRPr lang="en-US" altLang="ja-JP" sz="1050" dirty="0">
+              <a:latin typeface="Meiryo" panose="020B0604030504040204" pitchFamily="34" charset="-128"/>
+              <a:ea typeface="Meiryo" panose="020B0604030504040204" pitchFamily="34" charset="-128"/>
+            </a:endParaRPr>
+          </a:p>
+          <a:p>
             <a:endParaRPr lang="en-US" altLang="ja-JP" sz="1050" dirty="0">
               <a:latin typeface="Meiryo" panose="020B0604030504040204" pitchFamily="34" charset="-128"/>
               <a:ea typeface="Meiryo" panose="020B0604030504040204" pitchFamily="34" charset="-128"/>
@@ -11595,10 +13414,10 @@
       </p:sp>
       <p:sp>
         <p:nvSpPr>
-          <p:cNvPr id="47" name="テキスト ボックス 46">
+          <p:cNvPr id="43" name="テキスト ボックス 42">
             <a:extLst>
               <a:ext uri="{FF2B5EF4-FFF2-40B4-BE49-F238E27FC236}">
-                <a16:creationId xmlns:a16="http://schemas.microsoft.com/office/drawing/2014/main" id="{DFEA75FD-5BC4-DA47-9AD1-001E18C4256A}"/>
+                <a16:creationId xmlns:a16="http://schemas.microsoft.com/office/drawing/2014/main" id="{933C4CDE-FD4B-EF48-9F6F-5251BC2EDD72}"/>
               </a:ext>
             </a:extLst>
           </p:cNvPr>
@@ -11607,7 +13426,7 @@
         </p:nvSpPr>
         <p:spPr>
           <a:xfrm>
-            <a:off x="217832" y="8108176"/>
+            <a:off x="168038" y="8146067"/>
             <a:ext cx="6118347" cy="253916"/>
           </a:xfrm>
           <a:prstGeom prst="rect">
@@ -11651,10 +13470,10 @@
       </p:sp>
       <p:sp>
         <p:nvSpPr>
-          <p:cNvPr id="64" name="テキスト ボックス 63">
+          <p:cNvPr id="44" name="テキスト ボックス 43">
             <a:extLst>
               <a:ext uri="{FF2B5EF4-FFF2-40B4-BE49-F238E27FC236}">
-                <a16:creationId xmlns:a16="http://schemas.microsoft.com/office/drawing/2014/main" id="{42CD1441-A9C9-4646-BDD2-BE8C878CCD03}"/>
+                <a16:creationId xmlns:a16="http://schemas.microsoft.com/office/drawing/2014/main" id="{46E833DF-7DE5-5E47-8C2C-97312B88A25E}"/>
               </a:ext>
             </a:extLst>
           </p:cNvPr>
@@ -11663,7 +13482,7 @@
         </p:nvSpPr>
         <p:spPr>
           <a:xfrm>
-            <a:off x="432466" y="3088745"/>
+            <a:off x="344713" y="3046775"/>
             <a:ext cx="2816996" cy="276999"/>
           </a:xfrm>
           <a:prstGeom prst="rect">
@@ -11748,10 +13567,10 @@
       </p:sp>
       <p:graphicFrame>
         <p:nvGraphicFramePr>
-          <p:cNvPr id="5" name="表 4">
+          <p:cNvPr id="45" name="表 44">
             <a:extLst>
               <a:ext uri="{FF2B5EF4-FFF2-40B4-BE49-F238E27FC236}">
-                <a16:creationId xmlns:a16="http://schemas.microsoft.com/office/drawing/2014/main" id="{959BD9C2-8E62-8144-ACC3-248397B64743}"/>
+                <a16:creationId xmlns:a16="http://schemas.microsoft.com/office/drawing/2014/main" id="{7216E635-9141-AA4C-852F-78728EA81620}"/>
               </a:ext>
             </a:extLst>
           </p:cNvPr>
@@ -11761,13 +13580,13 @@
           <p:nvPr>
             <p:extLst>
               <p:ext uri="{D42A27DB-BD31-4B8C-83A1-F6EECF244321}">
-                <p14:modId xmlns:p14="http://schemas.microsoft.com/office/powerpoint/2010/main" val="1442946222"/>
+                <p14:modId xmlns:p14="http://schemas.microsoft.com/office/powerpoint/2010/main" val="900177270"/>
               </p:ext>
             </p:extLst>
           </p:nvPr>
         </p:nvGraphicFramePr>
         <p:xfrm>
-          <a:off x="3048663" y="3305082"/>
+          <a:off x="2960910" y="3263112"/>
           <a:ext cx="3312001" cy="4023360"/>
         </p:xfrm>
         <a:graphic>
@@ -13268,57 +15087,220 @@
           </a:graphicData>
         </a:graphic>
       </p:graphicFrame>
-      <p:cxnSp>
-        <p:nvCxnSpPr>
-          <p:cNvPr id="68" name="直線コネクタ 67">
+      <p:grpSp>
+        <p:nvGrpSpPr>
+          <p:cNvPr id="46" name="グループ化 45">
             <a:extLst>
               <a:ext uri="{FF2B5EF4-FFF2-40B4-BE49-F238E27FC236}">
-                <a16:creationId xmlns:a16="http://schemas.microsoft.com/office/drawing/2014/main" id="{A6852175-695A-0941-A933-1F2DC110A8BD}"/>
+                <a16:creationId xmlns:a16="http://schemas.microsoft.com/office/drawing/2014/main" id="{42D33652-23C4-D44F-96BC-72DD77D4938D}"/>
               </a:ext>
             </a:extLst>
           </p:cNvPr>
-          <p:cNvCxnSpPr>
-            <a:cxnSpLocks/>
-            <a:stCxn id="11" idx="0"/>
-            <a:endCxn id="11" idx="2"/>
-          </p:cNvCxnSpPr>
+          <p:cNvGrpSpPr/>
           <p:nvPr/>
-        </p:nvCxnSpPr>
+        </p:nvGrpSpPr>
+        <p:grpSpPr>
+          <a:xfrm>
+            <a:off x="180303" y="7522730"/>
+            <a:ext cx="2683275" cy="430887"/>
+            <a:chOff x="298994" y="7392888"/>
+            <a:chExt cx="2683275" cy="430887"/>
+          </a:xfrm>
+        </p:grpSpPr>
+        <p:sp>
+          <p:nvSpPr>
+            <p:cNvPr id="47" name="ホームベース 46">
+              <a:extLst>
+                <a:ext uri="{FF2B5EF4-FFF2-40B4-BE49-F238E27FC236}">
+                  <a16:creationId xmlns:a16="http://schemas.microsoft.com/office/drawing/2014/main" id="{2ECA69F3-5F38-104D-AF49-808646130EA8}"/>
+                </a:ext>
+              </a:extLst>
+            </p:cNvPr>
+            <p:cNvSpPr/>
+            <p:nvPr/>
+          </p:nvSpPr>
+          <p:spPr>
+            <a:xfrm rot="10800000">
+              <a:off x="298994" y="7392888"/>
+              <a:ext cx="2683275" cy="407066"/>
+            </a:xfrm>
+            <a:prstGeom prst="homePlate">
+              <a:avLst/>
+            </a:prstGeom>
+            <a:noFill/>
+            <a:ln w="28575">
+              <a:solidFill>
+                <a:schemeClr val="accent6"/>
+              </a:solidFill>
+            </a:ln>
+          </p:spPr>
+          <p:style>
+            <a:lnRef idx="2">
+              <a:schemeClr val="accent1">
+                <a:shade val="50000"/>
+              </a:schemeClr>
+            </a:lnRef>
+            <a:fillRef idx="1">
+              <a:schemeClr val="accent1"/>
+            </a:fillRef>
+            <a:effectRef idx="0">
+              <a:schemeClr val="accent1"/>
+            </a:effectRef>
+            <a:fontRef idx="minor">
+              <a:schemeClr val="lt1"/>
+            </a:fontRef>
+          </p:style>
+          <p:txBody>
+            <a:bodyPr rtlCol="0" anchor="ctr"/>
+            <a:lstStyle/>
+            <a:p>
+              <a:pPr algn="ctr"/>
+              <a:endParaRPr kumimoji="1" lang="ja-JP" altLang="en-US"/>
+            </a:p>
+          </p:txBody>
+        </p:sp>
+        <p:sp>
+          <p:nvSpPr>
+            <p:cNvPr id="48" name="テキスト ボックス 47">
+              <a:extLst>
+                <a:ext uri="{FF2B5EF4-FFF2-40B4-BE49-F238E27FC236}">
+                  <a16:creationId xmlns:a16="http://schemas.microsoft.com/office/drawing/2014/main" id="{9E4984DA-E534-A442-8551-321E0DD14F64}"/>
+                </a:ext>
+              </a:extLst>
+            </p:cNvPr>
+            <p:cNvSpPr txBox="1"/>
+            <p:nvPr/>
+          </p:nvSpPr>
+          <p:spPr>
+            <a:xfrm>
+              <a:off x="558489" y="7392888"/>
+              <a:ext cx="2333473" cy="430887"/>
+            </a:xfrm>
+            <a:prstGeom prst="rect">
+              <a:avLst/>
+            </a:prstGeom>
+            <a:noFill/>
+          </p:spPr>
+          <p:txBody>
+            <a:bodyPr wrap="square" rtlCol="0">
+              <a:spAutoFit/>
+            </a:bodyPr>
+            <a:lstStyle/>
+            <a:p>
+              <a:pPr algn="ctr"/>
+              <a:r>
+                <a:rPr lang="ja-JP" altLang="en-US" sz="1100">
+                  <a:latin typeface="メイリオ" panose="020B0604030504040204" pitchFamily="50" charset="-128"/>
+                  <a:ea typeface="メイリオ" panose="020B0604030504040204" pitchFamily="50" charset="-128"/>
+                </a:rPr>
+                <a:t>具体的なパラメータの値は</a:t>
+              </a:r>
+              <a:endParaRPr lang="en-US" altLang="ja-JP" sz="1100" dirty="0">
+                <a:latin typeface="メイリオ" panose="020B0604030504040204" pitchFamily="50" charset="-128"/>
+                <a:ea typeface="メイリオ" panose="020B0604030504040204" pitchFamily="50" charset="-128"/>
+              </a:endParaRPr>
+            </a:p>
+            <a:p>
+              <a:pPr algn="ctr"/>
+              <a:r>
+                <a:rPr lang="ja-JP" altLang="en-US" sz="1100">
+                  <a:latin typeface="メイリオ" panose="020B0604030504040204" pitchFamily="50" charset="-128"/>
+                  <a:ea typeface="メイリオ" panose="020B0604030504040204" pitchFamily="50" charset="-128"/>
+                </a:rPr>
+                <a:t>「機能モデル</a:t>
+              </a:r>
+              <a:r>
+                <a:rPr lang="en-US" altLang="ja-JP" sz="1100" dirty="0">
+                  <a:latin typeface="メイリオ" panose="020B0604030504040204" pitchFamily="50" charset="-128"/>
+                  <a:ea typeface="メイリオ" panose="020B0604030504040204" pitchFamily="50" charset="-128"/>
+                </a:rPr>
+                <a:t> </a:t>
+              </a:r>
+              <a:r>
+                <a:rPr lang="ja-JP" altLang="en-US" sz="1100">
+                  <a:latin typeface="メイリオ" panose="020B0604030504040204" pitchFamily="50" charset="-128"/>
+                  <a:ea typeface="メイリオ" panose="020B0604030504040204" pitchFamily="50" charset="-128"/>
+                </a:rPr>
+                <a:t>補足</a:t>
+              </a:r>
+              <a:r>
+                <a:rPr lang="en-US" altLang="ja-JP" sz="1100" dirty="0">
+                  <a:latin typeface="メイリオ" panose="020B0604030504040204" pitchFamily="50" charset="-128"/>
+                  <a:ea typeface="メイリオ" panose="020B0604030504040204" pitchFamily="50" charset="-128"/>
+                </a:rPr>
+                <a:t>2.</a:t>
+              </a:r>
+              <a:r>
+                <a:rPr lang="ja-JP" altLang="en-US" sz="1100">
+                  <a:latin typeface="メイリオ" panose="020B0604030504040204" pitchFamily="50" charset="-128"/>
+                  <a:ea typeface="メイリオ" panose="020B0604030504040204" pitchFamily="50" charset="-128"/>
+                </a:rPr>
+                <a:t>」</a:t>
+              </a:r>
+              <a:r>
+                <a:rPr lang="en-US" altLang="ja-JP" sz="1100" dirty="0">
+                  <a:latin typeface="メイリオ" panose="020B0604030504040204" pitchFamily="50" charset="-128"/>
+                  <a:ea typeface="メイリオ" panose="020B0604030504040204" pitchFamily="50" charset="-128"/>
+                </a:rPr>
+                <a:t> </a:t>
+              </a:r>
+              <a:r>
+                <a:rPr lang="ja-JP" altLang="en-US" sz="1100">
+                  <a:latin typeface="メイリオ" panose="020B0604030504040204" pitchFamily="50" charset="-128"/>
+                  <a:ea typeface="メイリオ" panose="020B0604030504040204" pitchFamily="50" charset="-128"/>
+                </a:rPr>
+                <a:t>へ</a:t>
+              </a:r>
+              <a:endParaRPr kumimoji="1" lang="en-US" altLang="ja-JP" sz="1100" dirty="0">
+                <a:latin typeface="メイリオ" panose="020B0604030504040204" pitchFamily="50" charset="-128"/>
+                <a:ea typeface="メイリオ" panose="020B0604030504040204" pitchFamily="50" charset="-128"/>
+              </a:endParaRPr>
+            </a:p>
+          </p:txBody>
+        </p:sp>
+      </p:grpSp>
+      <p:pic>
+        <p:nvPicPr>
+          <p:cNvPr id="49" name="図 48">
+            <a:extLst>
+              <a:ext uri="{FF2B5EF4-FFF2-40B4-BE49-F238E27FC236}">
+                <a16:creationId xmlns:a16="http://schemas.microsoft.com/office/drawing/2014/main" id="{73893ED3-1A0D-FB44-99B4-A7F6336031A5}"/>
+              </a:ext>
+            </a:extLst>
+          </p:cNvPr>
+          <p:cNvPicPr>
+            <a:picLocks noChangeAspect="1"/>
+          </p:cNvPicPr>
+          <p:nvPr/>
+        </p:nvPicPr>
+        <p:blipFill>
+          <a:blip r:embed="rId2">
+            <a:extLst>
+              <a:ext uri="{28A0092B-C50C-407E-A947-70E740481C1C}">
+                <a14:useLocalDpi xmlns:a14="http://schemas.microsoft.com/office/drawing/2010/main" val="0"/>
+              </a:ext>
+            </a:extLst>
+          </a:blip>
+          <a:stretch>
+            <a:fillRect/>
+          </a:stretch>
+        </p:blipFill>
         <p:spPr>
           <a:xfrm>
-            <a:off x="6407675" y="890673"/>
-            <a:ext cx="0" cy="8784976"/>
+            <a:off x="2971547" y="7407174"/>
+            <a:ext cx="3335283" cy="652864"/>
           </a:xfrm>
-          <a:prstGeom prst="line">
+          <a:prstGeom prst="rect">
             <a:avLst/>
           </a:prstGeom>
-          <a:ln w="12700">
-            <a:solidFill>
-              <a:schemeClr val="accent6"/>
-            </a:solidFill>
-          </a:ln>
         </p:spPr>
-        <p:style>
-          <a:lnRef idx="1">
-            <a:schemeClr val="accent1"/>
-          </a:lnRef>
-          <a:fillRef idx="0">
-            <a:schemeClr val="accent1"/>
-          </a:fillRef>
-          <a:effectRef idx="0">
-            <a:schemeClr val="accent1"/>
-          </a:effectRef>
-          <a:fontRef idx="minor">
-            <a:schemeClr val="tx1"/>
-          </a:fontRef>
-        </p:style>
-      </p:cxnSp>
+      </p:pic>
       <p:sp>
         <p:nvSpPr>
-          <p:cNvPr id="70" name="テキスト ボックス 69">
+          <p:cNvPr id="51" name="テキスト ボックス 50">
             <a:extLst>
               <a:ext uri="{FF2B5EF4-FFF2-40B4-BE49-F238E27FC236}">
-                <a16:creationId xmlns:a16="http://schemas.microsoft.com/office/drawing/2014/main" id="{1E5E972A-B451-2240-A23B-A22DDB68365E}"/>
+                <a16:creationId xmlns:a16="http://schemas.microsoft.com/office/drawing/2014/main" id="{AA8B78CF-2CDB-5642-9741-1ADD182F2D38}"/>
               </a:ext>
             </a:extLst>
           </p:cNvPr>
@@ -13327,7 +15309,7 @@
         </p:nvSpPr>
         <p:spPr>
           <a:xfrm>
-            <a:off x="432465" y="8742456"/>
+            <a:off x="360875" y="8734256"/>
             <a:ext cx="5952295" cy="738664"/>
           </a:xfrm>
           <a:prstGeom prst="rect">
@@ -13378,10 +15360,10 @@
       </p:sp>
       <p:sp>
         <p:nvSpPr>
-          <p:cNvPr id="73" name="テキスト ボックス 72">
+          <p:cNvPr id="52" name="テキスト ボックス 51">
             <a:extLst>
               <a:ext uri="{FF2B5EF4-FFF2-40B4-BE49-F238E27FC236}">
-                <a16:creationId xmlns:a16="http://schemas.microsoft.com/office/drawing/2014/main" id="{275F3FC6-E7AA-B44E-B274-864AC40D8BC3}"/>
+                <a16:creationId xmlns:a16="http://schemas.microsoft.com/office/drawing/2014/main" id="{10F0F018-A977-9E42-B532-AAA022C64C2E}"/>
               </a:ext>
             </a:extLst>
           </p:cNvPr>
@@ -13390,7 +15372,78 @@
         </p:nvSpPr>
         <p:spPr>
           <a:xfrm>
-            <a:off x="6425559" y="3739034"/>
+            <a:off x="346600" y="8529998"/>
+            <a:ext cx="3422391" cy="276999"/>
+          </a:xfrm>
+          <a:prstGeom prst="rect">
+            <a:avLst/>
+          </a:prstGeom>
+          <a:noFill/>
+        </p:spPr>
+        <p:txBody>
+          <a:bodyPr wrap="square" rtlCol="0">
+            <a:spAutoFit/>
+          </a:bodyPr>
+          <a:lstStyle/>
+          <a:p>
+            <a:pPr>
+              <a:defRPr/>
+            </a:pPr>
+            <a:r>
+              <a:rPr lang="en-US" altLang="ja-JP" sz="1200" b="1" dirty="0">
+                <a:solidFill>
+                  <a:prstClr val="black"/>
+                </a:solidFill>
+                <a:latin typeface="Yu Gothic" panose="020B0400000000000000" pitchFamily="34" charset="-128"/>
+                <a:ea typeface="Yu Gothic" panose="020B0400000000000000" pitchFamily="34" charset="-128"/>
+              </a:rPr>
+              <a:t>3-2</a:t>
+            </a:r>
+            <a:r>
+              <a:rPr kumimoji="1" lang="ja-JP" altLang="en-US" sz="1200" b="1" u="none" strike="noStrike" kern="1200" cap="none" spc="0" normalizeH="0" baseline="0" noProof="0">
+                <a:ln>
+                  <a:noFill/>
+                </a:ln>
+                <a:solidFill>
+                  <a:prstClr val="black"/>
+                </a:solidFill>
+                <a:effectLst/>
+                <a:uLnTx/>
+                <a:uFillTx/>
+                <a:latin typeface="Yu Gothic" panose="020B0400000000000000" pitchFamily="34" charset="-128"/>
+                <a:ea typeface="Yu Gothic" panose="020B0400000000000000" pitchFamily="34" charset="-128"/>
+              </a:rPr>
+              <a:t>．</a:t>
+            </a:r>
+            <a:r>
+              <a:rPr lang="ja-JP" altLang="en-US" sz="1200" b="1">
+                <a:latin typeface="Yu Gothic" panose="020B0400000000000000" pitchFamily="34" charset="-128"/>
+                <a:ea typeface="Yu Gothic" panose="020B0400000000000000" pitchFamily="34" charset="-128"/>
+              </a:rPr>
+              <a:t>バッテリ電圧補償係数の導入</a:t>
+            </a:r>
+            <a:endParaRPr lang="en-US" altLang="ja-JP" sz="1200" b="1" dirty="0">
+              <a:latin typeface="Yu Gothic" panose="020B0400000000000000" pitchFamily="34" charset="-128"/>
+              <a:ea typeface="Yu Gothic" panose="020B0400000000000000" pitchFamily="34" charset="-128"/>
+            </a:endParaRPr>
+          </a:p>
+        </p:txBody>
+      </p:sp>
+      <p:sp>
+        <p:nvSpPr>
+          <p:cNvPr id="53" name="テキスト ボックス 52">
+            <a:extLst>
+              <a:ext uri="{FF2B5EF4-FFF2-40B4-BE49-F238E27FC236}">
+                <a16:creationId xmlns:a16="http://schemas.microsoft.com/office/drawing/2014/main" id="{975FFEA1-F3E7-8F43-8F76-D4F4C82DCA19}"/>
+              </a:ext>
+            </a:extLst>
+          </p:cNvPr>
+          <p:cNvSpPr txBox="1"/>
+          <p:nvPr/>
+        </p:nvSpPr>
+        <p:spPr>
+          <a:xfrm>
+            <a:off x="6436095" y="3619261"/>
             <a:ext cx="3148663" cy="415498"/>
           </a:xfrm>
           <a:prstGeom prst="rect">
@@ -13476,10 +15529,10 @@
       </p:sp>
       <p:sp>
         <p:nvSpPr>
-          <p:cNvPr id="74" name="テキスト ボックス 73">
+          <p:cNvPr id="54" name="テキスト ボックス 53">
             <a:extLst>
               <a:ext uri="{FF2B5EF4-FFF2-40B4-BE49-F238E27FC236}">
-                <a16:creationId xmlns:a16="http://schemas.microsoft.com/office/drawing/2014/main" id="{1CCC4E28-C853-2148-981C-A2432E43C59B}"/>
+                <a16:creationId xmlns:a16="http://schemas.microsoft.com/office/drawing/2014/main" id="{6AED1C66-01A1-114B-AF70-503F627B7BF7}"/>
               </a:ext>
             </a:extLst>
           </p:cNvPr>
@@ -13488,7 +15541,7 @@
         </p:nvSpPr>
         <p:spPr>
           <a:xfrm>
-            <a:off x="9591503" y="3780442"/>
+            <a:off x="9602039" y="3660669"/>
             <a:ext cx="3124077" cy="415498"/>
           </a:xfrm>
           <a:prstGeom prst="rect">
@@ -13518,10 +15571,10 @@
       </p:sp>
       <p:sp>
         <p:nvSpPr>
-          <p:cNvPr id="75" name="テキスト ボックス 74">
+          <p:cNvPr id="55" name="テキスト ボックス 54">
             <a:extLst>
               <a:ext uri="{FF2B5EF4-FFF2-40B4-BE49-F238E27FC236}">
-                <a16:creationId xmlns:a16="http://schemas.microsoft.com/office/drawing/2014/main" id="{5250210B-796D-0D4A-B074-C083B9905029}"/>
+                <a16:creationId xmlns:a16="http://schemas.microsoft.com/office/drawing/2014/main" id="{FF4C549C-A795-C14D-9175-5DEBF2794624}"/>
               </a:ext>
             </a:extLst>
           </p:cNvPr>
@@ -13530,7 +15583,7 @@
         </p:nvSpPr>
         <p:spPr>
           <a:xfrm>
-            <a:off x="6454687" y="4608010"/>
+            <a:off x="6465223" y="4488237"/>
             <a:ext cx="6194702" cy="415498"/>
           </a:xfrm>
           <a:prstGeom prst="rect">
@@ -13594,10 +15647,10 @@
       </p:sp>
       <p:grpSp>
         <p:nvGrpSpPr>
-          <p:cNvPr id="76" name="グループ化 75">
+          <p:cNvPr id="56" name="グループ化 55">
             <a:extLst>
               <a:ext uri="{FF2B5EF4-FFF2-40B4-BE49-F238E27FC236}">
-                <a16:creationId xmlns:a16="http://schemas.microsoft.com/office/drawing/2014/main" id="{21DB41AC-5503-DB4A-BB30-8FA7994E324E}"/>
+                <a16:creationId xmlns:a16="http://schemas.microsoft.com/office/drawing/2014/main" id="{70BFB63B-0A99-9449-90A6-60105AFFCA5A}"/>
               </a:ext>
             </a:extLst>
           </p:cNvPr>
@@ -13606,7 +15659,7 @@
         </p:nvGrpSpPr>
         <p:grpSpPr>
           <a:xfrm>
-            <a:off x="6611050" y="5422902"/>
+            <a:off x="6621586" y="5303129"/>
             <a:ext cx="6045735" cy="1211356"/>
             <a:chOff x="346464" y="6884441"/>
             <a:chExt cx="6045735" cy="1211356"/>
@@ -13614,10 +15667,10 @@
         </p:grpSpPr>
         <p:grpSp>
           <p:nvGrpSpPr>
-            <p:cNvPr id="77" name="グループ化 76">
+            <p:cNvPr id="57" name="グループ化 56">
               <a:extLst>
                 <a:ext uri="{FF2B5EF4-FFF2-40B4-BE49-F238E27FC236}">
-                  <a16:creationId xmlns:a16="http://schemas.microsoft.com/office/drawing/2014/main" id="{4A0BE9EF-3912-7A4E-90F3-E71CC6EF2944}"/>
+                  <a16:creationId xmlns:a16="http://schemas.microsoft.com/office/drawing/2014/main" id="{7306BF20-B708-2F4E-BC98-BDDB95A8F6E8}"/>
                 </a:ext>
               </a:extLst>
             </p:cNvPr>
@@ -13636,10 +15689,10 @@
             <mc:Choice Requires="a14">
               <p:sp>
                 <p:nvSpPr>
-                  <p:cNvPr id="86" name="テキスト ボックス 85">
+                  <p:cNvPr id="64" name="テキスト ボックス 63">
                     <a:extLst>
                       <a:ext uri="{FF2B5EF4-FFF2-40B4-BE49-F238E27FC236}">
-                        <a16:creationId xmlns:a16="http://schemas.microsoft.com/office/drawing/2014/main" id="{C6AE2285-3B97-5C4B-B9C2-CD05FA537B93}"/>
+                        <a16:creationId xmlns:a16="http://schemas.microsoft.com/office/drawing/2014/main" id="{1B5A837F-1732-3446-BD62-A136CC254D92}"/>
                       </a:ext>
                     </a:extLst>
                   </p:cNvPr>
@@ -14122,10 +16175,10 @@
           </mc:AlternateContent>
           <p:sp>
             <p:nvSpPr>
-              <p:cNvPr id="87" name="テキスト ボックス 86">
+              <p:cNvPr id="65" name="テキスト ボックス 64">
                 <a:extLst>
                   <a:ext uri="{FF2B5EF4-FFF2-40B4-BE49-F238E27FC236}">
-                    <a16:creationId xmlns:a16="http://schemas.microsoft.com/office/drawing/2014/main" id="{EC72E501-0650-2D4D-8943-907ECA99043F}"/>
+                    <a16:creationId xmlns:a16="http://schemas.microsoft.com/office/drawing/2014/main" id="{C58F89DF-B421-2748-896D-9022E798CDA6}"/>
                   </a:ext>
                 </a:extLst>
               </p:cNvPr>
@@ -14166,10 +16219,10 @@
         </p:grpSp>
         <p:grpSp>
           <p:nvGrpSpPr>
-            <p:cNvPr id="79" name="グループ化 78">
+            <p:cNvPr id="58" name="グループ化 57">
               <a:extLst>
                 <a:ext uri="{FF2B5EF4-FFF2-40B4-BE49-F238E27FC236}">
-                  <a16:creationId xmlns:a16="http://schemas.microsoft.com/office/drawing/2014/main" id="{74D31B22-ED7F-2848-A9FB-EE947F5A2364}"/>
+                  <a16:creationId xmlns:a16="http://schemas.microsoft.com/office/drawing/2014/main" id="{76111874-1970-7640-8DBC-BF593645588A}"/>
                 </a:ext>
               </a:extLst>
             </p:cNvPr>
@@ -14186,10 +16239,10 @@
           </p:grpSpPr>
           <p:grpSp>
             <p:nvGrpSpPr>
-              <p:cNvPr id="81" name="グループ化 80">
+              <p:cNvPr id="59" name="グループ化 58">
                 <a:extLst>
                   <a:ext uri="{FF2B5EF4-FFF2-40B4-BE49-F238E27FC236}">
-                    <a16:creationId xmlns:a16="http://schemas.microsoft.com/office/drawing/2014/main" id="{94A790BA-0C01-5840-9284-376010215F41}"/>
+                    <a16:creationId xmlns:a16="http://schemas.microsoft.com/office/drawing/2014/main" id="{5BDCC53F-A5B6-AB41-9EE6-5CCAA3537C74}"/>
                   </a:ext>
                 </a:extLst>
               </p:cNvPr>
@@ -14204,14 +16257,14 @@
                 <a:chExt cx="1914825" cy="988716"/>
               </a:xfrm>
             </p:grpSpPr>
-            <mc:AlternateContent xmlns:mc="http://schemas.openxmlformats.org/markup-compatibility/2006">
-              <mc:Choice xmlns:a14="http://schemas.microsoft.com/office/drawing/2010/main" Requires="a14">
+            <mc:AlternateContent xmlns:mc="http://schemas.openxmlformats.org/markup-compatibility/2006" xmlns:a14="http://schemas.microsoft.com/office/drawing/2010/main">
+              <mc:Choice Requires="a14">
                 <p:sp>
                   <p:nvSpPr>
-                    <p:cNvPr id="83" name="テキスト ボックス 82">
+                    <p:cNvPr id="61" name="テキスト ボックス 60">
                       <a:extLst>
                         <a:ext uri="{FF2B5EF4-FFF2-40B4-BE49-F238E27FC236}">
-                          <a16:creationId xmlns:a16="http://schemas.microsoft.com/office/drawing/2014/main" id="{34F28BD4-CA47-064C-9274-34DDDE4025D0}"/>
+                          <a16:creationId xmlns:a16="http://schemas.microsoft.com/office/drawing/2014/main" id="{CC54C565-B45C-8A4B-841C-40C498CA33F0}"/>
                         </a:ext>
                       </a:extLst>
                     </p:cNvPr>
@@ -14422,6 +16475,7 @@
                       </a:endParaRPr>
                     </a:p>
                     <a:p>
+                      <a:pPr/>
                       <a14:m>
                         <m:oMathPara xmlns:m="http://schemas.openxmlformats.org/officeDocument/2006/math">
                           <m:oMathParaPr>
@@ -14465,6 +16519,7 @@
                       </a:endParaRPr>
                     </a:p>
                     <a:p>
+                      <a:pPr/>
                       <a14:m>
                         <m:oMathPara xmlns:m="http://schemas.openxmlformats.org/officeDocument/2006/math">
                           <m:oMathParaPr>
@@ -14563,7 +16618,7 @@
                   </p:txBody>
                 </p:sp>
               </mc:Choice>
-              <mc:Fallback>
+              <mc:Fallback xmlns="">
                 <p:sp>
                   <p:nvSpPr>
                     <p:cNvPr id="83" name="テキスト ボックス 82">
@@ -14610,10 +16665,10 @@
             </mc:AlternateContent>
             <p:sp>
               <p:nvSpPr>
-                <p:cNvPr id="84" name="左大かっこ 83">
+                <p:cNvPr id="62" name="左大かっこ 61">
                   <a:extLst>
                     <a:ext uri="{FF2B5EF4-FFF2-40B4-BE49-F238E27FC236}">
-                      <a16:creationId xmlns:a16="http://schemas.microsoft.com/office/drawing/2014/main" id="{322BE263-226A-D44A-B3C5-3E3BFEC726A8}"/>
+                      <a16:creationId xmlns:a16="http://schemas.microsoft.com/office/drawing/2014/main" id="{9206517B-C1F4-8C4E-A5B9-70058015AC86}"/>
                     </a:ext>
                   </a:extLst>
                 </p:cNvPr>
@@ -14654,10 +16709,10 @@
             </p:sp>
             <p:sp>
               <p:nvSpPr>
-                <p:cNvPr id="85" name="左大かっこ 84">
+                <p:cNvPr id="63" name="左大かっこ 62">
                   <a:extLst>
                     <a:ext uri="{FF2B5EF4-FFF2-40B4-BE49-F238E27FC236}">
-                      <a16:creationId xmlns:a16="http://schemas.microsoft.com/office/drawing/2014/main" id="{25472B74-C5A6-4244-AF90-B29A0343B752}"/>
+                      <a16:creationId xmlns:a16="http://schemas.microsoft.com/office/drawing/2014/main" id="{3725525A-A5CE-EA40-96DD-764AA2EF7B7D}"/>
                     </a:ext>
                   </a:extLst>
                 </p:cNvPr>
@@ -14699,10 +16754,10 @@
           </p:grpSp>
           <p:sp>
             <p:nvSpPr>
-              <p:cNvPr id="82" name="テキスト ボックス 81">
+              <p:cNvPr id="60" name="テキスト ボックス 59">
                 <a:extLst>
                   <a:ext uri="{FF2B5EF4-FFF2-40B4-BE49-F238E27FC236}">
-                    <a16:creationId xmlns:a16="http://schemas.microsoft.com/office/drawing/2014/main" id="{81F72512-4E63-4840-9A4C-1D531A0284FA}"/>
+                    <a16:creationId xmlns:a16="http://schemas.microsoft.com/office/drawing/2014/main" id="{00DB84DB-4704-E74A-8592-0C2193DDE0FD}"/>
                   </a:ext>
                 </a:extLst>
               </p:cNvPr>
@@ -14943,83 +16998,12 @@
           </p:sp>
         </p:grpSp>
       </p:grpSp>
-      <p:sp>
-        <p:nvSpPr>
-          <p:cNvPr id="91" name="テキスト ボックス 90">
+      <p:cxnSp>
+        <p:nvCxnSpPr>
+          <p:cNvPr id="66" name="直線コネクタ 65">
             <a:extLst>
               <a:ext uri="{FF2B5EF4-FFF2-40B4-BE49-F238E27FC236}">
-                <a16:creationId xmlns:a16="http://schemas.microsoft.com/office/drawing/2014/main" id="{D8896126-DA26-D54C-A627-5F0F37543A38}"/>
-              </a:ext>
-            </a:extLst>
-          </p:cNvPr>
-          <p:cNvSpPr txBox="1"/>
-          <p:nvPr/>
-        </p:nvSpPr>
-        <p:spPr>
-          <a:xfrm>
-            <a:off x="432465" y="8484041"/>
-            <a:ext cx="3422391" cy="276999"/>
-          </a:xfrm>
-          <a:prstGeom prst="rect">
-            <a:avLst/>
-          </a:prstGeom>
-          <a:noFill/>
-        </p:spPr>
-        <p:txBody>
-          <a:bodyPr wrap="square" rtlCol="0">
-            <a:spAutoFit/>
-          </a:bodyPr>
-          <a:lstStyle/>
-          <a:p>
-            <a:pPr>
-              <a:defRPr/>
-            </a:pPr>
-            <a:r>
-              <a:rPr lang="en-US" altLang="ja-JP" sz="1200" b="1" dirty="0">
-                <a:solidFill>
-                  <a:prstClr val="black"/>
-                </a:solidFill>
-                <a:latin typeface="Yu Gothic" panose="020B0400000000000000" pitchFamily="34" charset="-128"/>
-                <a:ea typeface="Yu Gothic" panose="020B0400000000000000" pitchFamily="34" charset="-128"/>
-              </a:rPr>
-              <a:t>3-2</a:t>
-            </a:r>
-            <a:r>
-              <a:rPr kumimoji="1" lang="ja-JP" altLang="en-US" sz="1200" b="1" u="none" strike="noStrike" kern="1200" cap="none" spc="0" normalizeH="0" baseline="0" noProof="0">
-                <a:ln>
-                  <a:noFill/>
-                </a:ln>
-                <a:solidFill>
-                  <a:prstClr val="black"/>
-                </a:solidFill>
-                <a:effectLst/>
-                <a:uLnTx/>
-                <a:uFillTx/>
-                <a:latin typeface="Yu Gothic" panose="020B0400000000000000" pitchFamily="34" charset="-128"/>
-                <a:ea typeface="Yu Gothic" panose="020B0400000000000000" pitchFamily="34" charset="-128"/>
-              </a:rPr>
-              <a:t>．</a:t>
-            </a:r>
-            <a:r>
-              <a:rPr lang="ja-JP" altLang="en-US" sz="1200" b="1">
-                <a:latin typeface="Yu Gothic" panose="020B0400000000000000" pitchFamily="34" charset="-128"/>
-                <a:ea typeface="Yu Gothic" panose="020B0400000000000000" pitchFamily="34" charset="-128"/>
-              </a:rPr>
-              <a:t>バッテリ電圧補償係数の導入</a:t>
-            </a:r>
-            <a:endParaRPr lang="en-US" altLang="ja-JP" sz="1200" b="1" dirty="0">
-              <a:latin typeface="Yu Gothic" panose="020B0400000000000000" pitchFamily="34" charset="-128"/>
-              <a:ea typeface="Yu Gothic" panose="020B0400000000000000" pitchFamily="34" charset="-128"/>
-            </a:endParaRPr>
-          </a:p>
-        </p:txBody>
-      </p:sp>
-      <p:cxnSp>
-        <p:nvCxnSpPr>
-          <p:cNvPr id="95" name="直線コネクタ 94">
-            <a:extLst>
-              <a:ext uri="{FF2B5EF4-FFF2-40B4-BE49-F238E27FC236}">
-                <a16:creationId xmlns:a16="http://schemas.microsoft.com/office/drawing/2014/main" id="{5BE8798D-D1C7-9642-AC13-9717400461AB}"/>
+                <a16:creationId xmlns:a16="http://schemas.microsoft.com/office/drawing/2014/main" id="{FC95B6E8-4867-B745-92B5-CCEA085B98B4}"/>
               </a:ext>
             </a:extLst>
           </p:cNvPr>
@@ -15030,7 +17014,7 @@
         </p:nvCxnSpPr>
         <p:spPr>
           <a:xfrm>
-            <a:off x="9584200" y="895324"/>
+            <a:off x="9594736" y="775551"/>
             <a:ext cx="0" cy="3625127"/>
           </a:xfrm>
           <a:prstGeom prst="line">
@@ -15059,10 +17043,10 @@
       </p:cxnSp>
       <p:pic>
         <p:nvPicPr>
-          <p:cNvPr id="33" name="図 32">
+          <p:cNvPr id="67" name="図 66">
             <a:extLst>
               <a:ext uri="{FF2B5EF4-FFF2-40B4-BE49-F238E27FC236}">
-                <a16:creationId xmlns:a16="http://schemas.microsoft.com/office/drawing/2014/main" id="{54C0EAA5-C8C9-AF47-B7EF-3C774C73609B}"/>
+                <a16:creationId xmlns:a16="http://schemas.microsoft.com/office/drawing/2014/main" id="{01AF2874-C903-0144-80BE-36794EBE8E4A}"/>
               </a:ext>
             </a:extLst>
           </p:cNvPr>
@@ -15085,7 +17069,7 @@
         </p:blipFill>
         <p:spPr>
           <a:xfrm>
-            <a:off x="6711782" y="1653705"/>
+            <a:off x="6722318" y="1533932"/>
             <a:ext cx="2605805" cy="2000886"/>
           </a:xfrm>
           <a:prstGeom prst="rect">
@@ -15095,10 +17079,10 @@
       </p:pic>
       <p:sp>
         <p:nvSpPr>
-          <p:cNvPr id="96" name="テキスト ボックス 95">
+          <p:cNvPr id="68" name="テキスト ボックス 67">
             <a:extLst>
               <a:ext uri="{FF2B5EF4-FFF2-40B4-BE49-F238E27FC236}">
-                <a16:creationId xmlns:a16="http://schemas.microsoft.com/office/drawing/2014/main" id="{185FADC3-DD89-2548-8F60-0559C33EDB78}"/>
+                <a16:creationId xmlns:a16="http://schemas.microsoft.com/office/drawing/2014/main" id="{B54F274A-D745-BA47-8C44-5A6ADEC38209}"/>
               </a:ext>
             </a:extLst>
           </p:cNvPr>
@@ -15107,7 +17091,7 @@
         </p:nvSpPr>
         <p:spPr>
           <a:xfrm>
-            <a:off x="6442842" y="971402"/>
+            <a:off x="6453378" y="851629"/>
             <a:ext cx="3142560" cy="253916"/>
           </a:xfrm>
           <a:prstGeom prst="rect">
@@ -15138,10 +17122,10 @@
       </p:sp>
       <p:sp>
         <p:nvSpPr>
-          <p:cNvPr id="97" name="テキスト ボックス 96">
+          <p:cNvPr id="69" name="テキスト ボックス 68">
             <a:extLst>
               <a:ext uri="{FF2B5EF4-FFF2-40B4-BE49-F238E27FC236}">
-                <a16:creationId xmlns:a16="http://schemas.microsoft.com/office/drawing/2014/main" id="{8E85E9CF-A59C-C749-9CEC-D5E0D5DC31F8}"/>
+                <a16:creationId xmlns:a16="http://schemas.microsoft.com/office/drawing/2014/main" id="{BA241F6D-34A7-F14D-8D40-52D0EBE1D886}"/>
               </a:ext>
             </a:extLst>
           </p:cNvPr>
@@ -15150,7 +17134,7 @@
         </p:nvSpPr>
         <p:spPr>
           <a:xfrm>
-            <a:off x="9574222" y="975308"/>
+            <a:off x="9584758" y="855535"/>
             <a:ext cx="3141786" cy="253916"/>
           </a:xfrm>
           <a:prstGeom prst="rect">
@@ -15181,10 +17165,10 @@
       </p:sp>
       <p:sp>
         <p:nvSpPr>
-          <p:cNvPr id="98" name="テキスト ボックス 97">
+          <p:cNvPr id="70" name="テキスト ボックス 69">
             <a:extLst>
               <a:ext uri="{FF2B5EF4-FFF2-40B4-BE49-F238E27FC236}">
-                <a16:creationId xmlns:a16="http://schemas.microsoft.com/office/drawing/2014/main" id="{9CC5E9C5-0A84-D348-835C-017BA42A9783}"/>
+                <a16:creationId xmlns:a16="http://schemas.microsoft.com/office/drawing/2014/main" id="{037F7951-C327-2C48-B296-FB8E43C509C4}"/>
               </a:ext>
             </a:extLst>
           </p:cNvPr>
@@ -15193,7 +17177,7 @@
         </p:nvSpPr>
         <p:spPr>
           <a:xfrm>
-            <a:off x="6442841" y="1210141"/>
+            <a:off x="6453377" y="1090368"/>
             <a:ext cx="3131381" cy="415498"/>
           </a:xfrm>
           <a:prstGeom prst="rect">
@@ -15265,10 +17249,10 @@
       </p:sp>
       <p:sp>
         <p:nvSpPr>
-          <p:cNvPr id="100" name="テキスト ボックス 99">
+          <p:cNvPr id="71" name="テキスト ボックス 70">
             <a:extLst>
               <a:ext uri="{FF2B5EF4-FFF2-40B4-BE49-F238E27FC236}">
-                <a16:creationId xmlns:a16="http://schemas.microsoft.com/office/drawing/2014/main" id="{F48A2C76-6B09-994B-8F70-B47EF9195157}"/>
+                <a16:creationId xmlns:a16="http://schemas.microsoft.com/office/drawing/2014/main" id="{23C847CC-1B8D-DF46-A8F1-A36BE8BCF813}"/>
               </a:ext>
             </a:extLst>
           </p:cNvPr>
@@ -15277,7 +17261,7 @@
         </p:nvSpPr>
         <p:spPr>
           <a:xfrm>
-            <a:off x="9584627" y="1212844"/>
+            <a:off x="9595163" y="1093071"/>
             <a:ext cx="3131381" cy="415498"/>
           </a:xfrm>
           <a:prstGeom prst="rect">
@@ -15335,10 +17319,10 @@
       </p:sp>
       <p:grpSp>
         <p:nvGrpSpPr>
-          <p:cNvPr id="118" name="グループ化 117">
+          <p:cNvPr id="72" name="グループ化 71">
             <a:extLst>
               <a:ext uri="{FF2B5EF4-FFF2-40B4-BE49-F238E27FC236}">
-                <a16:creationId xmlns:a16="http://schemas.microsoft.com/office/drawing/2014/main" id="{131C7B98-B975-C94C-AE85-E77CAF268CAA}"/>
+                <a16:creationId xmlns:a16="http://schemas.microsoft.com/office/drawing/2014/main" id="{3C3231F0-72C3-A74C-8893-F72C3FD5D977}"/>
               </a:ext>
             </a:extLst>
           </p:cNvPr>
@@ -15347,7 +17331,7 @@
         </p:nvGrpSpPr>
         <p:grpSpPr>
           <a:xfrm>
-            <a:off x="9725113" y="4104953"/>
+            <a:off x="9735649" y="3985180"/>
             <a:ext cx="2965206" cy="415498"/>
             <a:chOff x="9725113" y="4104953"/>
             <a:chExt cx="2965206" cy="415498"/>
@@ -15355,10 +17339,10 @@
         </p:grpSpPr>
         <p:sp>
           <p:nvSpPr>
-            <p:cNvPr id="105" name="テキスト ボックス 104">
+            <p:cNvPr id="73" name="テキスト ボックス 72">
               <a:extLst>
                 <a:ext uri="{FF2B5EF4-FFF2-40B4-BE49-F238E27FC236}">
-                  <a16:creationId xmlns:a16="http://schemas.microsoft.com/office/drawing/2014/main" id="{142C2069-4683-0C41-BAFD-DF2216F1F808}"/>
+                  <a16:creationId xmlns:a16="http://schemas.microsoft.com/office/drawing/2014/main" id="{C15CE7B7-FC49-5A46-8FE7-533617716B90}"/>
                 </a:ext>
               </a:extLst>
             </p:cNvPr>
@@ -15397,10 +17381,10 @@
         </p:sp>
         <p:sp>
           <p:nvSpPr>
-            <p:cNvPr id="106" name="三角形 105">
+            <p:cNvPr id="74" name="三角形 73">
               <a:extLst>
                 <a:ext uri="{FF2B5EF4-FFF2-40B4-BE49-F238E27FC236}">
-                  <a16:creationId xmlns:a16="http://schemas.microsoft.com/office/drawing/2014/main" id="{C602AA64-3901-864D-8E65-AE2789901212}"/>
+                  <a16:creationId xmlns:a16="http://schemas.microsoft.com/office/drawing/2014/main" id="{E5A27E3E-2470-2A49-91D0-A23885FE9C67}"/>
                 </a:ext>
               </a:extLst>
             </p:cNvPr>
@@ -15450,10 +17434,10 @@
       </p:grpSp>
       <p:grpSp>
         <p:nvGrpSpPr>
-          <p:cNvPr id="119" name="グループ化 118">
+          <p:cNvPr id="75" name="グループ化 74">
             <a:extLst>
               <a:ext uri="{FF2B5EF4-FFF2-40B4-BE49-F238E27FC236}">
-                <a16:creationId xmlns:a16="http://schemas.microsoft.com/office/drawing/2014/main" id="{3EE1B724-AF2A-CF43-9A76-281468E1F930}"/>
+                <a16:creationId xmlns:a16="http://schemas.microsoft.com/office/drawing/2014/main" id="{B0737A65-F625-B145-A3BE-D9A674EBC63F}"/>
               </a:ext>
             </a:extLst>
           </p:cNvPr>
@@ -15462,7 +17446,7 @@
         </p:nvGrpSpPr>
         <p:grpSpPr>
           <a:xfrm>
-            <a:off x="6608941" y="4105673"/>
+            <a:off x="6619477" y="3985900"/>
             <a:ext cx="2965206" cy="415498"/>
             <a:chOff x="9725113" y="4104953"/>
             <a:chExt cx="2965206" cy="415498"/>
@@ -15470,10 +17454,10 @@
         </p:grpSpPr>
         <p:sp>
           <p:nvSpPr>
-            <p:cNvPr id="120" name="テキスト ボックス 119">
+            <p:cNvPr id="76" name="テキスト ボックス 75">
               <a:extLst>
                 <a:ext uri="{FF2B5EF4-FFF2-40B4-BE49-F238E27FC236}">
-                  <a16:creationId xmlns:a16="http://schemas.microsoft.com/office/drawing/2014/main" id="{109E48B6-43B4-7846-95D8-8F69407F4DBC}"/>
+                  <a16:creationId xmlns:a16="http://schemas.microsoft.com/office/drawing/2014/main" id="{A09841EE-7AEB-7C40-9E88-7C5613233E5E}"/>
                 </a:ext>
               </a:extLst>
             </p:cNvPr>
@@ -15512,10 +17496,10 @@
         </p:sp>
         <p:sp>
           <p:nvSpPr>
-            <p:cNvPr id="121" name="三角形 120">
+            <p:cNvPr id="77" name="三角形 76">
               <a:extLst>
                 <a:ext uri="{FF2B5EF4-FFF2-40B4-BE49-F238E27FC236}">
-                  <a16:creationId xmlns:a16="http://schemas.microsoft.com/office/drawing/2014/main" id="{D7440564-27A4-3A47-AF47-0C773170B7C5}"/>
+                  <a16:creationId xmlns:a16="http://schemas.microsoft.com/office/drawing/2014/main" id="{F92B22BE-1F7A-024D-9BDC-717A8BDEF3D5}"/>
                 </a:ext>
               </a:extLst>
             </p:cNvPr>
@@ -15563,609 +17547,12 @@
           </p:txBody>
         </p:sp>
       </p:grpSp>
-      <p:grpSp>
-        <p:nvGrpSpPr>
-          <p:cNvPr id="113" name="グループ化 112">
+      <p:pic>
+        <p:nvPicPr>
+          <p:cNvPr id="78" name="図 77">
             <a:extLst>
               <a:ext uri="{FF2B5EF4-FFF2-40B4-BE49-F238E27FC236}">
-                <a16:creationId xmlns:a16="http://schemas.microsoft.com/office/drawing/2014/main" id="{60BDD774-6BA9-B64B-B785-1535AFACE913}"/>
-              </a:ext>
-            </a:extLst>
-          </p:cNvPr>
-          <p:cNvGrpSpPr/>
-          <p:nvPr/>
-        </p:nvGrpSpPr>
-        <p:grpSpPr>
-          <a:xfrm>
-            <a:off x="6449861" y="6965824"/>
-            <a:ext cx="6105560" cy="353436"/>
-            <a:chOff x="199428" y="862607"/>
-            <a:chExt cx="3895488" cy="353436"/>
-          </a:xfrm>
-        </p:grpSpPr>
-        <p:cxnSp>
-          <p:nvCxnSpPr>
-            <p:cNvPr id="114" name="直線コネクタ 113">
-              <a:extLst>
-                <a:ext uri="{FF2B5EF4-FFF2-40B4-BE49-F238E27FC236}">
-                  <a16:creationId xmlns:a16="http://schemas.microsoft.com/office/drawing/2014/main" id="{4B060A29-FE20-EE43-A583-47E58800124E}"/>
-                </a:ext>
-              </a:extLst>
-            </p:cNvPr>
-            <p:cNvCxnSpPr>
-              <a:cxnSpLocks/>
-            </p:cNvCxnSpPr>
-            <p:nvPr/>
-          </p:nvCxnSpPr>
-          <p:spPr>
-            <a:xfrm>
-              <a:off x="285140" y="1216043"/>
-              <a:ext cx="3809776" cy="0"/>
-            </a:xfrm>
-            <a:prstGeom prst="line">
-              <a:avLst/>
-            </a:prstGeom>
-            <a:ln w="38100">
-              <a:solidFill>
-                <a:schemeClr val="accent6"/>
-              </a:solidFill>
-            </a:ln>
-          </p:spPr>
-          <p:style>
-            <a:lnRef idx="1">
-              <a:schemeClr val="accent1"/>
-            </a:lnRef>
-            <a:fillRef idx="0">
-              <a:schemeClr val="accent1"/>
-            </a:fillRef>
-            <a:effectRef idx="0">
-              <a:schemeClr val="accent1"/>
-            </a:effectRef>
-            <a:fontRef idx="minor">
-              <a:schemeClr val="tx1"/>
-            </a:fontRef>
-          </p:style>
-        </p:cxnSp>
-        <p:sp>
-          <p:nvSpPr>
-            <p:cNvPr id="115" name="テキスト ボックス 114">
-              <a:extLst>
-                <a:ext uri="{FF2B5EF4-FFF2-40B4-BE49-F238E27FC236}">
-                  <a16:creationId xmlns:a16="http://schemas.microsoft.com/office/drawing/2014/main" id="{3904C7EE-CB92-574C-B961-D9C6AFE022F9}"/>
-                </a:ext>
-              </a:extLst>
-            </p:cNvPr>
-            <p:cNvSpPr txBox="1"/>
-            <p:nvPr/>
-          </p:nvSpPr>
-          <p:spPr>
-            <a:xfrm>
-              <a:off x="199428" y="862607"/>
-              <a:ext cx="2816996" cy="338554"/>
-            </a:xfrm>
-            <a:prstGeom prst="rect">
-              <a:avLst/>
-            </a:prstGeom>
-            <a:noFill/>
-          </p:spPr>
-          <p:txBody>
-            <a:bodyPr wrap="square" rtlCol="0">
-              <a:spAutoFit/>
-            </a:bodyPr>
-            <a:lstStyle/>
-            <a:p>
-              <a:pPr marL="0" marR="0" lvl="0" indent="0" algn="l" defTabSz="914400" rtl="0" eaLnBrk="1" fontAlgn="base" latinLnBrk="0" hangingPunct="1">
-                <a:lnSpc>
-                  <a:spcPct val="100000"/>
-                </a:lnSpc>
-                <a:spcBef>
-                  <a:spcPct val="0"/>
-                </a:spcBef>
-                <a:spcAft>
-                  <a:spcPct val="0"/>
-                </a:spcAft>
-                <a:buClrTx/>
-                <a:buSzTx/>
-                <a:buFontTx/>
-                <a:buNone/>
-                <a:tabLst/>
-                <a:defRPr/>
-              </a:pPr>
-              <a:r>
-                <a:rPr lang="en-US" altLang="ja-JP" b="1" dirty="0">
-                  <a:solidFill>
-                    <a:prstClr val="black"/>
-                  </a:solidFill>
-                  <a:latin typeface="Yu Gothic" panose="020B0400000000000000" pitchFamily="34" charset="-128"/>
-                  <a:ea typeface="Yu Gothic" panose="020B0400000000000000" pitchFamily="34" charset="-128"/>
-                </a:rPr>
-                <a:t>4</a:t>
-              </a:r>
-              <a:r>
-                <a:rPr kumimoji="1" lang="ja-JP" altLang="en-US" sz="1600" b="1" u="none" strike="noStrike" kern="1200" cap="none" spc="0" normalizeH="0" baseline="0" noProof="0">
-                  <a:ln>
-                    <a:noFill/>
-                  </a:ln>
-                  <a:solidFill>
-                    <a:prstClr val="black"/>
-                  </a:solidFill>
-                  <a:effectLst/>
-                  <a:uLnTx/>
-                  <a:uFillTx/>
-                  <a:latin typeface="Yu Gothic" panose="020B0400000000000000" pitchFamily="34" charset="-128"/>
-                  <a:ea typeface="Yu Gothic" panose="020B0400000000000000" pitchFamily="34" charset="-128"/>
-                </a:rPr>
-                <a:t>．効果の検証</a:t>
-              </a:r>
-              <a:endParaRPr kumimoji="1" lang="en-US" altLang="ja-JP" sz="1600" b="1" u="none" strike="noStrike" kern="1200" cap="none" spc="0" normalizeH="0" baseline="0" noProof="0" dirty="0">
-                <a:ln>
-                  <a:noFill/>
-                </a:ln>
-                <a:solidFill>
-                  <a:prstClr val="black"/>
-                </a:solidFill>
-                <a:effectLst/>
-                <a:uLnTx/>
-                <a:uFillTx/>
-                <a:latin typeface="Yu Gothic" panose="020B0400000000000000" pitchFamily="34" charset="-128"/>
-                <a:ea typeface="Yu Gothic" panose="020B0400000000000000" pitchFamily="34" charset="-128"/>
-              </a:endParaRPr>
-            </a:p>
-          </p:txBody>
-        </p:sp>
-      </p:grpSp>
-      <p:grpSp>
-        <p:nvGrpSpPr>
-          <p:cNvPr id="18" name="グループ化 17">
-            <a:extLst>
-              <a:ext uri="{FF2B5EF4-FFF2-40B4-BE49-F238E27FC236}">
-                <a16:creationId xmlns:a16="http://schemas.microsoft.com/office/drawing/2014/main" id="{B9800228-0B50-3C40-A5FB-EAF62526448F}"/>
-              </a:ext>
-            </a:extLst>
-          </p:cNvPr>
-          <p:cNvGrpSpPr/>
-          <p:nvPr/>
-        </p:nvGrpSpPr>
-        <p:grpSpPr>
-          <a:xfrm>
-            <a:off x="189133" y="7608912"/>
-            <a:ext cx="2683275" cy="430887"/>
-            <a:chOff x="298994" y="7392888"/>
-            <a:chExt cx="2683275" cy="430887"/>
-          </a:xfrm>
-        </p:grpSpPr>
-        <p:sp>
-          <p:nvSpPr>
-            <p:cNvPr id="122" name="ホームベース 121">
-              <a:extLst>
-                <a:ext uri="{FF2B5EF4-FFF2-40B4-BE49-F238E27FC236}">
-                  <a16:creationId xmlns:a16="http://schemas.microsoft.com/office/drawing/2014/main" id="{20580AC6-B0EC-D04E-BC74-1F62A1638196}"/>
-                </a:ext>
-              </a:extLst>
-            </p:cNvPr>
-            <p:cNvSpPr/>
-            <p:nvPr/>
-          </p:nvSpPr>
-          <p:spPr>
-            <a:xfrm rot="10800000">
-              <a:off x="298994" y="7392888"/>
-              <a:ext cx="2683275" cy="407066"/>
-            </a:xfrm>
-            <a:prstGeom prst="homePlate">
-              <a:avLst/>
-            </a:prstGeom>
-            <a:noFill/>
-            <a:ln w="28575">
-              <a:solidFill>
-                <a:schemeClr val="accent6"/>
-              </a:solidFill>
-            </a:ln>
-          </p:spPr>
-          <p:style>
-            <a:lnRef idx="2">
-              <a:schemeClr val="accent1">
-                <a:shade val="50000"/>
-              </a:schemeClr>
-            </a:lnRef>
-            <a:fillRef idx="1">
-              <a:schemeClr val="accent1"/>
-            </a:fillRef>
-            <a:effectRef idx="0">
-              <a:schemeClr val="accent1"/>
-            </a:effectRef>
-            <a:fontRef idx="minor">
-              <a:schemeClr val="lt1"/>
-            </a:fontRef>
-          </p:style>
-          <p:txBody>
-            <a:bodyPr rtlCol="0" anchor="ctr"/>
-            <a:lstStyle/>
-            <a:p>
-              <a:pPr algn="ctr"/>
-              <a:endParaRPr kumimoji="1" lang="ja-JP" altLang="en-US"/>
-            </a:p>
-          </p:txBody>
-        </p:sp>
-        <p:sp>
-          <p:nvSpPr>
-            <p:cNvPr id="123" name="テキスト ボックス 122">
-              <a:extLst>
-                <a:ext uri="{FF2B5EF4-FFF2-40B4-BE49-F238E27FC236}">
-                  <a16:creationId xmlns:a16="http://schemas.microsoft.com/office/drawing/2014/main" id="{5DAA5E7C-7FD1-9243-8FF0-82AC330B92FD}"/>
-                </a:ext>
-              </a:extLst>
-            </p:cNvPr>
-            <p:cNvSpPr txBox="1"/>
-            <p:nvPr/>
-          </p:nvSpPr>
-          <p:spPr>
-            <a:xfrm>
-              <a:off x="558489" y="7392888"/>
-              <a:ext cx="2333473" cy="430887"/>
-            </a:xfrm>
-            <a:prstGeom prst="rect">
-              <a:avLst/>
-            </a:prstGeom>
-            <a:noFill/>
-          </p:spPr>
-          <p:txBody>
-            <a:bodyPr wrap="square" rtlCol="0">
-              <a:spAutoFit/>
-            </a:bodyPr>
-            <a:lstStyle/>
-            <a:p>
-              <a:pPr algn="ctr"/>
-              <a:r>
-                <a:rPr lang="ja-JP" altLang="en-US" sz="1100">
-                  <a:latin typeface="メイリオ" panose="020B0604030504040204" pitchFamily="50" charset="-128"/>
-                  <a:ea typeface="メイリオ" panose="020B0604030504040204" pitchFamily="50" charset="-128"/>
-                </a:rPr>
-                <a:t>具体的なパラメータの値は</a:t>
-              </a:r>
-              <a:endParaRPr lang="en-US" altLang="ja-JP" sz="1100" dirty="0">
-                <a:latin typeface="メイリオ" panose="020B0604030504040204" pitchFamily="50" charset="-128"/>
-                <a:ea typeface="メイリオ" panose="020B0604030504040204" pitchFamily="50" charset="-128"/>
-              </a:endParaRPr>
-            </a:p>
-            <a:p>
-              <a:pPr algn="ctr"/>
-              <a:r>
-                <a:rPr lang="ja-JP" altLang="en-US" sz="1100">
-                  <a:latin typeface="メイリオ" panose="020B0604030504040204" pitchFamily="50" charset="-128"/>
-                  <a:ea typeface="メイリオ" panose="020B0604030504040204" pitchFamily="50" charset="-128"/>
-                </a:rPr>
-                <a:t>機能モデル補足</a:t>
-              </a:r>
-              <a:r>
-                <a:rPr lang="en-US" altLang="ja-JP" sz="1100" dirty="0">
-                  <a:latin typeface="メイリオ" panose="020B0604030504040204" pitchFamily="50" charset="-128"/>
-                  <a:ea typeface="メイリオ" panose="020B0604030504040204" pitchFamily="50" charset="-128"/>
-                </a:rPr>
-                <a:t>2. </a:t>
-              </a:r>
-              <a:r>
-                <a:rPr lang="ja-JP" altLang="en-US" sz="1100">
-                  <a:latin typeface="メイリオ" panose="020B0604030504040204" pitchFamily="50" charset="-128"/>
-                  <a:ea typeface="メイリオ" panose="020B0604030504040204" pitchFamily="50" charset="-128"/>
-                </a:rPr>
-                <a:t>へ</a:t>
-              </a:r>
-              <a:endParaRPr kumimoji="1" lang="en-US" altLang="ja-JP" sz="1100" dirty="0">
-                <a:latin typeface="メイリオ" panose="020B0604030504040204" pitchFamily="50" charset="-128"/>
-                <a:ea typeface="メイリオ" panose="020B0604030504040204" pitchFamily="50" charset="-128"/>
-              </a:endParaRPr>
-            </a:p>
-          </p:txBody>
-        </p:sp>
-      </p:grpSp>
-      <p:grpSp>
-        <p:nvGrpSpPr>
-          <p:cNvPr id="130" name="グループ化 129">
-            <a:extLst>
-              <a:ext uri="{FF2B5EF4-FFF2-40B4-BE49-F238E27FC236}">
-                <a16:creationId xmlns:a16="http://schemas.microsoft.com/office/drawing/2014/main" id="{176B799B-D881-744F-A5CD-B51C7F5380E3}"/>
-              </a:ext>
-            </a:extLst>
-          </p:cNvPr>
-          <p:cNvGrpSpPr/>
-          <p:nvPr/>
-        </p:nvGrpSpPr>
-        <p:grpSpPr>
-          <a:xfrm>
-            <a:off x="126521" y="918573"/>
-            <a:ext cx="6252559" cy="347516"/>
-            <a:chOff x="131524" y="868527"/>
-            <a:chExt cx="3963392" cy="347516"/>
-          </a:xfrm>
-        </p:grpSpPr>
-        <p:cxnSp>
-          <p:nvCxnSpPr>
-            <p:cNvPr id="131" name="直線コネクタ 130">
-              <a:extLst>
-                <a:ext uri="{FF2B5EF4-FFF2-40B4-BE49-F238E27FC236}">
-                  <a16:creationId xmlns:a16="http://schemas.microsoft.com/office/drawing/2014/main" id="{38063C65-9DA7-DB43-8ECD-4BDAFB9EB782}"/>
-                </a:ext>
-              </a:extLst>
-            </p:cNvPr>
-            <p:cNvCxnSpPr>
-              <a:cxnSpLocks/>
-            </p:cNvCxnSpPr>
-            <p:nvPr/>
-          </p:nvCxnSpPr>
-          <p:spPr>
-            <a:xfrm>
-              <a:off x="157712" y="1216043"/>
-              <a:ext cx="3937204" cy="0"/>
-            </a:xfrm>
-            <a:prstGeom prst="line">
-              <a:avLst/>
-            </a:prstGeom>
-            <a:ln w="38100">
-              <a:solidFill>
-                <a:schemeClr val="accent6"/>
-              </a:solidFill>
-            </a:ln>
-          </p:spPr>
-          <p:style>
-            <a:lnRef idx="1">
-              <a:schemeClr val="accent1"/>
-            </a:lnRef>
-            <a:fillRef idx="0">
-              <a:schemeClr val="accent1"/>
-            </a:fillRef>
-            <a:effectRef idx="0">
-              <a:schemeClr val="accent1"/>
-            </a:effectRef>
-            <a:fontRef idx="minor">
-              <a:schemeClr val="tx1"/>
-            </a:fontRef>
-          </p:style>
-        </p:cxnSp>
-        <p:sp>
-          <p:nvSpPr>
-            <p:cNvPr id="132" name="テキスト ボックス 131">
-              <a:extLst>
-                <a:ext uri="{FF2B5EF4-FFF2-40B4-BE49-F238E27FC236}">
-                  <a16:creationId xmlns:a16="http://schemas.microsoft.com/office/drawing/2014/main" id="{7397550B-068B-874B-9670-98CA1802FCB7}"/>
-                </a:ext>
-              </a:extLst>
-            </p:cNvPr>
-            <p:cNvSpPr txBox="1"/>
-            <p:nvPr/>
-          </p:nvSpPr>
-          <p:spPr>
-            <a:xfrm>
-              <a:off x="131524" y="868527"/>
-              <a:ext cx="2816996" cy="338554"/>
-            </a:xfrm>
-            <a:prstGeom prst="rect">
-              <a:avLst/>
-            </a:prstGeom>
-            <a:noFill/>
-          </p:spPr>
-          <p:txBody>
-            <a:bodyPr wrap="square" rtlCol="0">
-              <a:spAutoFit/>
-            </a:bodyPr>
-            <a:lstStyle/>
-            <a:p>
-              <a:pPr marL="0" marR="0" lvl="0" indent="0" algn="l" defTabSz="914400" rtl="0" eaLnBrk="1" fontAlgn="base" latinLnBrk="0" hangingPunct="1">
-                <a:lnSpc>
-                  <a:spcPct val="100000"/>
-                </a:lnSpc>
-                <a:spcBef>
-                  <a:spcPct val="0"/>
-                </a:spcBef>
-                <a:spcAft>
-                  <a:spcPct val="0"/>
-                </a:spcAft>
-                <a:buClrTx/>
-                <a:buSzTx/>
-                <a:buFontTx/>
-                <a:buNone/>
-                <a:tabLst/>
-                <a:defRPr/>
-              </a:pPr>
-              <a:r>
-                <a:rPr kumimoji="1" lang="en-US" altLang="ja-JP" sz="1600" b="1" u="none" strike="noStrike" kern="1200" cap="none" spc="0" normalizeH="0" baseline="0" noProof="0" dirty="0">
-                  <a:ln>
-                    <a:noFill/>
-                  </a:ln>
-                  <a:solidFill>
-                    <a:prstClr val="black"/>
-                  </a:solidFill>
-                  <a:effectLst/>
-                  <a:uLnTx/>
-                  <a:uFillTx/>
-                  <a:latin typeface="Yu Gothic" panose="020B0400000000000000" pitchFamily="34" charset="-128"/>
-                  <a:ea typeface="Yu Gothic" panose="020B0400000000000000" pitchFamily="34" charset="-128"/>
-                </a:rPr>
-                <a:t>1</a:t>
-              </a:r>
-              <a:r>
-                <a:rPr kumimoji="1" lang="ja-JP" altLang="en-US" sz="1600" b="1" u="none" strike="noStrike" kern="1200" cap="none" spc="0" normalizeH="0" baseline="0" noProof="0">
-                  <a:ln>
-                    <a:noFill/>
-                  </a:ln>
-                  <a:solidFill>
-                    <a:prstClr val="black"/>
-                  </a:solidFill>
-                  <a:effectLst/>
-                  <a:uLnTx/>
-                  <a:uFillTx/>
-                  <a:latin typeface="Yu Gothic" panose="020B0400000000000000" pitchFamily="34" charset="-128"/>
-                  <a:ea typeface="Yu Gothic" panose="020B0400000000000000" pitchFamily="34" charset="-128"/>
-                </a:rPr>
-                <a:t>．工夫点</a:t>
-              </a:r>
-              <a:endParaRPr lang="en-US" altLang="ja-JP" b="1" dirty="0">
-                <a:solidFill>
-                  <a:prstClr val="black"/>
-                </a:solidFill>
-                <a:latin typeface="Yu Gothic" panose="020B0400000000000000" pitchFamily="34" charset="-128"/>
-                <a:ea typeface="Yu Gothic" panose="020B0400000000000000" pitchFamily="34" charset="-128"/>
-              </a:endParaRPr>
-            </a:p>
-          </p:txBody>
-        </p:sp>
-      </p:grpSp>
-      <p:grpSp>
-        <p:nvGrpSpPr>
-          <p:cNvPr id="133" name="グループ化 132">
-            <a:extLst>
-              <a:ext uri="{FF2B5EF4-FFF2-40B4-BE49-F238E27FC236}">
-                <a16:creationId xmlns:a16="http://schemas.microsoft.com/office/drawing/2014/main" id="{8500FAF1-2F7B-324C-9843-24E6E483F13F}"/>
-              </a:ext>
-            </a:extLst>
-          </p:cNvPr>
-          <p:cNvGrpSpPr/>
-          <p:nvPr/>
-        </p:nvGrpSpPr>
-        <p:grpSpPr>
-          <a:xfrm>
-            <a:off x="126521" y="2708113"/>
-            <a:ext cx="6252559" cy="347516"/>
-            <a:chOff x="131524" y="868527"/>
-            <a:chExt cx="3963392" cy="347516"/>
-          </a:xfrm>
-        </p:grpSpPr>
-        <p:cxnSp>
-          <p:nvCxnSpPr>
-            <p:cNvPr id="134" name="直線コネクタ 133">
-              <a:extLst>
-                <a:ext uri="{FF2B5EF4-FFF2-40B4-BE49-F238E27FC236}">
-                  <a16:creationId xmlns:a16="http://schemas.microsoft.com/office/drawing/2014/main" id="{EA7E2F9B-35F7-9B47-87D6-572CDE0D8A74}"/>
-                </a:ext>
-              </a:extLst>
-            </p:cNvPr>
-            <p:cNvCxnSpPr>
-              <a:cxnSpLocks/>
-            </p:cNvCxnSpPr>
-            <p:nvPr/>
-          </p:nvCxnSpPr>
-          <p:spPr>
-            <a:xfrm>
-              <a:off x="157712" y="1216043"/>
-              <a:ext cx="3937204" cy="0"/>
-            </a:xfrm>
-            <a:prstGeom prst="line">
-              <a:avLst/>
-            </a:prstGeom>
-            <a:ln w="38100">
-              <a:solidFill>
-                <a:schemeClr val="accent6"/>
-              </a:solidFill>
-            </a:ln>
-          </p:spPr>
-          <p:style>
-            <a:lnRef idx="1">
-              <a:schemeClr val="accent1"/>
-            </a:lnRef>
-            <a:fillRef idx="0">
-              <a:schemeClr val="accent1"/>
-            </a:fillRef>
-            <a:effectRef idx="0">
-              <a:schemeClr val="accent1"/>
-            </a:effectRef>
-            <a:fontRef idx="minor">
-              <a:schemeClr val="tx1"/>
-            </a:fontRef>
-          </p:style>
-        </p:cxnSp>
-        <p:sp>
-          <p:nvSpPr>
-            <p:cNvPr id="135" name="テキスト ボックス 134">
-              <a:extLst>
-                <a:ext uri="{FF2B5EF4-FFF2-40B4-BE49-F238E27FC236}">
-                  <a16:creationId xmlns:a16="http://schemas.microsoft.com/office/drawing/2014/main" id="{E02E679F-6E01-6B45-BA85-BD619140EC3C}"/>
-                </a:ext>
-              </a:extLst>
-            </p:cNvPr>
-            <p:cNvSpPr txBox="1"/>
-            <p:nvPr/>
-          </p:nvSpPr>
-          <p:spPr>
-            <a:xfrm>
-              <a:off x="131524" y="868527"/>
-              <a:ext cx="2816996" cy="338554"/>
-            </a:xfrm>
-            <a:prstGeom prst="rect">
-              <a:avLst/>
-            </a:prstGeom>
-            <a:noFill/>
-          </p:spPr>
-          <p:txBody>
-            <a:bodyPr wrap="square" rtlCol="0">
-              <a:spAutoFit/>
-            </a:bodyPr>
-            <a:lstStyle/>
-            <a:p>
-              <a:pPr marL="0" marR="0" lvl="0" indent="0" algn="l" defTabSz="914400" rtl="0" eaLnBrk="1" fontAlgn="base" latinLnBrk="0" hangingPunct="1">
-                <a:lnSpc>
-                  <a:spcPct val="100000"/>
-                </a:lnSpc>
-                <a:spcBef>
-                  <a:spcPct val="0"/>
-                </a:spcBef>
-                <a:spcAft>
-                  <a:spcPct val="0"/>
-                </a:spcAft>
-                <a:buClrTx/>
-                <a:buSzTx/>
-                <a:buFontTx/>
-                <a:buNone/>
-                <a:tabLst/>
-                <a:defRPr/>
-              </a:pPr>
-              <a:r>
-                <a:rPr kumimoji="1" lang="en-US" altLang="ja-JP" sz="1600" b="1" u="none" strike="noStrike" kern="1200" cap="none" spc="0" normalizeH="0" baseline="0" noProof="0" dirty="0">
-                  <a:ln>
-                    <a:noFill/>
-                  </a:ln>
-                  <a:solidFill>
-                    <a:prstClr val="black"/>
-                  </a:solidFill>
-                  <a:effectLst/>
-                  <a:uLnTx/>
-                  <a:uFillTx/>
-                  <a:latin typeface="Yu Gothic" panose="020B0400000000000000" pitchFamily="34" charset="-128"/>
-                  <a:ea typeface="Yu Gothic" panose="020B0400000000000000" pitchFamily="34" charset="-128"/>
-                </a:rPr>
-                <a:t>3</a:t>
-              </a:r>
-              <a:r>
-                <a:rPr kumimoji="1" lang="ja-JP" altLang="en-US" sz="1600" b="1" u="none" strike="noStrike" kern="1200" cap="none" spc="0" normalizeH="0" baseline="0" noProof="0">
-                  <a:ln>
-                    <a:noFill/>
-                  </a:ln>
-                  <a:solidFill>
-                    <a:prstClr val="black"/>
-                  </a:solidFill>
-                  <a:effectLst/>
-                  <a:uLnTx/>
-                  <a:uFillTx/>
-                  <a:latin typeface="Yu Gothic" panose="020B0400000000000000" pitchFamily="34" charset="-128"/>
-                  <a:ea typeface="Yu Gothic" panose="020B0400000000000000" pitchFamily="34" charset="-128"/>
-                </a:rPr>
-                <a:t>．実装</a:t>
-              </a:r>
-              <a:endParaRPr lang="en-US" altLang="ja-JP" b="1" dirty="0">
-                <a:solidFill>
-                  <a:prstClr val="black"/>
-                </a:solidFill>
-                <a:latin typeface="Yu Gothic" panose="020B0400000000000000" pitchFamily="34" charset="-128"/>
-                <a:ea typeface="Yu Gothic" panose="020B0400000000000000" pitchFamily="34" charset="-128"/>
-              </a:endParaRPr>
-            </a:p>
-          </p:txBody>
-        </p:sp>
-      </p:grpSp>
-      <p:pic>
-        <p:nvPicPr>
-          <p:cNvPr id="72" name="図 71">
-            <a:extLst>
-              <a:ext uri="{FF2B5EF4-FFF2-40B4-BE49-F238E27FC236}">
-                <a16:creationId xmlns:a16="http://schemas.microsoft.com/office/drawing/2014/main" id="{A6148471-C680-6449-9CBC-A622C9D0DA1B}"/>
+                <a16:creationId xmlns:a16="http://schemas.microsoft.com/office/drawing/2014/main" id="{ABD606C0-FE39-7544-B334-396BBC203085}"/>
               </a:ext>
             </a:extLst>
           </p:cNvPr>
@@ -16188,44 +17575,8 @@
         </p:blipFill>
         <p:spPr>
           <a:xfrm>
-            <a:off x="9939461" y="1699923"/>
+            <a:off x="9949997" y="1580150"/>
             <a:ext cx="2522885" cy="1954668"/>
-          </a:xfrm>
-          <a:prstGeom prst="rect">
-            <a:avLst/>
-          </a:prstGeom>
-        </p:spPr>
-      </p:pic>
-      <p:pic>
-        <p:nvPicPr>
-          <p:cNvPr id="17" name="図 16">
-            <a:extLst>
-              <a:ext uri="{FF2B5EF4-FFF2-40B4-BE49-F238E27FC236}">
-                <a16:creationId xmlns:a16="http://schemas.microsoft.com/office/drawing/2014/main" id="{5653805D-8041-DD41-92EA-92EB235CED87}"/>
-              </a:ext>
-            </a:extLst>
-          </p:cNvPr>
-          <p:cNvPicPr>
-            <a:picLocks noChangeAspect="1"/>
-          </p:cNvPicPr>
-          <p:nvPr/>
-        </p:nvPicPr>
-        <p:blipFill>
-          <a:blip r:embed="rId9">
-            <a:extLst>
-              <a:ext uri="{28A0092B-C50C-407E-A947-70E740481C1C}">
-                <a14:useLocalDpi xmlns:a14="http://schemas.microsoft.com/office/drawing/2010/main" val="0"/>
-              </a:ext>
-            </a:extLst>
-          </a:blip>
-          <a:stretch>
-            <a:fillRect/>
-          </a:stretch>
-        </p:blipFill>
-        <p:spPr>
-          <a:xfrm>
-            <a:off x="3058094" y="7370896"/>
-            <a:ext cx="3335283" cy="652864"/>
           </a:xfrm>
           <a:prstGeom prst="rect">
             <a:avLst/>
@@ -16234,10 +17585,10 @@
       </p:pic>
       <p:sp>
         <p:nvSpPr>
-          <p:cNvPr id="78" name="テキスト ボックス 77">
+          <p:cNvPr id="79" name="テキスト ボックス 78">
             <a:extLst>
               <a:ext uri="{FF2B5EF4-FFF2-40B4-BE49-F238E27FC236}">
-                <a16:creationId xmlns:a16="http://schemas.microsoft.com/office/drawing/2014/main" id="{EE8D1CF7-57C0-4145-93DE-2E67C337F622}"/>
+                <a16:creationId xmlns:a16="http://schemas.microsoft.com/office/drawing/2014/main" id="{2C1D2E13-6462-8A4E-AE8C-9164537E56AF}"/>
               </a:ext>
             </a:extLst>
           </p:cNvPr>
@@ -16246,103 +17597,7 @@
         </p:nvSpPr>
         <p:spPr>
           <a:xfrm>
-            <a:off x="414799" y="6312761"/>
-            <a:ext cx="2604479" cy="1061829"/>
-          </a:xfrm>
-          <a:prstGeom prst="rect">
-            <a:avLst/>
-          </a:prstGeom>
-          <a:noFill/>
-        </p:spPr>
-        <p:txBody>
-          <a:bodyPr wrap="square" rtlCol="0">
-            <a:spAutoFit/>
-          </a:bodyPr>
-          <a:lstStyle/>
-          <a:p>
-            <a:r>
-              <a:rPr lang="ja-JP" altLang="en-US" sz="1050">
-                <a:latin typeface="Meiryo" panose="020B0604030504040204" pitchFamily="34" charset="-128"/>
-                <a:ea typeface="Meiryo" panose="020B0604030504040204" pitchFamily="34" charset="-128"/>
-              </a:rPr>
-              <a:t>カーブ半径は試走会</a:t>
-            </a:r>
-            <a:r>
-              <a:rPr lang="en-US" altLang="ja-JP" sz="1050" dirty="0">
-                <a:latin typeface="Meiryo" panose="020B0604030504040204" pitchFamily="34" charset="-128"/>
-                <a:ea typeface="Meiryo" panose="020B0604030504040204" pitchFamily="34" charset="-128"/>
-              </a:rPr>
-              <a:t>1</a:t>
-            </a:r>
-            <a:r>
-              <a:rPr lang="ja-JP" altLang="en-US" sz="1050">
-                <a:latin typeface="Meiryo" panose="020B0604030504040204" pitchFamily="34" charset="-128"/>
-                <a:ea typeface="Meiryo" panose="020B0604030504040204" pitchFamily="34" charset="-128"/>
-              </a:rPr>
-              <a:t>で取得したログデータから算出した．</a:t>
-            </a:r>
-            <a:endParaRPr lang="en-US" altLang="ja-JP" sz="1050" dirty="0">
-              <a:latin typeface="Meiryo" panose="020B0604030504040204" pitchFamily="34" charset="-128"/>
-              <a:ea typeface="Meiryo" panose="020B0604030504040204" pitchFamily="34" charset="-128"/>
-            </a:endParaRPr>
-          </a:p>
-          <a:p>
-            <a:endParaRPr lang="en-US" altLang="ja-JP" sz="1050" dirty="0">
-              <a:latin typeface="Meiryo" panose="020B0604030504040204" pitchFamily="34" charset="-128"/>
-              <a:ea typeface="Meiryo" panose="020B0604030504040204" pitchFamily="34" charset="-128"/>
-            </a:endParaRPr>
-          </a:p>
-          <a:p>
-            <a:r>
-              <a:rPr lang="en-US" altLang="ja-JP" sz="1050" dirty="0">
-                <a:latin typeface="Meiryo" panose="020B0604030504040204" pitchFamily="34" charset="-128"/>
-                <a:ea typeface="Meiryo" panose="020B0604030504040204" pitchFamily="34" charset="-128"/>
-              </a:rPr>
-              <a:t>PID</a:t>
-            </a:r>
-            <a:r>
-              <a:rPr lang="ja-JP" altLang="en-US" sz="1050">
-                <a:latin typeface="Meiryo" panose="020B0604030504040204" pitchFamily="34" charset="-128"/>
-                <a:ea typeface="Meiryo" panose="020B0604030504040204" pitchFamily="34" charset="-128"/>
-              </a:rPr>
-              <a:t>パラメータは限界感度法によって算出したものを</a:t>
-            </a:r>
-            <a:r>
-              <a:rPr lang="en-US" altLang="ja-JP" sz="1050" dirty="0">
-                <a:latin typeface="Meiryo" panose="020B0604030504040204" pitchFamily="34" charset="-128"/>
-                <a:ea typeface="Meiryo" panose="020B0604030504040204" pitchFamily="34" charset="-128"/>
-              </a:rPr>
-              <a:t>Ki</a:t>
-            </a:r>
-            <a:r>
-              <a:rPr lang="ja-JP" altLang="en-US" sz="1050">
-                <a:latin typeface="Meiryo" panose="020B0604030504040204" pitchFamily="34" charset="-128"/>
-                <a:ea typeface="Meiryo" panose="020B0604030504040204" pitchFamily="34" charset="-128"/>
-              </a:rPr>
-              <a:t>のみ値を小さくして使用している．</a:t>
-            </a:r>
-            <a:endParaRPr lang="en-US" altLang="ja-JP" sz="1050" dirty="0">
-              <a:latin typeface="Meiryo" panose="020B0604030504040204" pitchFamily="34" charset="-128"/>
-              <a:ea typeface="Meiryo" panose="020B0604030504040204" pitchFamily="34" charset="-128"/>
-            </a:endParaRPr>
-          </a:p>
-        </p:txBody>
-      </p:sp>
-      <p:sp>
-        <p:nvSpPr>
-          <p:cNvPr id="80" name="テキスト ボックス 79">
-            <a:extLst>
-              <a:ext uri="{FF2B5EF4-FFF2-40B4-BE49-F238E27FC236}">
-                <a16:creationId xmlns:a16="http://schemas.microsoft.com/office/drawing/2014/main" id="{B5D8F592-E681-9F4B-AA14-D33EC094869F}"/>
-              </a:ext>
-            </a:extLst>
-          </p:cNvPr>
-          <p:cNvSpPr txBox="1"/>
-          <p:nvPr/>
-        </p:nvSpPr>
-        <p:spPr>
-          <a:xfrm>
-            <a:off x="6458848" y="4994773"/>
+            <a:off x="6469384" y="4875000"/>
             <a:ext cx="6194702" cy="577081"/>
           </a:xfrm>
           <a:prstGeom prst="rect">
@@ -16388,10 +17643,10 @@
         <mc:Choice xmlns:a14="http://schemas.microsoft.com/office/drawing/2010/main" Requires="a14">
           <p:sp>
             <p:nvSpPr>
-              <p:cNvPr id="88" name="テキスト ボックス 87">
+              <p:cNvPr id="80" name="テキスト ボックス 79">
                 <a:extLst>
                   <a:ext uri="{FF2B5EF4-FFF2-40B4-BE49-F238E27FC236}">
-                    <a16:creationId xmlns:a16="http://schemas.microsoft.com/office/drawing/2014/main" id="{DD0297CC-0048-2342-AF99-6BFC2859F875}"/>
+                    <a16:creationId xmlns:a16="http://schemas.microsoft.com/office/drawing/2014/main" id="{E0D65118-A25D-0640-A0C7-A326FFD1ED87}"/>
                   </a:ext>
                 </a:extLst>
               </p:cNvPr>
@@ -16400,7 +17655,7 @@
             </p:nvSpPr>
             <p:spPr>
               <a:xfrm>
-                <a:off x="6711782" y="6138256"/>
+                <a:off x="6722318" y="6018483"/>
                 <a:ext cx="4105326" cy="369332"/>
               </a:xfrm>
               <a:prstGeom prst="rect">
@@ -16450,13 +17705,7 @@
                         <a:rPr kumimoji="1" lang="en-US" altLang="ja-JP" sz="1100" b="0" i="1" smtClean="0">
                           <a:latin typeface="Cambria Math" panose="02040503050406030204" pitchFamily="18" charset="0"/>
                         </a:rPr>
-                        <m:t>=</m:t>
-                      </m:r>
-                      <m:r>
-                        <a:rPr kumimoji="1" lang="en-US" altLang="ja-JP" sz="1100" b="0" i="1" smtClean="0">
-                          <a:latin typeface="Cambria Math" panose="02040503050406030204" pitchFamily="18" charset="0"/>
-                        </a:rPr>
-                        <m:t>1+1.8</m:t>
+                        <m:t>=1+1.8</m:t>
                       </m:r>
                       <m:r>
                         <a:rPr kumimoji="1" lang="en-US" altLang="ja-JP" sz="1100" b="0" i="1" smtClean="0">
@@ -16563,10 +17812,10 @@
         <mc:Fallback>
           <p:sp>
             <p:nvSpPr>
-              <p:cNvPr id="88" name="テキスト ボックス 87">
+              <p:cNvPr id="80" name="テキスト ボックス 79">
                 <a:extLst>
                   <a:ext uri="{FF2B5EF4-FFF2-40B4-BE49-F238E27FC236}">
-                    <a16:creationId xmlns:a16="http://schemas.microsoft.com/office/drawing/2014/main" id="{DD0297CC-0048-2342-AF99-6BFC2859F875}"/>
+                    <a16:creationId xmlns:a16="http://schemas.microsoft.com/office/drawing/2014/main" id="{E0D65118-A25D-0640-A0C7-A326FFD1ED87}"/>
                   </a:ext>
                 </a:extLst>
               </p:cNvPr>
@@ -16577,16 +17826,16 @@
             </p:nvSpPr>
             <p:spPr>
               <a:xfrm>
-                <a:off x="6711782" y="6138256"/>
+                <a:off x="6722318" y="6018483"/>
                 <a:ext cx="4105326" cy="369332"/>
               </a:xfrm>
               <a:prstGeom prst="rect">
                 <a:avLst/>
               </a:prstGeom>
               <a:blipFill>
-                <a:blip r:embed="rId10"/>
+                <a:blip r:embed="rId9"/>
                 <a:stretch>
-                  <a:fillRect b="-13333"/>
+                  <a:fillRect t="-3333" b="-13333"/>
                 </a:stretch>
               </a:blipFill>
             </p:spPr>
@@ -16608,7 +17857,7 @@
     </p:spTree>
     <p:extLst>
       <p:ext uri="{BB962C8B-B14F-4D97-AF65-F5344CB8AC3E}">
-        <p14:creationId xmlns:p14="http://schemas.microsoft.com/office/powerpoint/2010/main" val="3429835045"/>
+        <p14:creationId xmlns:p14="http://schemas.microsoft.com/office/powerpoint/2010/main" val="2082177838"/>
       </p:ext>
     </p:extLst>
   </p:cSld>

--- a/PowerPoint/工夫点.pptx
+++ b/PowerPoint/工夫点.pptx
@@ -2436,7 +2436,7 @@
         </p:nvSpPr>
         <p:spPr>
           <a:xfrm>
-            <a:off x="97137" y="694983"/>
+            <a:off x="97137" y="679076"/>
             <a:ext cx="12600000" cy="8856984"/>
           </a:xfrm>
           <a:prstGeom prst="rect">
@@ -3411,18 +3411,18 @@
           <a:lstStyle/>
           <a:p>
             <a:r>
-              <a:rPr kumimoji="1" lang="ja-JP" altLang="en-US" sz="1050">
+              <a:rPr kumimoji="1" lang="ja-JP" altLang="en-US" sz="1050" dirty="0">
                 <a:latin typeface="Meiryo" panose="020B0604030504040204" pitchFamily="34" charset="-128"/>
                 <a:ea typeface="Meiryo" panose="020B0604030504040204" pitchFamily="34" charset="-128"/>
               </a:rPr>
               <a:t>カーブを</a:t>
             </a:r>
             <a:r>
-              <a:rPr lang="ja-JP" altLang="en-US" sz="1050">
+              <a:rPr lang="ja-JP" altLang="en-US" sz="1050" dirty="0">
                 <a:latin typeface="Meiryo" panose="020B0604030504040204" pitchFamily="34" charset="-128"/>
                 <a:ea typeface="Meiryo" panose="020B0604030504040204" pitchFamily="34" charset="-128"/>
               </a:rPr>
-              <a:t>安定して曲がることのできる旋回量計算式の構築</a:t>
+              <a:t>安定して走行することのできる旋回量計算式の定義と検証</a:t>
             </a:r>
             <a:endParaRPr kumimoji="1" lang="en-US" altLang="ja-JP" sz="1050" dirty="0">
               <a:latin typeface="Meiryo" panose="020B0604030504040204" pitchFamily="34" charset="-128"/>
@@ -6151,7 +6151,7 @@
         </p:nvSpPr>
         <p:spPr>
           <a:xfrm>
-            <a:off x="9602039" y="3660669"/>
+            <a:off x="9608845" y="3616271"/>
             <a:ext cx="3124077" cy="415498"/>
           </a:xfrm>
           <a:prstGeom prst="rect">
@@ -6166,7 +6166,7 @@
           <a:lstStyle/>
           <a:p>
             <a:r>
-              <a:rPr lang="ja-JP" altLang="en-US" sz="1050">
+              <a:rPr lang="ja-JP" altLang="en-US" sz="1050" dirty="0">
                 <a:latin typeface="Meiryo" panose="020B0604030504040204" pitchFamily="34" charset="-128"/>
                 <a:ea typeface="Meiryo" panose="020B0604030504040204" pitchFamily="34" charset="-128"/>
               </a:rPr>
@@ -6215,7 +6215,7 @@
               <a:t>7.4V</a:t>
             </a:r>
             <a:r>
-              <a:rPr lang="ja-JP" altLang="en-US" sz="1050">
+              <a:rPr lang="ja-JP" altLang="en-US" sz="1050" dirty="0">
                 <a:latin typeface="Meiryo" panose="020B0604030504040204" pitchFamily="34" charset="-128"/>
                 <a:ea typeface="Meiryo" panose="020B0604030504040204" pitchFamily="34" charset="-128"/>
               </a:rPr>
@@ -6229,11 +6229,18 @@
               <a:t>7.4V</a:t>
             </a:r>
             <a:r>
-              <a:rPr lang="ja-JP" altLang="en-US" sz="1050">
+              <a:rPr lang="ja-JP" altLang="en-US" sz="1050" dirty="0" err="1">
                 <a:latin typeface="Meiryo" panose="020B0604030504040204" pitchFamily="34" charset="-128"/>
                 <a:ea typeface="Meiryo" panose="020B0604030504040204" pitchFamily="34" charset="-128"/>
               </a:rPr>
-              <a:t>まで放電させてから行うようにした．</a:t>
+              <a:t>まで</a:t>
+            </a:r>
+            <a:r>
+              <a:rPr lang="ja-JP" altLang="en-US" sz="1050" dirty="0">
+                <a:latin typeface="Meiryo" panose="020B0604030504040204" pitchFamily="34" charset="-128"/>
+                <a:ea typeface="Meiryo" panose="020B0604030504040204" pitchFamily="34" charset="-128"/>
+              </a:rPr>
+              <a:t>放電させてから行うようにした．</a:t>
             </a:r>
             <a:endParaRPr lang="en-US" altLang="ja-JP" sz="1050" dirty="0">
               <a:latin typeface="Meiryo" panose="020B0604030504040204" pitchFamily="34" charset="-128"/>
@@ -6242,7 +6249,7 @@
           </a:p>
           <a:p>
             <a:r>
-              <a:rPr lang="ja-JP" altLang="en-US" sz="1050">
+              <a:rPr lang="ja-JP" altLang="en-US" sz="1050" dirty="0">
                 <a:latin typeface="Meiryo" panose="020B0604030504040204" pitchFamily="34" charset="-128"/>
                 <a:ea typeface="Meiryo" panose="020B0604030504040204" pitchFamily="34" charset="-128"/>
               </a:rPr>
@@ -6269,10 +6276,10 @@
         </p:nvGrpSpPr>
         <p:grpSpPr>
           <a:xfrm>
-            <a:off x="6553848" y="5334344"/>
-            <a:ext cx="6096382" cy="1211356"/>
-            <a:chOff x="472461" y="6884441"/>
-            <a:chExt cx="6096382" cy="1211356"/>
+            <a:off x="6740555" y="5359644"/>
+            <a:ext cx="5756460" cy="1349922"/>
+            <a:chOff x="763685" y="6917592"/>
+            <a:chExt cx="5756460" cy="1349922"/>
           </a:xfrm>
         </p:grpSpPr>
         <p:grpSp>
@@ -6289,14 +6296,14 @@
           </p:nvGrpSpPr>
           <p:grpSpPr>
             <a:xfrm>
-              <a:off x="472461" y="7160569"/>
-              <a:ext cx="4188861" cy="410753"/>
-              <a:chOff x="375789" y="6996367"/>
-              <a:chExt cx="4188861" cy="410753"/>
+              <a:off x="763685" y="7160569"/>
+              <a:ext cx="3897637" cy="410753"/>
+              <a:chOff x="667013" y="6996367"/>
+              <a:chExt cx="3897637" cy="410753"/>
             </a:xfrm>
           </p:grpSpPr>
-          <mc:AlternateContent xmlns:mc="http://schemas.openxmlformats.org/markup-compatibility/2006" xmlns:a14="http://schemas.microsoft.com/office/drawing/2010/main">
-            <mc:Choice Requires="a14">
+          <mc:AlternateContent xmlns:mc="http://schemas.openxmlformats.org/markup-compatibility/2006">
+            <mc:Choice xmlns:a14="http://schemas.microsoft.com/office/drawing/2010/main" Requires="a14">
               <p:sp>
                 <p:nvSpPr>
                   <p:cNvPr id="64" name="テキスト ボックス 63">
@@ -6710,22 +6717,16 @@
                             </m:sub>
                           </m:sSub>
                           <m:r>
-                            <a:rPr kumimoji="1" lang="en-US" altLang="ja-JP" sz="1100" b="0" i="0" smtClean="0">
+                            <a:rPr lang="en-US" altLang="ja-JP" sz="1100" b="0" i="1" smtClean="0">
                               <a:latin typeface="Cambria Math" panose="02040503050406030204" pitchFamily="18" charset="0"/>
                             </a:rPr>
-                            <m:t>(</m:t>
+                            <m:t> </m:t>
                           </m:r>
                           <m:r>
-                            <a:rPr lang="ja-JP" altLang="en-US" sz="1100" i="1">
+                            <a:rPr lang="en-US" altLang="ja-JP" sz="1100" b="0" i="1" smtClean="0">
                               <a:latin typeface="Cambria Math" panose="02040503050406030204" pitchFamily="18" charset="0"/>
                             </a:rPr>
-                            <m:t>曲率旋回量</m:t>
-                          </m:r>
-                          <m:r>
-                            <a:rPr kumimoji="1" lang="en-US" altLang="ja-JP" sz="1100" b="0" i="0" smtClean="0">
-                              <a:latin typeface="Cambria Math" panose="02040503050406030204" pitchFamily="18" charset="0"/>
-                            </a:rPr>
-                            <m:t>)</m:t>
+                            <m:t>𝐶𝑢𝑣</m:t>
                           </m:r>
                         </m:oMath>
                       </m:oMathPara>
@@ -6738,7 +6739,7 @@
                 </p:txBody>
               </p:sp>
             </mc:Choice>
-            <mc:Fallback xmlns="">
+            <mc:Fallback>
               <p:sp>
                 <p:nvSpPr>
                   <p:cNvPr id="64" name="テキスト ボックス 63">
@@ -6762,9 +6763,9 @@
                     <a:avLst/>
                   </a:prstGeom>
                   <a:blipFill>
-                    <a:blip r:embed="rId3"/>
+                    <a:blip r:embed="rId2"/>
                     <a:stretch>
-                      <a:fillRect t="-145455" b="-200000"/>
+                      <a:fillRect t="-161194" b="-220896"/>
                     </a:stretch>
                   </a:blipFill>
                 </p:spPr>
@@ -6797,7 +6798,7 @@
             </p:nvSpPr>
             <p:spPr>
               <a:xfrm>
-                <a:off x="375789" y="7064306"/>
+                <a:off x="667013" y="7070938"/>
                 <a:ext cx="606282" cy="261610"/>
               </a:xfrm>
               <a:prstGeom prst="rect">
@@ -6813,16 +6814,12 @@
               <a:p>
                 <a:pPr algn="ctr"/>
                 <a:r>
-                  <a:rPr kumimoji="1" lang="ja-JP" altLang="en-US" sz="1100">
+                  <a:rPr kumimoji="1" lang="ja-JP" altLang="en-US" sz="1100" dirty="0">
                     <a:latin typeface="メイリオ" panose="020B0604030504040204" pitchFamily="50" charset="-128"/>
                     <a:ea typeface="メイリオ" panose="020B0604030504040204" pitchFamily="50" charset="-128"/>
                   </a:rPr>
                   <a:t>旋回量</a:t>
                 </a:r>
-                <a:endParaRPr kumimoji="1" lang="ja-JP" altLang="en-US" sz="1100" dirty="0">
-                  <a:latin typeface="メイリオ" panose="020B0604030504040204" pitchFamily="50" charset="-128"/>
-                  <a:ea typeface="メイリオ" panose="020B0604030504040204" pitchFamily="50" charset="-128"/>
-                </a:endParaRPr>
               </a:p>
             </p:txBody>
           </p:sp>
@@ -6841,10 +6838,10 @@
           </p:nvGrpSpPr>
           <p:grpSpPr>
             <a:xfrm>
-              <a:off x="4691232" y="6884441"/>
-              <a:ext cx="1877611" cy="1211356"/>
-              <a:chOff x="4680308" y="4852166"/>
-              <a:chExt cx="2254597" cy="938265"/>
+              <a:off x="4645749" y="6917592"/>
+              <a:ext cx="1874396" cy="1349922"/>
+              <a:chOff x="4625691" y="4877840"/>
+              <a:chExt cx="2250736" cy="1045592"/>
             </a:xfrm>
           </p:grpSpPr>
           <p:grpSp>
@@ -6861,14 +6858,14 @@
             </p:nvGrpSpPr>
             <p:grpSpPr>
               <a:xfrm>
-                <a:off x="4680308" y="4852166"/>
-                <a:ext cx="2125452" cy="938265"/>
-                <a:chOff x="3086491" y="5021128"/>
-                <a:chExt cx="2097189" cy="988716"/>
+                <a:off x="4625691" y="4877840"/>
+                <a:ext cx="2180068" cy="1045592"/>
+                <a:chOff x="3032601" y="5048183"/>
+                <a:chExt cx="2151079" cy="1101814"/>
               </a:xfrm>
             </p:grpSpPr>
-            <mc:AlternateContent xmlns:mc="http://schemas.openxmlformats.org/markup-compatibility/2006" xmlns:a14="http://schemas.microsoft.com/office/drawing/2010/main">
-              <mc:Choice Requires="a14">
+            <mc:AlternateContent xmlns:mc="http://schemas.openxmlformats.org/markup-compatibility/2006">
+              <mc:Choice xmlns:a14="http://schemas.microsoft.com/office/drawing/2010/main" Requires="a14">
                 <p:sp>
                   <p:nvSpPr>
                     <p:cNvPr id="61" name="テキスト ボックス 60">
@@ -6883,8 +6880,8 @@
                   </p:nvSpPr>
                   <p:spPr>
                     <a:xfrm>
-                      <a:off x="3093848" y="5021128"/>
-                      <a:ext cx="280687" cy="988716"/>
+                      <a:off x="3032601" y="5048183"/>
+                      <a:ext cx="443711" cy="1101814"/>
                     </a:xfrm>
                     <a:prstGeom prst="rect">
                       <a:avLst/>
@@ -7079,9 +7076,21 @@
                           </m:oMath>
                         </m:oMathPara>
                       </a14:m>
+                      <a:endParaRPr lang="en-US" altLang="ja-JP" sz="900" b="0" dirty="0">
+                        <a:latin typeface="メイリオ" panose="020B0604030504040204" pitchFamily="50" charset="-128"/>
+                      </a:endParaRPr>
+                    </a:p>
+                    <a:p>
+                      <a:r>
+                        <a:rPr lang="en-US" altLang="ja-JP" sz="900" dirty="0" err="1">
+                          <a:latin typeface="Cambria Math" panose="02040503050406030204" pitchFamily="18" charset="0"/>
+                          <a:ea typeface="Cambria Math" panose="02040503050406030204" pitchFamily="18" charset="0"/>
+                        </a:rPr>
+                        <a:t>Cuv</a:t>
+                      </a:r>
                       <a:endParaRPr lang="en-US" altLang="ja-JP" sz="900" dirty="0">
-                        <a:latin typeface="メイリオ" panose="020B0604030504040204" pitchFamily="50" charset="-128"/>
-                        <a:ea typeface="メイリオ" panose="020B0604030504040204" pitchFamily="50" charset="-128"/>
+                        <a:latin typeface="Cambria Math" panose="02040503050406030204" pitchFamily="18" charset="0"/>
+                        <a:ea typeface="Cambria Math" panose="02040503050406030204" pitchFamily="18" charset="0"/>
                       </a:endParaRPr>
                     </a:p>
                     <a:p>
@@ -7228,13 +7237,13 @@
                   </p:txBody>
                 </p:sp>
               </mc:Choice>
-              <mc:Fallback xmlns="">
+              <mc:Fallback>
                 <p:sp>
                   <p:nvSpPr>
-                    <p:cNvPr id="83" name="テキスト ボックス 82">
+                    <p:cNvPr id="61" name="テキスト ボックス 60">
                       <a:extLst>
                         <a:ext uri="{FF2B5EF4-FFF2-40B4-BE49-F238E27FC236}">
-                          <a16:creationId xmlns:a16="http://schemas.microsoft.com/office/drawing/2014/main" id="{34F28BD4-CA47-064C-9274-34DDDE4025D0}"/>
+                          <a16:creationId xmlns:a16="http://schemas.microsoft.com/office/drawing/2014/main" id="{CC54C565-B45C-8A4B-841C-40C498CA33F0}"/>
                         </a:ext>
                       </a:extLst>
                     </p:cNvPr>
@@ -7245,16 +7254,16 @@
                   </p:nvSpPr>
                   <p:spPr>
                     <a:xfrm>
-                      <a:off x="3093848" y="5021128"/>
-                      <a:ext cx="280687" cy="988716"/>
+                      <a:off x="3032601" y="5048183"/>
+                      <a:ext cx="443711" cy="1101814"/>
                     </a:xfrm>
                     <a:prstGeom prst="rect">
                       <a:avLst/>
                     </a:prstGeom>
                     <a:blipFill>
-                      <a:blip r:embed="rId6"/>
+                      <a:blip r:embed="rId3"/>
                       <a:stretch>
-                        <a:fillRect r="-30000"/>
+                        <a:fillRect/>
                       </a:stretch>
                     </a:blipFill>
                   </p:spPr>
@@ -7287,8 +7296,8 @@
               </p:nvSpPr>
               <p:spPr>
                 <a:xfrm flipH="1">
-                  <a:off x="5129512" y="5073031"/>
-                  <a:ext cx="54168" cy="850714"/>
+                  <a:off x="5125221" y="5073030"/>
+                  <a:ext cx="58459" cy="1035026"/>
                 </a:xfrm>
                 <a:prstGeom prst="leftBracket">
                   <a:avLst/>
@@ -7332,7 +7341,7 @@
               <p:spPr>
                 <a:xfrm>
                   <a:off x="3086491" y="5076976"/>
-                  <a:ext cx="59157" cy="846781"/>
+                  <a:ext cx="54168" cy="1031080"/>
                 </a:xfrm>
                 <a:prstGeom prst="leftBracket">
                   <a:avLst/>
@@ -7376,8 +7385,8 @@
             </p:nvSpPr>
             <p:spPr>
               <a:xfrm>
-                <a:off x="4952368" y="4856436"/>
-                <a:ext cx="1982537" cy="929724"/>
+                <a:off x="4893889" y="4886429"/>
+                <a:ext cx="1982538" cy="1036999"/>
               </a:xfrm>
               <a:prstGeom prst="rect">
                 <a:avLst/>
@@ -7438,7 +7447,7 @@
                   <a:t>:</a:t>
                 </a:r>
                 <a:r>
-                  <a:rPr lang="ja-JP" altLang="en-US" sz="900">
+                  <a:rPr lang="ja-JP" altLang="en-US" sz="900" dirty="0">
                     <a:latin typeface="メイリオ" panose="020B0604030504040204" pitchFamily="50" charset="-128"/>
                     <a:ea typeface="メイリオ" panose="020B0604030504040204" pitchFamily="50" charset="-128"/>
                   </a:rPr>
@@ -7458,7 +7467,7 @@
                   <a:t>:</a:t>
                 </a:r>
                 <a:r>
-                  <a:rPr lang="ja-JP" altLang="en-US" sz="900">
+                  <a:rPr lang="ja-JP" altLang="en-US" sz="900" dirty="0">
                     <a:latin typeface="メイリオ" panose="020B0604030504040204" pitchFamily="50" charset="-128"/>
                     <a:ea typeface="メイリオ" panose="020B0604030504040204" pitchFamily="50" charset="-128"/>
                   </a:rPr>
@@ -7478,7 +7487,27 @@
                   <a:t>:</a:t>
                 </a:r>
                 <a:r>
-                  <a:rPr lang="ja-JP" altLang="en-US" sz="900">
+                  <a:rPr lang="ja-JP" altLang="en-US" sz="900" dirty="0">
+                    <a:latin typeface="メイリオ" panose="020B0604030504040204" pitchFamily="50" charset="-128"/>
+                    <a:ea typeface="メイリオ" panose="020B0604030504040204" pitchFamily="50" charset="-128"/>
+                  </a:rPr>
+                  <a:t>曲率旋回量</a:t>
+                </a:r>
+                <a:endParaRPr lang="en-US" altLang="ja-JP" sz="900" dirty="0">
+                  <a:latin typeface="メイリオ" panose="020B0604030504040204" pitchFamily="50" charset="-128"/>
+                  <a:ea typeface="メイリオ" panose="020B0604030504040204" pitchFamily="50" charset="-128"/>
+                </a:endParaRPr>
+              </a:p>
+              <a:p>
+                <a:r>
+                  <a:rPr lang="en-US" altLang="ja-JP" sz="900" dirty="0">
+                    <a:latin typeface="メイリオ" panose="020B0604030504040204" pitchFamily="50" charset="-128"/>
+                    <a:ea typeface="メイリオ" panose="020B0604030504040204" pitchFamily="50" charset="-128"/>
+                  </a:rPr>
+                  <a:t>:</a:t>
+                </a:r>
+                <a:r>
+                  <a:rPr lang="ja-JP" altLang="en-US" sz="900" dirty="0">
                     <a:latin typeface="メイリオ" panose="020B0604030504040204" pitchFamily="50" charset="-128"/>
                     <a:ea typeface="メイリオ" panose="020B0604030504040204" pitchFamily="50" charset="-128"/>
                   </a:rPr>
@@ -7498,7 +7527,7 @@
                   <a:t>:</a:t>
                 </a:r>
                 <a:r>
-                  <a:rPr lang="ja-JP" altLang="en-US" sz="900">
+                  <a:rPr lang="ja-JP" altLang="en-US" sz="900" dirty="0">
                     <a:latin typeface="メイリオ" panose="020B0604030504040204" pitchFamily="50" charset="-128"/>
                     <a:ea typeface="メイリオ" panose="020B0604030504040204" pitchFamily="50" charset="-128"/>
                   </a:rPr>
@@ -7509,21 +7538,7 @@
                     <a:latin typeface="メイリオ" panose="020B0604030504040204" pitchFamily="50" charset="-128"/>
                     <a:ea typeface="メイリオ" panose="020B0604030504040204" pitchFamily="50" charset="-128"/>
                   </a:rPr>
-                  <a:t>(</a:t>
-                </a:r>
-                <a:r>
-                  <a:rPr lang="en-US" altLang="ja-JP" sz="900">
-                    <a:latin typeface="メイリオ" panose="020B0604030504040204" pitchFamily="50" charset="-128"/>
-                    <a:ea typeface="メイリオ" panose="020B0604030504040204" pitchFamily="50" charset="-128"/>
-                  </a:rPr>
-                  <a:t>4</a:t>
-                </a:r>
-                <a:r>
-                  <a:rPr lang="en-US" altLang="ja-JP" sz="900" dirty="0">
-                    <a:latin typeface="メイリオ" panose="020B0604030504040204" pitchFamily="50" charset="-128"/>
-                    <a:ea typeface="メイリオ" panose="020B0604030504040204" pitchFamily="50" charset="-128"/>
-                  </a:rPr>
-                  <a:t>[</a:t>
+                  <a:t>(4[</a:t>
                 </a:r>
                 <a:r>
                   <a:rPr lang="en-US" altLang="ja-JP" sz="900" dirty="0" err="1">
@@ -7549,7 +7564,7 @@
                   <a:t>:</a:t>
                 </a:r>
                 <a:r>
-                  <a:rPr lang="ja-JP" altLang="en-US" sz="900">
+                  <a:rPr lang="ja-JP" altLang="en-US" sz="900" dirty="0">
                     <a:latin typeface="メイリオ" panose="020B0604030504040204" pitchFamily="50" charset="-128"/>
                     <a:ea typeface="メイリオ" panose="020B0604030504040204" pitchFamily="50" charset="-128"/>
                   </a:rPr>
@@ -7572,7 +7587,7 @@
                   <a:t>:</a:t>
                 </a:r>
                 <a:r>
-                  <a:rPr lang="ja-JP" altLang="en-US" sz="900">
+                  <a:rPr lang="ja-JP" altLang="en-US" sz="900" dirty="0">
                     <a:latin typeface="メイリオ" panose="020B0604030504040204" pitchFamily="50" charset="-128"/>
                     <a:ea typeface="メイリオ" panose="020B0604030504040204" pitchFamily="50" charset="-128"/>
                   </a:rPr>
@@ -7585,7 +7600,7 @@
                   </a:rPr>
                   <a:t>[V]</a:t>
                 </a:r>
-                <a:endParaRPr lang="ja-JP" altLang="en-US" sz="900">
+                <a:endParaRPr lang="ja-JP" altLang="en-US" sz="900" dirty="0">
                   <a:latin typeface="メイリオ" panose="020B0604030504040204" pitchFamily="50" charset="-128"/>
                   <a:ea typeface="メイリオ" panose="020B0604030504040204" pitchFamily="50" charset="-128"/>
                 </a:endParaRPr>
@@ -7652,7 +7667,7 @@
           <p:nvPr/>
         </p:nvPicPr>
         <p:blipFill>
-          <a:blip r:embed="rId7">
+          <a:blip r:embed="rId4">
             <a:extLst>
               <a:ext uri="{28A0092B-C50C-407E-A947-70E740481C1C}">
                 <a14:useLocalDpi xmlns:a14="http://schemas.microsoft.com/office/drawing/2010/main" val="0"/>
@@ -7927,7 +7942,7 @@
         </p:nvGrpSpPr>
         <p:grpSpPr>
           <a:xfrm>
-            <a:off x="9735649" y="3985180"/>
+            <a:off x="9736867" y="3981009"/>
             <a:ext cx="2965206" cy="415498"/>
             <a:chOff x="9725113" y="4104953"/>
             <a:chExt cx="2965206" cy="415498"/>
@@ -7962,7 +7977,7 @@
             <a:lstStyle/>
             <a:p>
               <a:r>
-                <a:rPr lang="ja-JP" altLang="en-US" sz="1050">
+                <a:rPr lang="ja-JP" altLang="en-US" sz="1050" dirty="0">
                   <a:latin typeface="Meiryo" panose="020B0604030504040204" pitchFamily="34" charset="-128"/>
                   <a:ea typeface="Meiryo" panose="020B0604030504040204" pitchFamily="34" charset="-128"/>
                 </a:rPr>
@@ -8158,7 +8173,7 @@
           <p:nvPr/>
         </p:nvPicPr>
         <p:blipFill>
-          <a:blip r:embed="rId8">
+          <a:blip r:embed="rId5">
             <a:extLst>
               <a:ext uri="{28A0092B-C50C-407E-A947-70E740481C1C}">
                 <a14:useLocalDpi xmlns:a14="http://schemas.microsoft.com/office/drawing/2010/main" val="0"/>
@@ -8208,7 +8223,7 @@
           <a:lstStyle/>
           <a:p>
             <a:r>
-              <a:rPr lang="ja-JP" altLang="en-US" sz="1050">
+              <a:rPr lang="ja-JP" altLang="en-US" sz="1050" dirty="0">
                 <a:latin typeface="Meiryo" panose="020B0604030504040204" pitchFamily="34" charset="-128"/>
                 <a:ea typeface="Meiryo" panose="020B0604030504040204" pitchFamily="34" charset="-128"/>
               </a:rPr>
@@ -8222,7 +8237,7 @@
               <a:t> 3-1.</a:t>
             </a:r>
             <a:r>
-              <a:rPr lang="ja-JP" altLang="en-US" sz="1050">
+              <a:rPr lang="ja-JP" altLang="en-US" sz="1050" dirty="0">
                 <a:latin typeface="Meiryo" panose="020B0604030504040204" pitchFamily="34" charset="-128"/>
                 <a:ea typeface="Meiryo" panose="020B0604030504040204" pitchFamily="34" charset="-128"/>
               </a:rPr>
@@ -8235,8 +8250,8 @@
           </a:p>
         </p:txBody>
       </p:sp>
-      <mc:AlternateContent xmlns:mc="http://schemas.openxmlformats.org/markup-compatibility/2006" xmlns:a14="http://schemas.microsoft.com/office/drawing/2010/main">
-        <mc:Choice Requires="a14">
+      <mc:AlternateContent xmlns:mc="http://schemas.openxmlformats.org/markup-compatibility/2006">
+        <mc:Choice xmlns:a14="http://schemas.microsoft.com/office/drawing/2010/main" Requires="a14">
           <p:sp>
             <p:nvSpPr>
               <p:cNvPr id="80" name="テキスト ボックス 79">
@@ -8251,7 +8266,7 @@
             </p:nvSpPr>
             <p:spPr>
               <a:xfrm>
-                <a:off x="6243022" y="6044387"/>
+                <a:off x="6453377" y="6101852"/>
                 <a:ext cx="4105326" cy="369332"/>
               </a:xfrm>
               <a:prstGeom prst="rect">
@@ -8405,7 +8420,7 @@
             </p:txBody>
           </p:sp>
         </mc:Choice>
-        <mc:Fallback xmlns="">
+        <mc:Fallback>
           <p:sp>
             <p:nvSpPr>
               <p:cNvPr id="80" name="テキスト ボックス 79">
@@ -8422,16 +8437,16 @@
             </p:nvSpPr>
             <p:spPr>
               <a:xfrm>
-                <a:off x="6243022" y="6044387"/>
+                <a:off x="6453377" y="6101852"/>
                 <a:ext cx="4105326" cy="369332"/>
               </a:xfrm>
               <a:prstGeom prst="rect">
                 <a:avLst/>
               </a:prstGeom>
               <a:blipFill>
-                <a:blip r:embed="rId9"/>
+                <a:blip r:embed="rId6"/>
                 <a:stretch>
-                  <a:fillRect b="-13333"/>
+                  <a:fillRect t="-3279" b="-16393"/>
                 </a:stretch>
               </a:blipFill>
             </p:spPr>
@@ -9463,7 +9478,7 @@
           <a:lstStyle/>
           <a:p>
             <a:r>
-              <a:rPr lang="ja-JP" altLang="en-US" sz="1050">
+              <a:rPr lang="ja-JP" altLang="en-US" sz="1050" dirty="0">
                 <a:latin typeface="Meiryo" panose="020B0604030504040204" pitchFamily="34" charset="-128"/>
                 <a:ea typeface="Meiryo" panose="020B0604030504040204" pitchFamily="34" charset="-128"/>
               </a:rPr>
@@ -9477,20 +9492,20 @@
               <a:t>PID</a:t>
             </a:r>
             <a:r>
-              <a:rPr lang="ja-JP" altLang="en-US" sz="1050">
+              <a:rPr lang="ja-JP" altLang="en-US" sz="1050" dirty="0">
                 <a:latin typeface="Meiryo" panose="020B0604030504040204" pitchFamily="34" charset="-128"/>
                 <a:ea typeface="Meiryo" panose="020B0604030504040204" pitchFamily="34" charset="-128"/>
               </a:rPr>
               <a:t>のみと比較して完走率，タイム共に改善が見込めることがわかった．</a:t>
             </a:r>
             <a:br>
-              <a:rPr lang="ja-JP" altLang="en-US" sz="1050">
+              <a:rPr lang="ja-JP" altLang="en-US" sz="1050" dirty="0">
                 <a:latin typeface="Meiryo" panose="020B0604030504040204" pitchFamily="34" charset="-128"/>
                 <a:ea typeface="Meiryo" panose="020B0604030504040204" pitchFamily="34" charset="-128"/>
               </a:rPr>
             </a:br>
             <a:r>
-              <a:rPr lang="ja-JP" altLang="en-US" sz="1050">
+              <a:rPr lang="ja-JP" altLang="en-US" sz="1050" dirty="0">
                 <a:latin typeface="Meiryo" panose="020B0604030504040204" pitchFamily="34" charset="-128"/>
                 <a:ea typeface="Meiryo" panose="020B0604030504040204" pitchFamily="34" charset="-128"/>
               </a:rPr>
@@ -9821,7 +9836,7 @@
           <p:nvPr/>
         </p:nvPicPr>
         <p:blipFill>
-          <a:blip r:embed="rId10">
+          <a:blip r:embed="rId7">
             <a:extLst>
               <a:ext uri="{28A0092B-C50C-407E-A947-70E740481C1C}">
                 <a14:useLocalDpi xmlns:a14="http://schemas.microsoft.com/office/drawing/2010/main" val="0"/>
